--- a/package09/slides.pptx
+++ b/package09/slides.pptx
@@ -2,7 +2,7 @@
 <file path=ppt/presentation.xml><?xml version="1.0" encoding="utf-8"?>
 <p:presentation xmlns:a="http://schemas.openxmlformats.org/drawingml/2006/main" xmlns:r="http://schemas.openxmlformats.org/officeDocument/2006/relationships" xmlns:p="http://schemas.openxmlformats.org/presentationml/2006/main" saveSubsetFonts="1" autoCompressPictures="0">
   <p:sldMasterIdLst>
-    <p:sldMasterId id="2147483660" r:id="rId1"/>
+    <p:sldMasterId id="2147483681" r:id="rId1"/>
   </p:sldMasterIdLst>
   <p:notesMasterIdLst>
     <p:notesMasterId r:id="rId28"/>
@@ -35,7 +35,7 @@
     <p:sldId id="280" r:id="rId26"/>
     <p:sldId id="281" r:id="rId27"/>
   </p:sldIdLst>
-  <p:sldSz cx="9144000" cy="6858000" type="screen4x3"/>
+  <p:sldSz cx="9144000" cy="5143500" type="screen16x9"/>
   <p:notesSz cx="6858000" cy="9144000"/>
   <p:defaultTextStyle>
     <a:defPPr>
@@ -217,7 +217,7 @@
           <a:p>
             <a:fld id="{340CBC95-18FC-7747-9E33-7B1DCDF54F3C}" type="datetimeFigureOut">
               <a:rPr lang="en-US" smtClean="0"/>
-              <a:t>20/07/15</a:t>
+              <a:t>09/09/15</a:t>
             </a:fld>
             <a:endParaRPr lang="en-US"/>
           </a:p>
@@ -235,8 +235,8 @@
         </p:nvSpPr>
         <p:spPr>
           <a:xfrm>
-            <a:off x="1143000" y="685800"/>
-            <a:ext cx="4572000" cy="3429000"/>
+            <a:off x="381000" y="685800"/>
+            <a:ext cx="6096000" cy="3429000"/>
           </a:xfrm>
           <a:prstGeom prst="rect">
             <a:avLst/>
@@ -512,7 +512,12 @@
             <p:ph type="sldImg"/>
           </p:nvPr>
         </p:nvSpPr>
-        <p:spPr/>
+        <p:spPr>
+          <a:xfrm>
+            <a:off x="381000" y="685800"/>
+            <a:ext cx="6096000" cy="3429000"/>
+          </a:xfrm>
+        </p:spPr>
       </p:sp>
       <p:sp>
         <p:nvSpPr>
@@ -616,7 +621,12 @@
             <p:ph type="sldImg"/>
           </p:nvPr>
         </p:nvSpPr>
-        <p:spPr/>
+        <p:spPr>
+          <a:xfrm>
+            <a:off x="381000" y="685800"/>
+            <a:ext cx="6096000" cy="3429000"/>
+          </a:xfrm>
+        </p:spPr>
       </p:sp>
       <p:sp>
         <p:nvSpPr>
@@ -713,7 +723,6 @@
               <a:rPr lang="en-US" dirty="0" smtClean="0"/>
               <a:t> during the backup process, which is important if the data being backed up has to travel through the internet to reach the server which maintains the backup copy.</a:t>
             </a:r>
-            <a:endParaRPr lang="en-US" dirty="0" smtClean="0"/>
           </a:p>
           <a:p>
             <a:endParaRPr lang="en-US" dirty="0"/>
@@ -783,7 +792,12 @@
             <p:ph type="sldImg"/>
           </p:nvPr>
         </p:nvSpPr>
-        <p:spPr/>
+        <p:spPr>
+          <a:xfrm>
+            <a:off x="381000" y="685800"/>
+            <a:ext cx="6096000" cy="3429000"/>
+          </a:xfrm>
+        </p:spPr>
       </p:sp>
       <p:sp>
         <p:nvSpPr>
@@ -922,7 +936,12 @@
             <p:ph type="sldImg"/>
           </p:nvPr>
         </p:nvSpPr>
-        <p:spPr/>
+        <p:spPr>
+          <a:xfrm>
+            <a:off x="381000" y="685800"/>
+            <a:ext cx="6096000" cy="3429000"/>
+          </a:xfrm>
+        </p:spPr>
       </p:sp>
       <p:sp>
         <p:nvSpPr>
@@ -1020,7 +1039,12 @@
             <p:ph type="sldImg"/>
           </p:nvPr>
         </p:nvSpPr>
-        <p:spPr/>
+        <p:spPr>
+          <a:xfrm>
+            <a:off x="381000" y="685800"/>
+            <a:ext cx="6096000" cy="3429000"/>
+          </a:xfrm>
+        </p:spPr>
       </p:sp>
       <p:sp>
         <p:nvSpPr>
@@ -1133,7 +1157,12 @@
             <p:ph type="sldImg"/>
           </p:nvPr>
         </p:nvSpPr>
-        <p:spPr/>
+        <p:spPr>
+          <a:xfrm>
+            <a:off x="381000" y="685800"/>
+            <a:ext cx="6096000" cy="3429000"/>
+          </a:xfrm>
+        </p:spPr>
       </p:sp>
       <p:sp>
         <p:nvSpPr>
@@ -1225,7 +1254,12 @@
             <p:ph type="sldImg"/>
           </p:nvPr>
         </p:nvSpPr>
-        <p:spPr/>
+        <p:spPr>
+          <a:xfrm>
+            <a:off x="381000" y="685800"/>
+            <a:ext cx="6096000" cy="3429000"/>
+          </a:xfrm>
+        </p:spPr>
       </p:sp>
       <p:sp>
         <p:nvSpPr>
@@ -1317,7 +1351,12 @@
             <p:ph type="sldImg"/>
           </p:nvPr>
         </p:nvSpPr>
-        <p:spPr/>
+        <p:spPr>
+          <a:xfrm>
+            <a:off x="381000" y="685800"/>
+            <a:ext cx="6096000" cy="3429000"/>
+          </a:xfrm>
+        </p:spPr>
       </p:sp>
       <p:sp>
         <p:nvSpPr>
@@ -1401,7 +1440,12 @@
             <p:ph type="sldImg"/>
           </p:nvPr>
         </p:nvSpPr>
-        <p:spPr/>
+        <p:spPr>
+          <a:xfrm>
+            <a:off x="381000" y="685800"/>
+            <a:ext cx="6096000" cy="3429000"/>
+          </a:xfrm>
+        </p:spPr>
       </p:sp>
       <p:sp>
         <p:nvSpPr>
@@ -1493,7 +1537,12 @@
             <p:ph type="sldImg"/>
           </p:nvPr>
         </p:nvSpPr>
-        <p:spPr/>
+        <p:spPr>
+          <a:xfrm>
+            <a:off x="381000" y="685800"/>
+            <a:ext cx="6096000" cy="3429000"/>
+          </a:xfrm>
+        </p:spPr>
       </p:sp>
       <p:sp>
         <p:nvSpPr>
@@ -1577,7 +1626,12 @@
             <p:ph type="sldImg"/>
           </p:nvPr>
         </p:nvSpPr>
-        <p:spPr/>
+        <p:spPr>
+          <a:xfrm>
+            <a:off x="381000" y="685800"/>
+            <a:ext cx="6096000" cy="3429000"/>
+          </a:xfrm>
+        </p:spPr>
       </p:sp>
       <p:sp>
         <p:nvSpPr>
@@ -1727,7 +1781,12 @@
             <p:ph type="sldImg"/>
           </p:nvPr>
         </p:nvSpPr>
-        <p:spPr/>
+        <p:spPr>
+          <a:xfrm>
+            <a:off x="381000" y="685800"/>
+            <a:ext cx="6096000" cy="3429000"/>
+          </a:xfrm>
+        </p:spPr>
       </p:sp>
       <p:sp>
         <p:nvSpPr>
@@ -1823,7 +1882,12 @@
             <p:ph type="sldImg"/>
           </p:nvPr>
         </p:nvSpPr>
-        <p:spPr/>
+        <p:spPr>
+          <a:xfrm>
+            <a:off x="381000" y="685800"/>
+            <a:ext cx="6096000" cy="3429000"/>
+          </a:xfrm>
+        </p:spPr>
       </p:sp>
       <p:sp>
         <p:nvSpPr>
@@ -1917,8 +1981,19 @@
 </file>
 
 <file path=ppt/slideLayouts/slideLayout1.xml><?xml version="1.0" encoding="utf-8"?>
-<p:sldLayout xmlns:a="http://schemas.openxmlformats.org/drawingml/2006/main" xmlns:r="http://schemas.openxmlformats.org/officeDocument/2006/relationships" xmlns:p="http://schemas.openxmlformats.org/presentationml/2006/main" showMasterSp="0" type="title" preserve="1">
+<p:sldLayout xmlns:a="http://schemas.openxmlformats.org/drawingml/2006/main" xmlns:r="http://schemas.openxmlformats.org/officeDocument/2006/relationships" xmlns:p="http://schemas.openxmlformats.org/presentationml/2006/main" type="title" preserve="1">
   <p:cSld name="Title Slide">
+    <p:bg>
+      <p:bgPr>
+        <a:blipFill rotWithShape="1">
+          <a:blip r:embed="rId2"/>
+          <a:stretch>
+            <a:fillRect/>
+          </a:stretch>
+        </a:blipFill>
+        <a:effectLst/>
+      </p:bgPr>
+    </p:bg>
     <p:spTree>
       <p:nvGrpSpPr>
         <p:cNvPr id="1" name=""/>
@@ -1945,8 +2020,8 @@
         </p:nvSpPr>
         <p:spPr>
           <a:xfrm>
-            <a:off x="4800600" y="4624668"/>
-            <a:ext cx="4038600" cy="933450"/>
+            <a:off x="688011" y="2320994"/>
+            <a:ext cx="7772400" cy="763487"/>
           </a:xfrm>
         </p:spPr>
         <p:txBody>
@@ -1955,7 +2030,7 @@
           </a:bodyPr>
           <a:lstStyle>
             <a:lvl1pPr>
-              <a:defRPr sz="2800"/>
+              <a:defRPr sz="3200" b="1" cap="all"/>
             </a:lvl1pPr>
           </a:lstStyle>
           <a:p>
@@ -1963,7 +2038,7 @@
               <a:rPr lang="en-AU" smtClean="0"/>
               <a:t>Click to edit Master title style</a:t>
             </a:r>
-            <a:endParaRPr/>
+            <a:endParaRPr lang="en-US" dirty="0"/>
           </a:p>
         </p:txBody>
       </p:sp>
@@ -1979,25 +2054,18 @@
         </p:nvSpPr>
         <p:spPr>
           <a:xfrm>
-            <a:off x="4800600" y="5562599"/>
-            <a:ext cx="4038600" cy="748553"/>
+            <a:off x="1371600" y="3084480"/>
+            <a:ext cx="6400800" cy="992070"/>
           </a:xfrm>
         </p:spPr>
         <p:txBody>
-          <a:bodyPr>
-            <a:normAutofit/>
-          </a:bodyPr>
+          <a:bodyPr/>
           <a:lstStyle>
-            <a:lvl1pPr marL="0" indent="0" algn="l">
-              <a:spcBef>
-                <a:spcPts val="300"/>
-              </a:spcBef>
+            <a:lvl1pPr marL="0" indent="0" algn="ctr">
               <a:buNone/>
-              <a:defRPr sz="1400">
-                <a:solidFill>
-                  <a:schemeClr val="tx1">
-                    <a:tint val="75000"/>
-                  </a:schemeClr>
+              <a:defRPr>
+                <a:solidFill>
+                  <a:schemeClr val="tx1"/>
                 </a:solidFill>
               </a:defRPr>
             </a:lvl1pPr>
@@ -2087,225 +2155,20 @@
               <a:rPr lang="en-AU" smtClean="0"/>
               <a:t>Click to edit Master subtitle style</a:t>
             </a:r>
-            <a:endParaRPr/>
-          </a:p>
-        </p:txBody>
-      </p:sp>
-      <p:sp>
-        <p:nvSpPr>
-          <p:cNvPr id="4" name="Date Placeholder 3"/>
-          <p:cNvSpPr>
-            <a:spLocks noGrp="1"/>
-          </p:cNvSpPr>
-          <p:nvPr>
-            <p:ph type="dt" sz="half" idx="10"/>
-          </p:nvPr>
+            <a:endParaRPr lang="en-US" dirty="0"/>
+          </a:p>
+        </p:txBody>
+      </p:sp>
+      <p:sp>
+        <p:nvSpPr>
+          <p:cNvPr id="8" name="TextBox 7"/>
+          <p:cNvSpPr txBox="1"/>
+          <p:nvPr/>
         </p:nvSpPr>
         <p:spPr>
           <a:xfrm>
-            <a:off x="4800600" y="6425640"/>
-            <a:ext cx="1232647" cy="365125"/>
-          </a:xfrm>
-        </p:spPr>
-        <p:txBody>
-          <a:bodyPr/>
-          <a:lstStyle>
-            <a:lvl1pPr algn="l">
-              <a:defRPr/>
-            </a:lvl1pPr>
-          </a:lstStyle>
-          <a:p>
-            <a:fld id="{44E55408-4E64-184E-A974-20262AF63A0C}" type="datetimeFigureOut">
-              <a:rPr lang="en-US" smtClean="0"/>
-              <a:t>20/07/15</a:t>
-            </a:fld>
-            <a:endParaRPr lang="en-US"/>
-          </a:p>
-        </p:txBody>
-      </p:sp>
-      <p:sp>
-        <p:nvSpPr>
-          <p:cNvPr id="5" name="Footer Placeholder 4"/>
-          <p:cNvSpPr>
-            <a:spLocks noGrp="1"/>
-          </p:cNvSpPr>
-          <p:nvPr>
-            <p:ph type="ftr" sz="quarter" idx="11"/>
-          </p:nvPr>
-        </p:nvSpPr>
-        <p:spPr>
-          <a:xfrm>
-            <a:off x="6311153" y="6425640"/>
-            <a:ext cx="2617694" cy="365125"/>
-          </a:xfrm>
-        </p:spPr>
-        <p:txBody>
-          <a:bodyPr/>
-          <a:lstStyle>
-            <a:lvl1pPr algn="r">
-              <a:defRPr/>
-            </a:lvl1pPr>
-          </a:lstStyle>
-          <a:p>
-            <a:endParaRPr lang="en-US"/>
-          </a:p>
-        </p:txBody>
-      </p:sp>
-      <p:sp>
-        <p:nvSpPr>
-          <p:cNvPr id="7" name="Rectangle 6"/>
-          <p:cNvSpPr/>
-          <p:nvPr/>
-        </p:nvSpPr>
-        <p:spPr>
-          <a:xfrm>
-            <a:off x="282575" y="228600"/>
-            <a:ext cx="4235450" cy="4187952"/>
-          </a:xfrm>
-          <a:prstGeom prst="rect">
-            <a:avLst/>
-          </a:prstGeom>
-          <a:solidFill>
-            <a:schemeClr val="accent1"/>
-          </a:solidFill>
-          <a:ln>
-            <a:noFill/>
-          </a:ln>
-        </p:spPr>
-        <p:style>
-          <a:lnRef idx="2">
-            <a:schemeClr val="accent1">
-              <a:shade val="50000"/>
-            </a:schemeClr>
-          </a:lnRef>
-          <a:fillRef idx="1">
-            <a:schemeClr val="accent1"/>
-          </a:fillRef>
-          <a:effectRef idx="0">
-            <a:schemeClr val="accent1"/>
-          </a:effectRef>
-          <a:fontRef idx="minor">
-            <a:schemeClr val="lt1"/>
-          </a:fontRef>
-        </p:style>
-        <p:txBody>
-          <a:bodyPr rtlCol="0" anchor="ctr"/>
-          <a:lstStyle/>
-          <a:p>
-            <a:pPr algn="ctr"/>
-            <a:endParaRPr/>
-          </a:p>
-        </p:txBody>
-      </p:sp>
-      <p:sp>
-        <p:nvSpPr>
-          <p:cNvPr id="8" name="Rectangle 7"/>
-          <p:cNvSpPr/>
-          <p:nvPr/>
-        </p:nvSpPr>
-        <p:spPr>
-          <a:xfrm>
-            <a:off x="6802438" y="228600"/>
-            <a:ext cx="2057400" cy="2039112"/>
-          </a:xfrm>
-          <a:prstGeom prst="rect">
-            <a:avLst/>
-          </a:prstGeom>
-          <a:solidFill>
-            <a:schemeClr val="accent3"/>
-          </a:solidFill>
-          <a:ln>
-            <a:noFill/>
-          </a:ln>
-        </p:spPr>
-        <p:style>
-          <a:lnRef idx="2">
-            <a:schemeClr val="accent1">
-              <a:shade val="50000"/>
-            </a:schemeClr>
-          </a:lnRef>
-          <a:fillRef idx="1">
-            <a:schemeClr val="accent1"/>
-          </a:fillRef>
-          <a:effectRef idx="0">
-            <a:schemeClr val="accent1"/>
-          </a:effectRef>
-          <a:fontRef idx="minor">
-            <a:schemeClr val="lt1"/>
-          </a:fontRef>
-        </p:style>
-        <p:txBody>
-          <a:bodyPr rtlCol="0" anchor="ctr"/>
-          <a:lstStyle/>
-          <a:p>
-            <a:pPr algn="ctr"/>
-            <a:endParaRPr/>
-          </a:p>
-        </p:txBody>
-      </p:sp>
-      <p:sp>
-        <p:nvSpPr>
-          <p:cNvPr id="10" name="Rectangle 9"/>
-          <p:cNvSpPr/>
-          <p:nvPr/>
-        </p:nvSpPr>
-        <p:spPr>
-          <a:xfrm>
-            <a:off x="4624388" y="2377440"/>
-            <a:ext cx="2057400" cy="2039112"/>
-          </a:xfrm>
-          <a:prstGeom prst="rect">
-            <a:avLst/>
-          </a:prstGeom>
-          <a:solidFill>
-            <a:schemeClr val="accent4"/>
-          </a:solidFill>
-          <a:ln>
-            <a:noFill/>
-          </a:ln>
-        </p:spPr>
-        <p:style>
-          <a:lnRef idx="2">
-            <a:schemeClr val="accent1">
-              <a:shade val="50000"/>
-            </a:schemeClr>
-          </a:lnRef>
-          <a:fillRef idx="1">
-            <a:schemeClr val="accent1"/>
-          </a:fillRef>
-          <a:effectRef idx="0">
-            <a:schemeClr val="accent1"/>
-          </a:effectRef>
-          <a:fontRef idx="minor">
-            <a:schemeClr val="lt1"/>
-          </a:fontRef>
-        </p:style>
-        <p:txBody>
-          <a:bodyPr rtlCol="0" anchor="ctr"/>
-          <a:lstStyle/>
-          <a:p>
-            <a:pPr marL="0" algn="ctr" defTabSz="914400" rtl="0" eaLnBrk="1" latinLnBrk="0" hangingPunct="1"/>
-            <a:endParaRPr sz="1800" kern="1200">
-              <a:solidFill>
-                <a:schemeClr val="lt1"/>
-              </a:solidFill>
-              <a:latin typeface="+mn-lt"/>
-              <a:ea typeface="+mn-ea"/>
-              <a:cs typeface="+mn-cs"/>
-            </a:endParaRPr>
-          </a:p>
-        </p:txBody>
-      </p:sp>
-      <p:sp>
-        <p:nvSpPr>
-          <p:cNvPr id="15" name="TextBox 14"/>
-          <p:cNvSpPr txBox="1"/>
-          <p:nvPr/>
-        </p:nvSpPr>
-        <p:spPr>
-          <a:xfrm>
-            <a:off x="424891" y="174812"/>
-            <a:ext cx="413309" cy="830997"/>
+            <a:off x="325168" y="4535655"/>
+            <a:ext cx="6069291" cy="292388"/>
           </a:xfrm>
           <a:prstGeom prst="rect">
             <a:avLst/>
@@ -2313,118 +2176,99 @@
           <a:noFill/>
         </p:spPr>
         <p:txBody>
-          <a:bodyPr wrap="square" lIns="0" tIns="0" rIns="0" bIns="0" rtlCol="0">
+          <a:bodyPr wrap="square" rtlCol="0">
             <a:spAutoFit/>
           </a:bodyPr>
           <a:lstStyle/>
           <a:p>
             <a:r>
-              <a:rPr sz="5400" b="1">
-                <a:solidFill>
-                  <a:schemeClr val="accent1">
-                    <a:lumMod val="60000"/>
-                    <a:lumOff val="40000"/>
-                  </a:schemeClr>
-                </a:solidFill>
+              <a:rPr lang="en-AU" sz="1300" dirty="0" smtClean="0">
+                <a:latin typeface="Arial"/>
+                <a:cs typeface="Arial"/>
               </a:rPr>
-              <a:t>+</a:t>
-            </a:r>
-          </a:p>
-        </p:txBody>
-      </p:sp>
-      <p:sp>
-        <p:nvSpPr>
-          <p:cNvPr id="11" name="Rectangle 10"/>
-          <p:cNvSpPr/>
+              <a:t>communications@nectar.org.au  </a:t>
+            </a:r>
+            <a:r>
+              <a:rPr lang="en-AU" sz="1300" i="1" dirty="0" smtClean="0">
+                <a:latin typeface="Arial"/>
+                <a:cs typeface="Arial"/>
+              </a:rPr>
+              <a:t>|  </a:t>
+            </a:r>
+            <a:r>
+              <a:rPr lang="en-AU" sz="1300" b="1" dirty="0" err="1" smtClean="0">
+                <a:solidFill>
+                  <a:srgbClr val="F5B71D"/>
+                </a:solidFill>
+                <a:latin typeface="Arial"/>
+                <a:cs typeface="Arial"/>
+              </a:rPr>
+              <a:t>nectar.org.au</a:t>
+            </a:r>
+            <a:endParaRPr lang="en-AU" sz="1300" b="1" dirty="0">
+              <a:solidFill>
+                <a:srgbClr val="F5B71D"/>
+              </a:solidFill>
+              <a:latin typeface="Arial"/>
+              <a:cs typeface="Arial"/>
+            </a:endParaRPr>
+          </a:p>
+        </p:txBody>
+      </p:sp>
+      <p:pic>
+        <p:nvPicPr>
+          <p:cNvPr id="9" name="Picture 8"/>
+          <p:cNvPicPr>
+            <a:picLocks noChangeAspect="1"/>
+          </p:cNvPicPr>
           <p:nvPr/>
-        </p:nvSpPr>
+        </p:nvPicPr>
+        <p:blipFill>
+          <a:blip r:embed="rId3"/>
+          <a:stretch>
+            <a:fillRect/>
+          </a:stretch>
+        </p:blipFill>
         <p:spPr>
           <a:xfrm>
-            <a:off x="4624388" y="228600"/>
-            <a:ext cx="2057400" cy="2039112"/>
+            <a:off x="6649026" y="4076551"/>
+            <a:ext cx="743204" cy="830072"/>
           </a:xfrm>
           <a:prstGeom prst="rect">
             <a:avLst/>
           </a:prstGeom>
-          <a:solidFill>
-            <a:schemeClr val="accent6"/>
-          </a:solidFill>
-          <a:ln>
-            <a:noFill/>
-          </a:ln>
         </p:spPr>
-        <p:style>
-          <a:lnRef idx="2">
-            <a:schemeClr val="accent1">
-              <a:shade val="50000"/>
-            </a:schemeClr>
-          </a:lnRef>
-          <a:fillRef idx="1">
-            <a:schemeClr val="accent1"/>
-          </a:fillRef>
-          <a:effectRef idx="0">
-            <a:schemeClr val="accent1"/>
-          </a:effectRef>
-          <a:fontRef idx="minor">
-            <a:schemeClr val="lt1"/>
-          </a:fontRef>
-        </p:style>
-        <p:txBody>
-          <a:bodyPr rtlCol="0" anchor="ctr"/>
-          <a:lstStyle/>
-          <a:p>
-            <a:pPr algn="ctr"/>
-            <a:endParaRPr/>
-          </a:p>
-        </p:txBody>
-      </p:sp>
-      <p:sp>
-        <p:nvSpPr>
-          <p:cNvPr id="12" name="Rectangle 11"/>
-          <p:cNvSpPr/>
+      </p:pic>
+      <p:pic>
+        <p:nvPicPr>
+          <p:cNvPr id="10" name="Picture 9"/>
+          <p:cNvPicPr>
+            <a:picLocks noChangeAspect="1"/>
+          </p:cNvPicPr>
           <p:nvPr/>
-        </p:nvSpPr>
+        </p:nvPicPr>
+        <p:blipFill>
+          <a:blip r:embed="rId4"/>
+          <a:stretch>
+            <a:fillRect/>
+          </a:stretch>
+        </p:blipFill>
         <p:spPr>
           <a:xfrm>
-            <a:off x="6802438" y="2377440"/>
-            <a:ext cx="2057400" cy="2039112"/>
+            <a:off x="7542819" y="4206546"/>
+            <a:ext cx="1170191" cy="561692"/>
           </a:xfrm>
           <a:prstGeom prst="rect">
             <a:avLst/>
           </a:prstGeom>
-          <a:solidFill>
-            <a:schemeClr val="accent2"/>
-          </a:solidFill>
-          <a:ln>
-            <a:noFill/>
-          </a:ln>
         </p:spPr>
-        <p:style>
-          <a:lnRef idx="2">
-            <a:schemeClr val="accent1">
-              <a:shade val="50000"/>
-            </a:schemeClr>
-          </a:lnRef>
-          <a:fillRef idx="1">
-            <a:schemeClr val="accent1"/>
-          </a:fillRef>
-          <a:effectRef idx="0">
-            <a:schemeClr val="accent1"/>
-          </a:effectRef>
-          <a:fontRef idx="minor">
-            <a:schemeClr val="lt1"/>
-          </a:fontRef>
-        </p:style>
-        <p:txBody>
-          <a:bodyPr rtlCol="0" anchor="ctr"/>
-          <a:lstStyle/>
-          <a:p>
-            <a:pPr algn="ctr"/>
-            <a:endParaRPr/>
-          </a:p>
-        </p:txBody>
-      </p:sp>
+      </p:pic>
     </p:spTree>
+    <p:extLst>
+      <p:ext uri="{BB962C8B-B14F-4D97-AF65-F5344CB8AC3E}">
+        <p14:creationId xmlns:p14="http://schemas.microsoft.com/office/powerpoint/2010/main" val="4226996645"/>
+      </p:ext>
+    </p:extLst>
   </p:cSld>
   <p:clrMapOvr>
     <a:masterClrMapping/>
@@ -2434,7 +2278,18 @@
 
 <file path=ppt/slideLayouts/slideLayout10.xml><?xml version="1.0" encoding="utf-8"?>
 <p:sldLayout xmlns:a="http://schemas.openxmlformats.org/drawingml/2006/main" xmlns:r="http://schemas.openxmlformats.org/officeDocument/2006/relationships" xmlns:p="http://schemas.openxmlformats.org/presentationml/2006/main" preserve="1">
-  <p:cSld name="4 Content">
+  <p:cSld name="EndSlide">
+    <p:bg>
+      <p:bgPr>
+        <a:blipFill rotWithShape="1">
+          <a:blip r:embed="rId2"/>
+          <a:stretch>
+            <a:fillRect/>
+          </a:stretch>
+        </a:blipFill>
+        <a:effectLst/>
+      </p:bgPr>
+    </p:bg>
     <p:spTree>
       <p:nvGrpSpPr>
         <p:cNvPr id="1" name=""/>
@@ -2449,3531 +2304,12 @@
           <a:chExt cx="0" cy="0"/>
         </a:xfrm>
       </p:grpSpPr>
-      <p:sp>
-        <p:nvSpPr>
-          <p:cNvPr id="8" name="Rectangle 7"/>
-          <p:cNvSpPr/>
-          <p:nvPr/>
-        </p:nvSpPr>
-        <p:spPr>
-          <a:xfrm>
-            <a:off x="8166847" y="282574"/>
-            <a:ext cx="685800" cy="1600200"/>
-          </a:xfrm>
-          <a:prstGeom prst="rect">
-            <a:avLst/>
-          </a:prstGeom>
-          <a:solidFill>
-            <a:schemeClr val="accent1"/>
-          </a:solidFill>
-          <a:ln>
-            <a:noFill/>
-          </a:ln>
-        </p:spPr>
-        <p:style>
-          <a:lnRef idx="2">
-            <a:schemeClr val="accent1">
-              <a:shade val="50000"/>
-            </a:schemeClr>
-          </a:lnRef>
-          <a:fillRef idx="1">
-            <a:schemeClr val="accent1"/>
-          </a:fillRef>
-          <a:effectRef idx="0">
-            <a:schemeClr val="accent1"/>
-          </a:effectRef>
-          <a:fontRef idx="minor">
-            <a:schemeClr val="lt1"/>
-          </a:fontRef>
-        </p:style>
-        <p:txBody>
-          <a:bodyPr rtlCol="0" anchor="ctr"/>
-          <a:lstStyle/>
-          <a:p>
-            <a:pPr algn="ctr"/>
-            <a:endParaRPr/>
-          </a:p>
-        </p:txBody>
-      </p:sp>
-      <p:sp>
-        <p:nvSpPr>
-          <p:cNvPr id="10" name="TextBox 9"/>
-          <p:cNvSpPr txBox="1"/>
-          <p:nvPr/>
-        </p:nvSpPr>
-        <p:spPr>
-          <a:xfrm>
-            <a:off x="223185" y="228600"/>
-            <a:ext cx="260909" cy="553998"/>
-          </a:xfrm>
-          <a:prstGeom prst="rect">
-            <a:avLst/>
-          </a:prstGeom>
-          <a:noFill/>
-        </p:spPr>
-        <p:txBody>
-          <a:bodyPr wrap="square" lIns="0" tIns="0" rIns="0" bIns="0" rtlCol="0">
-            <a:spAutoFit/>
-          </a:bodyPr>
-          <a:lstStyle/>
-          <a:p>
-            <a:r>
-              <a:rPr sz="3600" b="1">
-                <a:solidFill>
-                  <a:schemeClr val="accent1">
-                    <a:lumMod val="60000"/>
-                    <a:lumOff val="40000"/>
-                  </a:schemeClr>
-                </a:solidFill>
-              </a:rPr>
-              <a:t>+</a:t>
-            </a:r>
-          </a:p>
-        </p:txBody>
-      </p:sp>
-      <p:sp>
-        <p:nvSpPr>
-          <p:cNvPr id="2" name="Title 1"/>
-          <p:cNvSpPr>
-            <a:spLocks noGrp="1"/>
-          </p:cNvSpPr>
-          <p:nvPr>
-            <p:ph type="title"/>
-          </p:nvPr>
-        </p:nvSpPr>
-        <p:spPr/>
-        <p:txBody>
-          <a:bodyPr/>
-          <a:lstStyle/>
-          <a:p>
-            <a:r>
-              <a:rPr lang="en-AU" smtClean="0"/>
-              <a:t>Click to edit Master title style</a:t>
-            </a:r>
-            <a:endParaRPr/>
-          </a:p>
-        </p:txBody>
-      </p:sp>
-      <p:sp>
-        <p:nvSpPr>
-          <p:cNvPr id="5" name="Date Placeholder 4"/>
-          <p:cNvSpPr>
-            <a:spLocks noGrp="1"/>
-          </p:cNvSpPr>
-          <p:nvPr>
-            <p:ph type="dt" sz="half" idx="10"/>
-          </p:nvPr>
-        </p:nvSpPr>
-        <p:spPr/>
-        <p:txBody>
-          <a:bodyPr/>
-          <a:lstStyle/>
-          <a:p>
-            <a:fld id="{44E55408-4E64-184E-A974-20262AF63A0C}" type="datetimeFigureOut">
-              <a:rPr lang="en-US" smtClean="0"/>
-              <a:t>20/07/15</a:t>
-            </a:fld>
-            <a:endParaRPr lang="en-US"/>
-          </a:p>
-        </p:txBody>
-      </p:sp>
-      <p:sp>
-        <p:nvSpPr>
-          <p:cNvPr id="6" name="Footer Placeholder 5"/>
-          <p:cNvSpPr>
-            <a:spLocks noGrp="1"/>
-          </p:cNvSpPr>
-          <p:nvPr>
-            <p:ph type="ftr" sz="quarter" idx="11"/>
-          </p:nvPr>
-        </p:nvSpPr>
-        <p:spPr/>
-        <p:txBody>
-          <a:bodyPr/>
-          <a:lstStyle/>
-          <a:p>
-            <a:endParaRPr lang="en-US"/>
-          </a:p>
-        </p:txBody>
-      </p:sp>
-      <p:sp>
-        <p:nvSpPr>
-          <p:cNvPr id="7" name="Slide Number Placeholder 6"/>
-          <p:cNvSpPr>
-            <a:spLocks noGrp="1"/>
-          </p:cNvSpPr>
-          <p:nvPr>
-            <p:ph type="sldNum" sz="quarter" idx="12"/>
-          </p:nvPr>
-        </p:nvSpPr>
-        <p:spPr/>
-        <p:txBody>
-          <a:bodyPr/>
-          <a:lstStyle/>
-          <a:p>
-            <a:fld id="{AE08B4A2-C56F-4F4C-BC5D-010CB3749170}" type="slidenum">
-              <a:rPr lang="en-US" smtClean="0"/>
-              <a:t>‹#›</a:t>
-            </a:fld>
-            <a:endParaRPr lang="en-US"/>
-          </a:p>
-        </p:txBody>
-      </p:sp>
-      <p:sp>
-        <p:nvSpPr>
-          <p:cNvPr id="12" name="Content Placeholder 2"/>
-          <p:cNvSpPr>
-            <a:spLocks noGrp="1"/>
-          </p:cNvSpPr>
-          <p:nvPr>
-            <p:ph sz="half" idx="17"/>
-          </p:nvPr>
-        </p:nvSpPr>
-        <p:spPr>
-          <a:xfrm>
-            <a:off x="502920" y="1985963"/>
-            <a:ext cx="3657413" cy="1965960"/>
-          </a:xfrm>
-        </p:spPr>
-        <p:txBody>
-          <a:bodyPr>
-            <a:normAutofit/>
-          </a:bodyPr>
-          <a:lstStyle>
-            <a:lvl1pPr>
-              <a:defRPr sz="1800"/>
-            </a:lvl1pPr>
-            <a:lvl2pPr>
-              <a:defRPr sz="1800"/>
-            </a:lvl2pPr>
-            <a:lvl3pPr>
-              <a:defRPr sz="1800"/>
-            </a:lvl3pPr>
-            <a:lvl4pPr>
-              <a:defRPr sz="1800"/>
-            </a:lvl4pPr>
-            <a:lvl5pPr>
-              <a:defRPr sz="1800"/>
-            </a:lvl5pPr>
-            <a:lvl6pPr>
-              <a:defRPr sz="1800"/>
-            </a:lvl6pPr>
-            <a:lvl7pPr>
-              <a:defRPr sz="1800"/>
-            </a:lvl7pPr>
-            <a:lvl8pPr>
-              <a:defRPr sz="1800"/>
-            </a:lvl8pPr>
-            <a:lvl9pPr>
-              <a:defRPr sz="1800"/>
-            </a:lvl9pPr>
-          </a:lstStyle>
-          <a:p>
-            <a:pPr lvl="0"/>
-            <a:r>
-              <a:rPr lang="en-AU" smtClean="0"/>
-              <a:t>Click to edit Master text styles</a:t>
-            </a:r>
-          </a:p>
-          <a:p>
-            <a:pPr lvl="1"/>
-            <a:r>
-              <a:rPr lang="en-AU" smtClean="0"/>
-              <a:t>Second level</a:t>
-            </a:r>
-          </a:p>
-          <a:p>
-            <a:pPr lvl="2"/>
-            <a:r>
-              <a:rPr lang="en-AU" smtClean="0"/>
-              <a:t>Third level</a:t>
-            </a:r>
-          </a:p>
-          <a:p>
-            <a:pPr lvl="3"/>
-            <a:r>
-              <a:rPr lang="en-AU" smtClean="0"/>
-              <a:t>Fourth level</a:t>
-            </a:r>
-          </a:p>
-          <a:p>
-            <a:pPr lvl="4"/>
-            <a:r>
-              <a:rPr lang="en-AU" smtClean="0"/>
-              <a:t>Fifth level</a:t>
-            </a:r>
-            <a:endParaRPr dirty="0"/>
-          </a:p>
-        </p:txBody>
-      </p:sp>
-      <p:sp>
-        <p:nvSpPr>
-          <p:cNvPr id="14" name="Content Placeholder 2"/>
-          <p:cNvSpPr>
-            <a:spLocks noGrp="1"/>
-          </p:cNvSpPr>
-          <p:nvPr>
-            <p:ph sz="half" idx="18"/>
-          </p:nvPr>
-        </p:nvSpPr>
-        <p:spPr>
-          <a:xfrm>
-            <a:off x="502920" y="4164965"/>
-            <a:ext cx="3657413" cy="1965960"/>
-          </a:xfrm>
-        </p:spPr>
-        <p:txBody>
-          <a:bodyPr>
-            <a:normAutofit/>
-          </a:bodyPr>
-          <a:lstStyle>
-            <a:lvl1pPr>
-              <a:defRPr sz="1800"/>
-            </a:lvl1pPr>
-            <a:lvl2pPr>
-              <a:defRPr sz="1800"/>
-            </a:lvl2pPr>
-            <a:lvl3pPr>
-              <a:defRPr sz="1800"/>
-            </a:lvl3pPr>
-            <a:lvl4pPr>
-              <a:defRPr sz="1800"/>
-            </a:lvl4pPr>
-            <a:lvl5pPr>
-              <a:defRPr sz="1800"/>
-            </a:lvl5pPr>
-            <a:lvl6pPr>
-              <a:defRPr sz="1800"/>
-            </a:lvl6pPr>
-            <a:lvl7pPr>
-              <a:defRPr sz="1800"/>
-            </a:lvl7pPr>
-            <a:lvl8pPr>
-              <a:defRPr sz="1800"/>
-            </a:lvl8pPr>
-            <a:lvl9pPr>
-              <a:defRPr sz="1800"/>
-            </a:lvl9pPr>
-          </a:lstStyle>
-          <a:p>
-            <a:pPr lvl="0"/>
-            <a:r>
-              <a:rPr lang="en-AU" smtClean="0"/>
-              <a:t>Click to edit Master text styles</a:t>
-            </a:r>
-          </a:p>
-          <a:p>
-            <a:pPr lvl="1"/>
-            <a:r>
-              <a:rPr lang="en-AU" smtClean="0"/>
-              <a:t>Second level</a:t>
-            </a:r>
-          </a:p>
-          <a:p>
-            <a:pPr lvl="2"/>
-            <a:r>
-              <a:rPr lang="en-AU" smtClean="0"/>
-              <a:t>Third level</a:t>
-            </a:r>
-          </a:p>
-          <a:p>
-            <a:pPr lvl="3"/>
-            <a:r>
-              <a:rPr lang="en-AU" smtClean="0"/>
-              <a:t>Fourth level</a:t>
-            </a:r>
-          </a:p>
-          <a:p>
-            <a:pPr lvl="4"/>
-            <a:r>
-              <a:rPr lang="en-AU" smtClean="0"/>
-              <a:t>Fifth level</a:t>
-            </a:r>
-            <a:endParaRPr dirty="0"/>
-          </a:p>
-        </p:txBody>
-      </p:sp>
-      <p:sp>
-        <p:nvSpPr>
-          <p:cNvPr id="15" name="Content Placeholder 2"/>
-          <p:cNvSpPr>
-            <a:spLocks noGrp="1"/>
-          </p:cNvSpPr>
-          <p:nvPr>
-            <p:ph sz="half" idx="1"/>
-          </p:nvPr>
-        </p:nvSpPr>
-        <p:spPr>
-          <a:xfrm>
-            <a:off x="4410075" y="1985963"/>
-            <a:ext cx="3657600" cy="1965960"/>
-          </a:xfrm>
-        </p:spPr>
-        <p:txBody>
-          <a:bodyPr>
-            <a:normAutofit/>
-          </a:bodyPr>
-          <a:lstStyle>
-            <a:lvl1pPr>
-              <a:defRPr sz="1800"/>
-            </a:lvl1pPr>
-            <a:lvl2pPr>
-              <a:defRPr sz="1800"/>
-            </a:lvl2pPr>
-            <a:lvl3pPr>
-              <a:defRPr sz="1800"/>
-            </a:lvl3pPr>
-            <a:lvl4pPr>
-              <a:defRPr sz="1800"/>
-            </a:lvl4pPr>
-            <a:lvl5pPr>
-              <a:defRPr sz="1800"/>
-            </a:lvl5pPr>
-            <a:lvl6pPr>
-              <a:defRPr sz="1800"/>
-            </a:lvl6pPr>
-            <a:lvl7pPr>
-              <a:defRPr sz="1800"/>
-            </a:lvl7pPr>
-            <a:lvl8pPr>
-              <a:defRPr sz="1800"/>
-            </a:lvl8pPr>
-            <a:lvl9pPr>
-              <a:defRPr sz="1800"/>
-            </a:lvl9pPr>
-          </a:lstStyle>
-          <a:p>
-            <a:pPr lvl="0"/>
-            <a:r>
-              <a:rPr lang="en-AU" smtClean="0"/>
-              <a:t>Click to edit Master text styles</a:t>
-            </a:r>
-          </a:p>
-          <a:p>
-            <a:pPr lvl="1"/>
-            <a:r>
-              <a:rPr lang="en-AU" smtClean="0"/>
-              <a:t>Second level</a:t>
-            </a:r>
-          </a:p>
-          <a:p>
-            <a:pPr lvl="2"/>
-            <a:r>
-              <a:rPr lang="en-AU" smtClean="0"/>
-              <a:t>Third level</a:t>
-            </a:r>
-          </a:p>
-          <a:p>
-            <a:pPr lvl="3"/>
-            <a:r>
-              <a:rPr lang="en-AU" smtClean="0"/>
-              <a:t>Fourth level</a:t>
-            </a:r>
-          </a:p>
-          <a:p>
-            <a:pPr lvl="4"/>
-            <a:r>
-              <a:rPr lang="en-AU" smtClean="0"/>
-              <a:t>Fifth level</a:t>
-            </a:r>
-            <a:endParaRPr dirty="0"/>
-          </a:p>
-        </p:txBody>
-      </p:sp>
-      <p:sp>
-        <p:nvSpPr>
-          <p:cNvPr id="16" name="Content Placeholder 2"/>
-          <p:cNvSpPr>
-            <a:spLocks noGrp="1"/>
-          </p:cNvSpPr>
-          <p:nvPr>
-            <p:ph sz="half" idx="16"/>
-          </p:nvPr>
-        </p:nvSpPr>
-        <p:spPr>
-          <a:xfrm>
-            <a:off x="4410075" y="4169664"/>
-            <a:ext cx="3657600" cy="1965960"/>
-          </a:xfrm>
-        </p:spPr>
-        <p:txBody>
-          <a:bodyPr>
-            <a:normAutofit/>
-          </a:bodyPr>
-          <a:lstStyle>
-            <a:lvl1pPr>
-              <a:defRPr sz="1800"/>
-            </a:lvl1pPr>
-            <a:lvl2pPr>
-              <a:defRPr sz="1800"/>
-            </a:lvl2pPr>
-            <a:lvl3pPr>
-              <a:defRPr sz="1800"/>
-            </a:lvl3pPr>
-            <a:lvl4pPr>
-              <a:defRPr sz="1800"/>
-            </a:lvl4pPr>
-            <a:lvl5pPr>
-              <a:defRPr sz="1800"/>
-            </a:lvl5pPr>
-            <a:lvl6pPr>
-              <a:defRPr sz="1800"/>
-            </a:lvl6pPr>
-            <a:lvl7pPr>
-              <a:defRPr sz="1800"/>
-            </a:lvl7pPr>
-            <a:lvl8pPr>
-              <a:defRPr sz="1800"/>
-            </a:lvl8pPr>
-            <a:lvl9pPr>
-              <a:defRPr sz="1800"/>
-            </a:lvl9pPr>
-          </a:lstStyle>
-          <a:p>
-            <a:pPr lvl="0"/>
-            <a:r>
-              <a:rPr lang="en-AU" smtClean="0"/>
-              <a:t>Click to edit Master text styles</a:t>
-            </a:r>
-          </a:p>
-          <a:p>
-            <a:pPr lvl="1"/>
-            <a:r>
-              <a:rPr lang="en-AU" smtClean="0"/>
-              <a:t>Second level</a:t>
-            </a:r>
-          </a:p>
-          <a:p>
-            <a:pPr lvl="2"/>
-            <a:r>
-              <a:rPr lang="en-AU" smtClean="0"/>
-              <a:t>Third level</a:t>
-            </a:r>
-          </a:p>
-          <a:p>
-            <a:pPr lvl="3"/>
-            <a:r>
-              <a:rPr lang="en-AU" smtClean="0"/>
-              <a:t>Fourth level</a:t>
-            </a:r>
-          </a:p>
-          <a:p>
-            <a:pPr lvl="4"/>
-            <a:r>
-              <a:rPr lang="en-AU" smtClean="0"/>
-              <a:t>Fifth level</a:t>
-            </a:r>
-            <a:endParaRPr dirty="0"/>
-          </a:p>
-        </p:txBody>
-      </p:sp>
     </p:spTree>
-  </p:cSld>
-  <p:clrMapOvr>
-    <a:masterClrMapping/>
-  </p:clrMapOvr>
-</p:sldLayout>
-</file>
-
-<file path=ppt/slideLayouts/slideLayout11.xml><?xml version="1.0" encoding="utf-8"?>
-<p:sldLayout xmlns:a="http://schemas.openxmlformats.org/drawingml/2006/main" xmlns:r="http://schemas.openxmlformats.org/officeDocument/2006/relationships" xmlns:p="http://schemas.openxmlformats.org/presentationml/2006/main" preserve="1">
-  <p:cSld name="Title Only">
-    <p:spTree>
-      <p:nvGrpSpPr>
-        <p:cNvPr id="1" name=""/>
-        <p:cNvGrpSpPr/>
-        <p:nvPr/>
-      </p:nvGrpSpPr>
-      <p:grpSpPr>
-        <a:xfrm>
-          <a:off x="0" y="0"/>
-          <a:ext cx="0" cy="0"/>
-          <a:chOff x="0" y="0"/>
-          <a:chExt cx="0" cy="0"/>
-        </a:xfrm>
-      </p:grpSpPr>
-      <p:sp>
-        <p:nvSpPr>
-          <p:cNvPr id="6" name="Rectangle 5"/>
-          <p:cNvSpPr/>
-          <p:nvPr/>
-        </p:nvSpPr>
-        <p:spPr>
-          <a:xfrm>
-            <a:off x="8166847" y="282574"/>
-            <a:ext cx="685800" cy="1600200"/>
-          </a:xfrm>
-          <a:prstGeom prst="rect">
-            <a:avLst/>
-          </a:prstGeom>
-          <a:solidFill>
-            <a:schemeClr val="accent1"/>
-          </a:solidFill>
-          <a:ln>
-            <a:noFill/>
-          </a:ln>
-        </p:spPr>
-        <p:style>
-          <a:lnRef idx="2">
-            <a:schemeClr val="accent1">
-              <a:shade val="50000"/>
-            </a:schemeClr>
-          </a:lnRef>
-          <a:fillRef idx="1">
-            <a:schemeClr val="accent1"/>
-          </a:fillRef>
-          <a:effectRef idx="0">
-            <a:schemeClr val="accent1"/>
-          </a:effectRef>
-          <a:fontRef idx="minor">
-            <a:schemeClr val="lt1"/>
-          </a:fontRef>
-        </p:style>
-        <p:txBody>
-          <a:bodyPr rtlCol="0" anchor="ctr"/>
-          <a:lstStyle/>
-          <a:p>
-            <a:pPr algn="ctr"/>
-            <a:endParaRPr/>
-          </a:p>
-        </p:txBody>
-      </p:sp>
-      <p:sp>
-        <p:nvSpPr>
-          <p:cNvPr id="8" name="TextBox 7"/>
-          <p:cNvSpPr txBox="1"/>
-          <p:nvPr/>
-        </p:nvSpPr>
-        <p:spPr>
-          <a:xfrm>
-            <a:off x="223185" y="228600"/>
-            <a:ext cx="260909" cy="553998"/>
-          </a:xfrm>
-          <a:prstGeom prst="rect">
-            <a:avLst/>
-          </a:prstGeom>
-          <a:noFill/>
-        </p:spPr>
-        <p:txBody>
-          <a:bodyPr wrap="square" lIns="0" tIns="0" rIns="0" bIns="0" rtlCol="0">
-            <a:spAutoFit/>
-          </a:bodyPr>
-          <a:lstStyle/>
-          <a:p>
-            <a:r>
-              <a:rPr sz="3600" b="1">
-                <a:solidFill>
-                  <a:schemeClr val="accent1">
-                    <a:lumMod val="60000"/>
-                    <a:lumOff val="40000"/>
-                  </a:schemeClr>
-                </a:solidFill>
-              </a:rPr>
-              <a:t>+</a:t>
-            </a:r>
-          </a:p>
-        </p:txBody>
-      </p:sp>
-      <p:sp>
-        <p:nvSpPr>
-          <p:cNvPr id="2" name="Title 1"/>
-          <p:cNvSpPr>
-            <a:spLocks noGrp="1"/>
-          </p:cNvSpPr>
-          <p:nvPr>
-            <p:ph type="title"/>
-          </p:nvPr>
-        </p:nvSpPr>
-        <p:spPr/>
-        <p:txBody>
-          <a:bodyPr/>
-          <a:lstStyle/>
-          <a:p>
-            <a:r>
-              <a:rPr lang="en-AU" smtClean="0"/>
-              <a:t>Click to edit Master title style</a:t>
-            </a:r>
-            <a:endParaRPr/>
-          </a:p>
-        </p:txBody>
-      </p:sp>
-      <p:sp>
-        <p:nvSpPr>
-          <p:cNvPr id="3" name="Date Placeholder 2"/>
-          <p:cNvSpPr>
-            <a:spLocks noGrp="1"/>
-          </p:cNvSpPr>
-          <p:nvPr>
-            <p:ph type="dt" sz="half" idx="10"/>
-          </p:nvPr>
-        </p:nvSpPr>
-        <p:spPr/>
-        <p:txBody>
-          <a:bodyPr/>
-          <a:lstStyle/>
-          <a:p>
-            <a:fld id="{44E55408-4E64-184E-A974-20262AF63A0C}" type="datetimeFigureOut">
-              <a:rPr lang="en-US" smtClean="0"/>
-              <a:t>20/07/15</a:t>
-            </a:fld>
-            <a:endParaRPr lang="en-US"/>
-          </a:p>
-        </p:txBody>
-      </p:sp>
-      <p:sp>
-        <p:nvSpPr>
-          <p:cNvPr id="4" name="Footer Placeholder 3"/>
-          <p:cNvSpPr>
-            <a:spLocks noGrp="1"/>
-          </p:cNvSpPr>
-          <p:nvPr>
-            <p:ph type="ftr" sz="quarter" idx="11"/>
-          </p:nvPr>
-        </p:nvSpPr>
-        <p:spPr/>
-        <p:txBody>
-          <a:bodyPr/>
-          <a:lstStyle/>
-          <a:p>
-            <a:endParaRPr lang="en-US"/>
-          </a:p>
-        </p:txBody>
-      </p:sp>
-      <p:sp>
-        <p:nvSpPr>
-          <p:cNvPr id="5" name="Slide Number Placeholder 4"/>
-          <p:cNvSpPr>
-            <a:spLocks noGrp="1"/>
-          </p:cNvSpPr>
-          <p:nvPr>
-            <p:ph type="sldNum" sz="quarter" idx="12"/>
-          </p:nvPr>
-        </p:nvSpPr>
-        <p:spPr/>
-        <p:txBody>
-          <a:bodyPr/>
-          <a:lstStyle/>
-          <a:p>
-            <a:fld id="{AE08B4A2-C56F-4F4C-BC5D-010CB3749170}" type="slidenum">
-              <a:rPr lang="en-US" smtClean="0"/>
-              <a:t>‹#›</a:t>
-            </a:fld>
-            <a:endParaRPr lang="en-US"/>
-          </a:p>
-        </p:txBody>
-      </p:sp>
-    </p:spTree>
-  </p:cSld>
-  <p:clrMapOvr>
-    <a:masterClrMapping/>
-  </p:clrMapOvr>
-</p:sldLayout>
-</file>
-
-<file path=ppt/slideLayouts/slideLayout12.xml><?xml version="1.0" encoding="utf-8"?>
-<p:sldLayout xmlns:a="http://schemas.openxmlformats.org/drawingml/2006/main" xmlns:r="http://schemas.openxmlformats.org/officeDocument/2006/relationships" xmlns:p="http://schemas.openxmlformats.org/presentationml/2006/main" preserve="1">
-  <p:cSld name="Blank">
-    <p:spTree>
-      <p:nvGrpSpPr>
-        <p:cNvPr id="1" name=""/>
-        <p:cNvGrpSpPr/>
-        <p:nvPr/>
-      </p:nvGrpSpPr>
-      <p:grpSpPr>
-        <a:xfrm>
-          <a:off x="0" y="0"/>
-          <a:ext cx="0" cy="0"/>
-          <a:chOff x="0" y="0"/>
-          <a:chExt cx="0" cy="0"/>
-        </a:xfrm>
-      </p:grpSpPr>
-      <p:sp>
-        <p:nvSpPr>
-          <p:cNvPr id="5" name="Rectangle 4"/>
-          <p:cNvSpPr/>
-          <p:nvPr/>
-        </p:nvSpPr>
-        <p:spPr>
-          <a:xfrm>
-            <a:off x="8166847" y="282573"/>
-            <a:ext cx="685800" cy="302217"/>
-          </a:xfrm>
-          <a:prstGeom prst="rect">
-            <a:avLst/>
-          </a:prstGeom>
-          <a:solidFill>
-            <a:schemeClr val="accent1"/>
-          </a:solidFill>
-          <a:ln>
-            <a:noFill/>
-          </a:ln>
-        </p:spPr>
-        <p:style>
-          <a:lnRef idx="2">
-            <a:schemeClr val="accent1">
-              <a:shade val="50000"/>
-            </a:schemeClr>
-          </a:lnRef>
-          <a:fillRef idx="1">
-            <a:schemeClr val="accent1"/>
-          </a:fillRef>
-          <a:effectRef idx="0">
-            <a:schemeClr val="accent1"/>
-          </a:effectRef>
-          <a:fontRef idx="minor">
-            <a:schemeClr val="lt1"/>
-          </a:fontRef>
-        </p:style>
-        <p:txBody>
-          <a:bodyPr rtlCol="0" anchor="ctr"/>
-          <a:lstStyle/>
-          <a:p>
-            <a:pPr algn="ctr"/>
-            <a:endParaRPr/>
-          </a:p>
-        </p:txBody>
-      </p:sp>
-      <p:sp>
-        <p:nvSpPr>
-          <p:cNvPr id="2" name="Date Placeholder 1"/>
-          <p:cNvSpPr>
-            <a:spLocks noGrp="1"/>
-          </p:cNvSpPr>
-          <p:nvPr>
-            <p:ph type="dt" sz="half" idx="10"/>
-          </p:nvPr>
-        </p:nvSpPr>
-        <p:spPr/>
-        <p:txBody>
-          <a:bodyPr/>
-          <a:lstStyle/>
-          <a:p>
-            <a:fld id="{44E55408-4E64-184E-A974-20262AF63A0C}" type="datetimeFigureOut">
-              <a:rPr lang="en-US" smtClean="0"/>
-              <a:t>20/07/15</a:t>
-            </a:fld>
-            <a:endParaRPr lang="en-US"/>
-          </a:p>
-        </p:txBody>
-      </p:sp>
-      <p:sp>
-        <p:nvSpPr>
-          <p:cNvPr id="3" name="Footer Placeholder 2"/>
-          <p:cNvSpPr>
-            <a:spLocks noGrp="1"/>
-          </p:cNvSpPr>
-          <p:nvPr>
-            <p:ph type="ftr" sz="quarter" idx="11"/>
-          </p:nvPr>
-        </p:nvSpPr>
-        <p:spPr/>
-        <p:txBody>
-          <a:bodyPr/>
-          <a:lstStyle/>
-          <a:p>
-            <a:endParaRPr lang="en-US"/>
-          </a:p>
-        </p:txBody>
-      </p:sp>
-      <p:sp>
-        <p:nvSpPr>
-          <p:cNvPr id="4" name="Slide Number Placeholder 3"/>
-          <p:cNvSpPr>
-            <a:spLocks noGrp="1"/>
-          </p:cNvSpPr>
-          <p:nvPr>
-            <p:ph type="sldNum" sz="quarter" idx="12"/>
-          </p:nvPr>
-        </p:nvSpPr>
-        <p:spPr/>
-        <p:txBody>
-          <a:bodyPr/>
-          <a:lstStyle/>
-          <a:p>
-            <a:fld id="{AE08B4A2-C56F-4F4C-BC5D-010CB3749170}" type="slidenum">
-              <a:rPr lang="en-US" smtClean="0"/>
-              <a:t>‹#›</a:t>
-            </a:fld>
-            <a:endParaRPr lang="en-US"/>
-          </a:p>
-        </p:txBody>
-      </p:sp>
-    </p:spTree>
-  </p:cSld>
-  <p:clrMapOvr>
-    <a:masterClrMapping/>
-  </p:clrMapOvr>
-</p:sldLayout>
-</file>
-
-<file path=ppt/slideLayouts/slideLayout13.xml><?xml version="1.0" encoding="utf-8"?>
-<p:sldLayout xmlns:a="http://schemas.openxmlformats.org/drawingml/2006/main" xmlns:r="http://schemas.openxmlformats.org/officeDocument/2006/relationships" xmlns:p="http://schemas.openxmlformats.org/presentationml/2006/main" type="objTx" preserve="1">
-  <p:cSld name="Content with Caption">
-    <p:spTree>
-      <p:nvGrpSpPr>
-        <p:cNvPr id="1" name=""/>
-        <p:cNvGrpSpPr/>
-        <p:nvPr/>
-      </p:nvGrpSpPr>
-      <p:grpSpPr>
-        <a:xfrm>
-          <a:off x="0" y="0"/>
-          <a:ext cx="0" cy="0"/>
-          <a:chOff x="0" y="0"/>
-          <a:chExt cx="0" cy="0"/>
-        </a:xfrm>
-      </p:grpSpPr>
-      <p:sp>
-        <p:nvSpPr>
-          <p:cNvPr id="8" name="Rectangle 7"/>
-          <p:cNvSpPr/>
-          <p:nvPr/>
-        </p:nvSpPr>
-        <p:spPr>
-          <a:xfrm>
-            <a:off x="282575" y="228600"/>
-            <a:ext cx="3451225" cy="6345238"/>
-          </a:xfrm>
-          <a:prstGeom prst="rect">
-            <a:avLst/>
-          </a:prstGeom>
-          <a:solidFill>
-            <a:schemeClr val="accent1"/>
-          </a:solidFill>
-          <a:ln>
-            <a:noFill/>
-          </a:ln>
-        </p:spPr>
-        <p:style>
-          <a:lnRef idx="2">
-            <a:schemeClr val="accent1">
-              <a:shade val="50000"/>
-            </a:schemeClr>
-          </a:lnRef>
-          <a:fillRef idx="1">
-            <a:schemeClr val="accent1"/>
-          </a:fillRef>
-          <a:effectRef idx="0">
-            <a:schemeClr val="accent1"/>
-          </a:effectRef>
-          <a:fontRef idx="minor">
-            <a:schemeClr val="lt1"/>
-          </a:fontRef>
-        </p:style>
-        <p:txBody>
-          <a:bodyPr rtlCol="0" anchor="ctr"/>
-          <a:lstStyle/>
-          <a:p>
-            <a:pPr algn="ctr"/>
-            <a:endParaRPr/>
-          </a:p>
-        </p:txBody>
-      </p:sp>
-      <p:sp>
-        <p:nvSpPr>
-          <p:cNvPr id="2" name="Title 1"/>
-          <p:cNvSpPr>
-            <a:spLocks noGrp="1"/>
-          </p:cNvSpPr>
-          <p:nvPr>
-            <p:ph type="title"/>
-          </p:nvPr>
-        </p:nvSpPr>
-        <p:spPr>
-          <a:xfrm>
-            <a:off x="380555" y="2571750"/>
-            <a:ext cx="3255264" cy="1162050"/>
-          </a:xfrm>
-        </p:spPr>
-        <p:txBody>
-          <a:bodyPr anchor="b">
-            <a:normAutofit/>
-          </a:bodyPr>
-          <a:lstStyle>
-            <a:lvl1pPr algn="l">
-              <a:defRPr sz="2600" b="0">
-                <a:solidFill>
-                  <a:schemeClr val="bg1"/>
-                </a:solidFill>
-              </a:defRPr>
-            </a:lvl1pPr>
-          </a:lstStyle>
-          <a:p>
-            <a:r>
-              <a:rPr lang="en-AU" smtClean="0"/>
-              <a:t>Click to edit Master title style</a:t>
-            </a:r>
-            <a:endParaRPr dirty="0"/>
-          </a:p>
-        </p:txBody>
-      </p:sp>
-      <p:sp>
-        <p:nvSpPr>
-          <p:cNvPr id="3" name="Content Placeholder 2"/>
-          <p:cNvSpPr>
-            <a:spLocks noGrp="1"/>
-          </p:cNvSpPr>
-          <p:nvPr>
-            <p:ph idx="1"/>
-          </p:nvPr>
-        </p:nvSpPr>
-        <p:spPr>
-          <a:xfrm>
-            <a:off x="4168775" y="273050"/>
-            <a:ext cx="4597399" cy="5853113"/>
-          </a:xfrm>
-        </p:spPr>
-        <p:txBody>
-          <a:bodyPr>
-            <a:normAutofit/>
-          </a:bodyPr>
-          <a:lstStyle>
-            <a:lvl1pPr>
-              <a:defRPr sz="1800"/>
-            </a:lvl1pPr>
-            <a:lvl2pPr>
-              <a:defRPr sz="1800"/>
-            </a:lvl2pPr>
-            <a:lvl3pPr>
-              <a:defRPr sz="1800"/>
-            </a:lvl3pPr>
-            <a:lvl4pPr>
-              <a:defRPr sz="1800"/>
-            </a:lvl4pPr>
-            <a:lvl5pPr>
-              <a:defRPr sz="1800"/>
-            </a:lvl5pPr>
-            <a:lvl6pPr>
-              <a:defRPr sz="2000"/>
-            </a:lvl6pPr>
-            <a:lvl7pPr>
-              <a:defRPr sz="2000"/>
-            </a:lvl7pPr>
-            <a:lvl8pPr>
-              <a:defRPr sz="2000"/>
-            </a:lvl8pPr>
-            <a:lvl9pPr>
-              <a:defRPr sz="2000"/>
-            </a:lvl9pPr>
-          </a:lstStyle>
-          <a:p>
-            <a:pPr lvl="0"/>
-            <a:r>
-              <a:rPr lang="en-AU" smtClean="0"/>
-              <a:t>Click to edit Master text styles</a:t>
-            </a:r>
-          </a:p>
-          <a:p>
-            <a:pPr lvl="1"/>
-            <a:r>
-              <a:rPr lang="en-AU" smtClean="0"/>
-              <a:t>Second level</a:t>
-            </a:r>
-          </a:p>
-          <a:p>
-            <a:pPr lvl="2"/>
-            <a:r>
-              <a:rPr lang="en-AU" smtClean="0"/>
-              <a:t>Third level</a:t>
-            </a:r>
-          </a:p>
-          <a:p>
-            <a:pPr lvl="3"/>
-            <a:r>
-              <a:rPr lang="en-AU" smtClean="0"/>
-              <a:t>Fourth level</a:t>
-            </a:r>
-          </a:p>
-          <a:p>
-            <a:pPr lvl="4"/>
-            <a:r>
-              <a:rPr lang="en-AU" smtClean="0"/>
-              <a:t>Fifth level</a:t>
-            </a:r>
-            <a:endParaRPr dirty="0"/>
-          </a:p>
-        </p:txBody>
-      </p:sp>
-      <p:sp>
-        <p:nvSpPr>
-          <p:cNvPr id="4" name="Text Placeholder 3"/>
-          <p:cNvSpPr>
-            <a:spLocks noGrp="1"/>
-          </p:cNvSpPr>
-          <p:nvPr>
-            <p:ph type="body" sz="half" idx="2"/>
-          </p:nvPr>
-        </p:nvSpPr>
-        <p:spPr>
-          <a:xfrm>
-            <a:off x="381093" y="3733800"/>
-            <a:ext cx="3255264" cy="2392363"/>
-          </a:xfrm>
-        </p:spPr>
-        <p:txBody>
-          <a:bodyPr/>
-          <a:lstStyle>
-            <a:lvl1pPr marL="0" indent="0">
-              <a:spcBef>
-                <a:spcPts val="600"/>
-              </a:spcBef>
-              <a:buNone/>
-              <a:defRPr sz="1400">
-                <a:solidFill>
-                  <a:schemeClr val="bg1"/>
-                </a:solidFill>
-              </a:defRPr>
-            </a:lvl1pPr>
-            <a:lvl2pPr marL="457200" indent="0">
-              <a:buNone/>
-              <a:defRPr sz="1200"/>
-            </a:lvl2pPr>
-            <a:lvl3pPr marL="914400" indent="0">
-              <a:buNone/>
-              <a:defRPr sz="1000"/>
-            </a:lvl3pPr>
-            <a:lvl4pPr marL="1371600" indent="0">
-              <a:buNone/>
-              <a:defRPr sz="900"/>
-            </a:lvl4pPr>
-            <a:lvl5pPr marL="1828800" indent="0">
-              <a:buNone/>
-              <a:defRPr sz="900"/>
-            </a:lvl5pPr>
-            <a:lvl6pPr marL="2286000" indent="0">
-              <a:buNone/>
-              <a:defRPr sz="900"/>
-            </a:lvl6pPr>
-            <a:lvl7pPr marL="2743200" indent="0">
-              <a:buNone/>
-              <a:defRPr sz="900"/>
-            </a:lvl7pPr>
-            <a:lvl8pPr marL="3200400" indent="0">
-              <a:buNone/>
-              <a:defRPr sz="900"/>
-            </a:lvl8pPr>
-            <a:lvl9pPr marL="3657600" indent="0">
-              <a:buNone/>
-              <a:defRPr sz="900"/>
-            </a:lvl9pPr>
-          </a:lstStyle>
-          <a:p>
-            <a:pPr lvl="0"/>
-            <a:r>
-              <a:rPr lang="en-AU" smtClean="0"/>
-              <a:t>Click to edit Master text styles</a:t>
-            </a:r>
-          </a:p>
-        </p:txBody>
-      </p:sp>
-      <p:sp>
-        <p:nvSpPr>
-          <p:cNvPr id="5" name="Date Placeholder 4"/>
-          <p:cNvSpPr>
-            <a:spLocks noGrp="1"/>
-          </p:cNvSpPr>
-          <p:nvPr>
-            <p:ph type="dt" sz="half" idx="10"/>
-          </p:nvPr>
-        </p:nvSpPr>
-        <p:spPr>
-          <a:xfrm>
-            <a:off x="7391399" y="6423585"/>
-            <a:ext cx="1537447" cy="365125"/>
-          </a:xfrm>
-        </p:spPr>
-        <p:txBody>
-          <a:bodyPr/>
-          <a:lstStyle/>
-          <a:p>
-            <a:fld id="{44E55408-4E64-184E-A974-20262AF63A0C}" type="datetimeFigureOut">
-              <a:rPr lang="en-US" smtClean="0"/>
-              <a:t>20/07/15</a:t>
-            </a:fld>
-            <a:endParaRPr lang="en-US"/>
-          </a:p>
-        </p:txBody>
-      </p:sp>
-      <p:sp>
-        <p:nvSpPr>
-          <p:cNvPr id="6" name="Footer Placeholder 5"/>
-          <p:cNvSpPr>
-            <a:spLocks noGrp="1"/>
-          </p:cNvSpPr>
-          <p:nvPr>
-            <p:ph type="ftr" sz="quarter" idx="11"/>
-          </p:nvPr>
-        </p:nvSpPr>
-        <p:spPr>
-          <a:xfrm>
-            <a:off x="3859305" y="6423585"/>
-            <a:ext cx="3316941" cy="365125"/>
-          </a:xfrm>
-        </p:spPr>
-        <p:txBody>
-          <a:bodyPr/>
-          <a:lstStyle/>
-          <a:p>
-            <a:endParaRPr lang="en-US"/>
-          </a:p>
-        </p:txBody>
-      </p:sp>
-      <p:sp>
-        <p:nvSpPr>
-          <p:cNvPr id="9" name="TextBox 8"/>
-          <p:cNvSpPr txBox="1"/>
-          <p:nvPr/>
-        </p:nvSpPr>
-        <p:spPr>
-          <a:xfrm>
-            <a:off x="424891" y="174812"/>
-            <a:ext cx="413309" cy="830997"/>
-          </a:xfrm>
-          <a:prstGeom prst="rect">
-            <a:avLst/>
-          </a:prstGeom>
-          <a:noFill/>
-        </p:spPr>
-        <p:txBody>
-          <a:bodyPr wrap="square" lIns="0" tIns="0" rIns="0" bIns="0" rtlCol="0">
-            <a:spAutoFit/>
-          </a:bodyPr>
-          <a:lstStyle/>
-          <a:p>
-            <a:r>
-              <a:rPr sz="5400" b="1">
-                <a:solidFill>
-                  <a:schemeClr val="accent1">
-                    <a:lumMod val="60000"/>
-                    <a:lumOff val="40000"/>
-                  </a:schemeClr>
-                </a:solidFill>
-              </a:rPr>
-              <a:t>+</a:t>
-            </a:r>
-          </a:p>
-        </p:txBody>
-      </p:sp>
-    </p:spTree>
-  </p:cSld>
-  <p:clrMapOvr>
-    <a:masterClrMapping/>
-  </p:clrMapOvr>
-</p:sldLayout>
-</file>
-
-<file path=ppt/slideLayouts/slideLayout14.xml><?xml version="1.0" encoding="utf-8"?>
-<p:sldLayout xmlns:a="http://schemas.openxmlformats.org/drawingml/2006/main" xmlns:r="http://schemas.openxmlformats.org/officeDocument/2006/relationships" xmlns:p="http://schemas.openxmlformats.org/presentationml/2006/main" type="picTx" preserve="1">
-  <p:cSld name="Picture with Caption">
-    <p:spTree>
-      <p:nvGrpSpPr>
-        <p:cNvPr id="1" name=""/>
-        <p:cNvGrpSpPr/>
-        <p:nvPr/>
-      </p:nvGrpSpPr>
-      <p:grpSpPr>
-        <a:xfrm>
-          <a:off x="0" y="0"/>
-          <a:ext cx="0" cy="0"/>
-          <a:chOff x="0" y="0"/>
-          <a:chExt cx="0" cy="0"/>
-        </a:xfrm>
-      </p:grpSpPr>
-      <p:sp>
-        <p:nvSpPr>
-          <p:cNvPr id="11" name="Rectangle 10"/>
-          <p:cNvSpPr/>
-          <p:nvPr/>
-        </p:nvSpPr>
-        <p:spPr>
-          <a:xfrm>
-            <a:off x="8166847" y="282573"/>
-            <a:ext cx="685800" cy="302217"/>
-          </a:xfrm>
-          <a:prstGeom prst="rect">
-            <a:avLst/>
-          </a:prstGeom>
-          <a:solidFill>
-            <a:schemeClr val="accent1"/>
-          </a:solidFill>
-          <a:ln>
-            <a:noFill/>
-          </a:ln>
-        </p:spPr>
-        <p:style>
-          <a:lnRef idx="2">
-            <a:schemeClr val="accent1">
-              <a:shade val="50000"/>
-            </a:schemeClr>
-          </a:lnRef>
-          <a:fillRef idx="1">
-            <a:schemeClr val="accent1"/>
-          </a:fillRef>
-          <a:effectRef idx="0">
-            <a:schemeClr val="accent1"/>
-          </a:effectRef>
-          <a:fontRef idx="minor">
-            <a:schemeClr val="lt1"/>
-          </a:fontRef>
-        </p:style>
-        <p:txBody>
-          <a:bodyPr rtlCol="0" anchor="ctr"/>
-          <a:lstStyle/>
-          <a:p>
-            <a:pPr algn="ctr"/>
-            <a:endParaRPr/>
-          </a:p>
-        </p:txBody>
-      </p:sp>
-      <p:sp>
-        <p:nvSpPr>
-          <p:cNvPr id="2" name="Title 1"/>
-          <p:cNvSpPr>
-            <a:spLocks noGrp="1"/>
-          </p:cNvSpPr>
-          <p:nvPr>
-            <p:ph type="title"/>
-          </p:nvPr>
-        </p:nvSpPr>
-        <p:spPr>
-          <a:xfrm>
-            <a:off x="4169404" y="3124200"/>
-            <a:ext cx="3898272" cy="871538"/>
-          </a:xfrm>
-        </p:spPr>
-        <p:txBody>
-          <a:bodyPr anchor="b">
-            <a:normAutofit/>
-          </a:bodyPr>
-          <a:lstStyle>
-            <a:lvl1pPr algn="l">
-              <a:defRPr sz="2600" b="0"/>
-            </a:lvl1pPr>
-          </a:lstStyle>
-          <a:p>
-            <a:r>
-              <a:rPr lang="en-AU" smtClean="0"/>
-              <a:t>Click to edit Master title style</a:t>
-            </a:r>
-            <a:endParaRPr/>
-          </a:p>
-        </p:txBody>
-      </p:sp>
-      <p:sp>
-        <p:nvSpPr>
-          <p:cNvPr id="3" name="Picture Placeholder 2"/>
-          <p:cNvSpPr>
-            <a:spLocks noGrp="1"/>
-          </p:cNvSpPr>
-          <p:nvPr>
-            <p:ph type="pic" idx="1"/>
-          </p:nvPr>
-        </p:nvSpPr>
-        <p:spPr>
-          <a:xfrm>
-            <a:off x="277906" y="228600"/>
-            <a:ext cx="3460658" cy="6345238"/>
-          </a:xfrm>
-        </p:spPr>
-        <p:txBody>
-          <a:bodyPr/>
-          <a:lstStyle>
-            <a:lvl1pPr marL="0" indent="0">
-              <a:buNone/>
-              <a:defRPr sz="3200"/>
-            </a:lvl1pPr>
-            <a:lvl2pPr marL="457200" indent="0">
-              <a:buNone/>
-              <a:defRPr sz="2800"/>
-            </a:lvl2pPr>
-            <a:lvl3pPr marL="914400" indent="0">
-              <a:buNone/>
-              <a:defRPr sz="2400"/>
-            </a:lvl3pPr>
-            <a:lvl4pPr marL="1371600" indent="0">
-              <a:buNone/>
-              <a:defRPr sz="2000"/>
-            </a:lvl4pPr>
-            <a:lvl5pPr marL="1828800" indent="0">
-              <a:buNone/>
-              <a:defRPr sz="2000"/>
-            </a:lvl5pPr>
-            <a:lvl6pPr marL="2286000" indent="0">
-              <a:buNone/>
-              <a:defRPr sz="2000"/>
-            </a:lvl6pPr>
-            <a:lvl7pPr marL="2743200" indent="0">
-              <a:buNone/>
-              <a:defRPr sz="2000"/>
-            </a:lvl7pPr>
-            <a:lvl8pPr marL="3200400" indent="0">
-              <a:buNone/>
-              <a:defRPr sz="2000"/>
-            </a:lvl8pPr>
-            <a:lvl9pPr marL="3657600" indent="0">
-              <a:buNone/>
-              <a:defRPr sz="2000"/>
-            </a:lvl9pPr>
-          </a:lstStyle>
-          <a:p>
-            <a:r>
-              <a:rPr lang="en-AU" smtClean="0"/>
-              <a:t>Drag picture to placeholder or click icon to add</a:t>
-            </a:r>
-            <a:endParaRPr/>
-          </a:p>
-        </p:txBody>
-      </p:sp>
-      <p:sp>
-        <p:nvSpPr>
-          <p:cNvPr id="4" name="Text Placeholder 3"/>
-          <p:cNvSpPr>
-            <a:spLocks noGrp="1"/>
-          </p:cNvSpPr>
-          <p:nvPr>
-            <p:ph type="body" sz="half" idx="2"/>
-          </p:nvPr>
-        </p:nvSpPr>
-        <p:spPr>
-          <a:xfrm>
-            <a:off x="4169404" y="3995737"/>
-            <a:ext cx="3898272" cy="2147888"/>
-          </a:xfrm>
-        </p:spPr>
-        <p:txBody>
-          <a:bodyPr/>
-          <a:lstStyle>
-            <a:lvl1pPr marL="0" indent="0">
-              <a:spcBef>
-                <a:spcPts val="600"/>
-              </a:spcBef>
-              <a:buNone/>
-              <a:defRPr sz="1400"/>
-            </a:lvl1pPr>
-            <a:lvl2pPr marL="457200" indent="0">
-              <a:buNone/>
-              <a:defRPr sz="1200"/>
-            </a:lvl2pPr>
-            <a:lvl3pPr marL="914400" indent="0">
-              <a:buNone/>
-              <a:defRPr sz="1000"/>
-            </a:lvl3pPr>
-            <a:lvl4pPr marL="1371600" indent="0">
-              <a:buNone/>
-              <a:defRPr sz="900"/>
-            </a:lvl4pPr>
-            <a:lvl5pPr marL="1828800" indent="0">
-              <a:buNone/>
-              <a:defRPr sz="900"/>
-            </a:lvl5pPr>
-            <a:lvl6pPr marL="2286000" indent="0">
-              <a:buNone/>
-              <a:defRPr sz="900"/>
-            </a:lvl6pPr>
-            <a:lvl7pPr marL="2743200" indent="0">
-              <a:buNone/>
-              <a:defRPr sz="900"/>
-            </a:lvl7pPr>
-            <a:lvl8pPr marL="3200400" indent="0">
-              <a:buNone/>
-              <a:defRPr sz="900"/>
-            </a:lvl8pPr>
-            <a:lvl9pPr marL="3657600" indent="0">
-              <a:buNone/>
-              <a:defRPr sz="900"/>
-            </a:lvl9pPr>
-          </a:lstStyle>
-          <a:p>
-            <a:pPr lvl="0"/>
-            <a:r>
-              <a:rPr lang="en-AU" smtClean="0"/>
-              <a:t>Click to edit Master text styles</a:t>
-            </a:r>
-          </a:p>
-        </p:txBody>
-      </p:sp>
-      <p:sp>
-        <p:nvSpPr>
-          <p:cNvPr id="5" name="Date Placeholder 4"/>
-          <p:cNvSpPr>
-            <a:spLocks noGrp="1"/>
-          </p:cNvSpPr>
-          <p:nvPr>
-            <p:ph type="dt" sz="half" idx="10"/>
-          </p:nvPr>
-        </p:nvSpPr>
-        <p:spPr>
-          <a:xfrm>
-            <a:off x="7391399" y="6423585"/>
-            <a:ext cx="1537447" cy="365125"/>
-          </a:xfrm>
-        </p:spPr>
-        <p:txBody>
-          <a:bodyPr/>
-          <a:lstStyle/>
-          <a:p>
-            <a:fld id="{44E55408-4E64-184E-A974-20262AF63A0C}" type="datetimeFigureOut">
-              <a:rPr lang="en-US" smtClean="0"/>
-              <a:t>20/07/15</a:t>
-            </a:fld>
-            <a:endParaRPr lang="en-US"/>
-          </a:p>
-        </p:txBody>
-      </p:sp>
-      <p:sp>
-        <p:nvSpPr>
-          <p:cNvPr id="6" name="Footer Placeholder 5"/>
-          <p:cNvSpPr>
-            <a:spLocks noGrp="1"/>
-          </p:cNvSpPr>
-          <p:nvPr>
-            <p:ph type="ftr" sz="quarter" idx="11"/>
-          </p:nvPr>
-        </p:nvSpPr>
-        <p:spPr>
-          <a:xfrm>
-            <a:off x="4191000" y="6423585"/>
-            <a:ext cx="3005138" cy="365125"/>
-          </a:xfrm>
-        </p:spPr>
-        <p:txBody>
-          <a:bodyPr/>
-          <a:lstStyle/>
-          <a:p>
-            <a:endParaRPr lang="en-US"/>
-          </a:p>
-        </p:txBody>
-      </p:sp>
-      <p:sp>
-        <p:nvSpPr>
-          <p:cNvPr id="7" name="Slide Number Placeholder 6"/>
-          <p:cNvSpPr>
-            <a:spLocks noGrp="1"/>
-          </p:cNvSpPr>
-          <p:nvPr>
-            <p:ph type="sldNum" sz="quarter" idx="12"/>
-          </p:nvPr>
-        </p:nvSpPr>
-        <p:spPr/>
-        <p:txBody>
-          <a:bodyPr/>
-          <a:lstStyle/>
-          <a:p>
-            <a:fld id="{AE08B4A2-C56F-4F4C-BC5D-010CB3749170}" type="slidenum">
-              <a:rPr lang="en-US" smtClean="0"/>
-              <a:t>‹#›</a:t>
-            </a:fld>
-            <a:endParaRPr lang="en-US"/>
-          </a:p>
-        </p:txBody>
-      </p:sp>
-      <p:sp>
-        <p:nvSpPr>
-          <p:cNvPr id="10" name="TextBox 9"/>
-          <p:cNvSpPr txBox="1"/>
-          <p:nvPr/>
-        </p:nvSpPr>
-        <p:spPr>
-          <a:xfrm>
-            <a:off x="3990110" y="3370730"/>
-            <a:ext cx="220568" cy="369332"/>
-          </a:xfrm>
-          <a:prstGeom prst="rect">
-            <a:avLst/>
-          </a:prstGeom>
-          <a:noFill/>
-        </p:spPr>
-        <p:txBody>
-          <a:bodyPr wrap="square" lIns="0" tIns="0" rIns="0" bIns="0" rtlCol="0">
-            <a:spAutoFit/>
-          </a:bodyPr>
-          <a:lstStyle/>
-          <a:p>
-            <a:r>
-              <a:rPr sz="2400" b="1" baseline="0">
-                <a:solidFill>
-                  <a:schemeClr val="accent1">
-                    <a:lumMod val="60000"/>
-                    <a:lumOff val="40000"/>
-                  </a:schemeClr>
-                </a:solidFill>
-              </a:rPr>
-              <a:t>+ </a:t>
-            </a:r>
-          </a:p>
-        </p:txBody>
-      </p:sp>
-    </p:spTree>
-  </p:cSld>
-  <p:clrMapOvr>
-    <a:masterClrMapping/>
-  </p:clrMapOvr>
-</p:sldLayout>
-</file>
-
-<file path=ppt/slideLayouts/slideLayout15.xml><?xml version="1.0" encoding="utf-8"?>
-<p:sldLayout xmlns:a="http://schemas.openxmlformats.org/drawingml/2006/main" xmlns:r="http://schemas.openxmlformats.org/officeDocument/2006/relationships" xmlns:p="http://schemas.openxmlformats.org/presentationml/2006/main" type="picTx" preserve="1">
-  <p:cSld name="Picture above Caption">
-    <p:spTree>
-      <p:nvGrpSpPr>
-        <p:cNvPr id="1" name=""/>
-        <p:cNvGrpSpPr/>
-        <p:nvPr/>
-      </p:nvGrpSpPr>
-      <p:grpSpPr>
-        <a:xfrm>
-          <a:off x="0" y="0"/>
-          <a:ext cx="0" cy="0"/>
-          <a:chOff x="0" y="0"/>
-          <a:chExt cx="0" cy="0"/>
-        </a:xfrm>
-      </p:grpSpPr>
-      <p:sp>
-        <p:nvSpPr>
-          <p:cNvPr id="2" name="Title 1"/>
-          <p:cNvSpPr>
-            <a:spLocks noGrp="1"/>
-          </p:cNvSpPr>
-          <p:nvPr>
-            <p:ph type="title"/>
-          </p:nvPr>
-        </p:nvSpPr>
-        <p:spPr>
-          <a:xfrm>
-            <a:off x="506505" y="4424082"/>
-            <a:ext cx="6191157" cy="833718"/>
-          </a:xfrm>
-        </p:spPr>
-        <p:txBody>
-          <a:bodyPr anchor="b">
-            <a:normAutofit/>
-          </a:bodyPr>
-          <a:lstStyle>
-            <a:lvl1pPr algn="l">
-              <a:defRPr sz="2600" b="0"/>
-            </a:lvl1pPr>
-          </a:lstStyle>
-          <a:p>
-            <a:r>
-              <a:rPr lang="en-AU" smtClean="0"/>
-              <a:t>Click to edit Master title style</a:t>
-            </a:r>
-            <a:endParaRPr/>
-          </a:p>
-        </p:txBody>
-      </p:sp>
-      <p:sp>
-        <p:nvSpPr>
-          <p:cNvPr id="3" name="Picture Placeholder 2"/>
-          <p:cNvSpPr>
-            <a:spLocks noGrp="1"/>
-          </p:cNvSpPr>
-          <p:nvPr>
-            <p:ph type="pic" idx="1"/>
-          </p:nvPr>
-        </p:nvSpPr>
-        <p:spPr>
-          <a:xfrm>
-            <a:off x="277905" y="228600"/>
-            <a:ext cx="6378389" cy="4187952"/>
-          </a:xfrm>
-        </p:spPr>
-        <p:txBody>
-          <a:bodyPr/>
-          <a:lstStyle>
-            <a:lvl1pPr marL="0" indent="0">
-              <a:buNone/>
-              <a:defRPr sz="3200"/>
-            </a:lvl1pPr>
-            <a:lvl2pPr marL="457200" indent="0">
-              <a:buNone/>
-              <a:defRPr sz="2800"/>
-            </a:lvl2pPr>
-            <a:lvl3pPr marL="914400" indent="0">
-              <a:buNone/>
-              <a:defRPr sz="2400"/>
-            </a:lvl3pPr>
-            <a:lvl4pPr marL="1371600" indent="0">
-              <a:buNone/>
-              <a:defRPr sz="2000"/>
-            </a:lvl4pPr>
-            <a:lvl5pPr marL="1828800" indent="0">
-              <a:buNone/>
-              <a:defRPr sz="2000"/>
-            </a:lvl5pPr>
-            <a:lvl6pPr marL="2286000" indent="0">
-              <a:buNone/>
-              <a:defRPr sz="2000"/>
-            </a:lvl6pPr>
-            <a:lvl7pPr marL="2743200" indent="0">
-              <a:buNone/>
-              <a:defRPr sz="2000"/>
-            </a:lvl7pPr>
-            <a:lvl8pPr marL="3200400" indent="0">
-              <a:buNone/>
-              <a:defRPr sz="2000"/>
-            </a:lvl8pPr>
-            <a:lvl9pPr marL="3657600" indent="0">
-              <a:buNone/>
-              <a:defRPr sz="2000"/>
-            </a:lvl9pPr>
-          </a:lstStyle>
-          <a:p>
-            <a:r>
-              <a:rPr lang="en-AU" smtClean="0"/>
-              <a:t>Drag picture to placeholder or click icon to add</a:t>
-            </a:r>
-            <a:endParaRPr/>
-          </a:p>
-        </p:txBody>
-      </p:sp>
-      <p:sp>
-        <p:nvSpPr>
-          <p:cNvPr id="4" name="Text Placeholder 3"/>
-          <p:cNvSpPr>
-            <a:spLocks noGrp="1"/>
-          </p:cNvSpPr>
-          <p:nvPr>
-            <p:ph type="body" sz="half" idx="2"/>
-          </p:nvPr>
-        </p:nvSpPr>
-        <p:spPr>
-          <a:xfrm>
-            <a:off x="506505" y="5257799"/>
-            <a:ext cx="6191157" cy="885825"/>
-          </a:xfrm>
-        </p:spPr>
-        <p:txBody>
-          <a:bodyPr/>
-          <a:lstStyle>
-            <a:lvl1pPr marL="0" indent="0">
-              <a:spcBef>
-                <a:spcPts val="300"/>
-              </a:spcBef>
-              <a:buNone/>
-              <a:defRPr sz="1400"/>
-            </a:lvl1pPr>
-            <a:lvl2pPr marL="457200" indent="0">
-              <a:buNone/>
-              <a:defRPr sz="1200"/>
-            </a:lvl2pPr>
-            <a:lvl3pPr marL="914400" indent="0">
-              <a:buNone/>
-              <a:defRPr sz="1000"/>
-            </a:lvl3pPr>
-            <a:lvl4pPr marL="1371600" indent="0">
-              <a:buNone/>
-              <a:defRPr sz="900"/>
-            </a:lvl4pPr>
-            <a:lvl5pPr marL="1828800" indent="0">
-              <a:buNone/>
-              <a:defRPr sz="900"/>
-            </a:lvl5pPr>
-            <a:lvl6pPr marL="2286000" indent="0">
-              <a:buNone/>
-              <a:defRPr sz="900"/>
-            </a:lvl6pPr>
-            <a:lvl7pPr marL="2743200" indent="0">
-              <a:buNone/>
-              <a:defRPr sz="900"/>
-            </a:lvl7pPr>
-            <a:lvl8pPr marL="3200400" indent="0">
-              <a:buNone/>
-              <a:defRPr sz="900"/>
-            </a:lvl8pPr>
-            <a:lvl9pPr marL="3657600" indent="0">
-              <a:buNone/>
-              <a:defRPr sz="900"/>
-            </a:lvl9pPr>
-          </a:lstStyle>
-          <a:p>
-            <a:pPr lvl="0"/>
-            <a:r>
-              <a:rPr lang="en-AU" smtClean="0"/>
-              <a:t>Click to edit Master text styles</a:t>
-            </a:r>
-          </a:p>
-        </p:txBody>
-      </p:sp>
-      <p:sp>
-        <p:nvSpPr>
-          <p:cNvPr id="5" name="Date Placeholder 4"/>
-          <p:cNvSpPr>
-            <a:spLocks noGrp="1"/>
-          </p:cNvSpPr>
-          <p:nvPr>
-            <p:ph type="dt" sz="half" idx="10"/>
-          </p:nvPr>
-        </p:nvSpPr>
-        <p:spPr/>
-        <p:txBody>
-          <a:bodyPr/>
-          <a:lstStyle/>
-          <a:p>
-            <a:fld id="{44E55408-4E64-184E-A974-20262AF63A0C}" type="datetimeFigureOut">
-              <a:rPr lang="en-US" smtClean="0"/>
-              <a:t>20/07/15</a:t>
-            </a:fld>
-            <a:endParaRPr lang="en-US"/>
-          </a:p>
-        </p:txBody>
-      </p:sp>
-      <p:sp>
-        <p:nvSpPr>
-          <p:cNvPr id="6" name="Footer Placeholder 5"/>
-          <p:cNvSpPr>
-            <a:spLocks noGrp="1"/>
-          </p:cNvSpPr>
-          <p:nvPr>
-            <p:ph type="ftr" sz="quarter" idx="11"/>
-          </p:nvPr>
-        </p:nvSpPr>
-        <p:spPr/>
-        <p:txBody>
-          <a:bodyPr/>
-          <a:lstStyle/>
-          <a:p>
-            <a:endParaRPr lang="en-US"/>
-          </a:p>
-        </p:txBody>
-      </p:sp>
-      <p:sp>
-        <p:nvSpPr>
-          <p:cNvPr id="7" name="Slide Number Placeholder 6"/>
-          <p:cNvSpPr>
-            <a:spLocks noGrp="1"/>
-          </p:cNvSpPr>
-          <p:nvPr>
-            <p:ph type="sldNum" sz="quarter" idx="12"/>
-          </p:nvPr>
-        </p:nvSpPr>
-        <p:spPr/>
-        <p:txBody>
-          <a:bodyPr/>
-          <a:lstStyle/>
-          <a:p>
-            <a:fld id="{AE08B4A2-C56F-4F4C-BC5D-010CB3749170}" type="slidenum">
-              <a:rPr lang="en-US" smtClean="0"/>
-              <a:t>‹#›</a:t>
-            </a:fld>
-            <a:endParaRPr lang="en-US"/>
-          </a:p>
-        </p:txBody>
-      </p:sp>
-      <p:sp>
-        <p:nvSpPr>
-          <p:cNvPr id="8" name="Rectangle 7"/>
-          <p:cNvSpPr/>
-          <p:nvPr/>
-        </p:nvSpPr>
-        <p:spPr>
-          <a:xfrm>
-            <a:off x="6802438" y="228600"/>
-            <a:ext cx="2057400" cy="2039112"/>
-          </a:xfrm>
-          <a:prstGeom prst="rect">
-            <a:avLst/>
-          </a:prstGeom>
-          <a:solidFill>
-            <a:schemeClr val="accent4"/>
-          </a:solidFill>
-          <a:ln>
-            <a:noFill/>
-          </a:ln>
-        </p:spPr>
-        <p:style>
-          <a:lnRef idx="2">
-            <a:schemeClr val="accent1">
-              <a:shade val="50000"/>
-            </a:schemeClr>
-          </a:lnRef>
-          <a:fillRef idx="1">
-            <a:schemeClr val="accent1"/>
-          </a:fillRef>
-          <a:effectRef idx="0">
-            <a:schemeClr val="accent1"/>
-          </a:effectRef>
-          <a:fontRef idx="minor">
-            <a:schemeClr val="lt1"/>
-          </a:fontRef>
-        </p:style>
-        <p:txBody>
-          <a:bodyPr rtlCol="0" anchor="ctr"/>
-          <a:lstStyle/>
-          <a:p>
-            <a:pPr algn="ctr"/>
-            <a:endParaRPr/>
-          </a:p>
-        </p:txBody>
-      </p:sp>
-      <p:sp>
-        <p:nvSpPr>
-          <p:cNvPr id="9" name="Rectangle 8"/>
-          <p:cNvSpPr/>
-          <p:nvPr/>
-        </p:nvSpPr>
-        <p:spPr>
-          <a:xfrm>
-            <a:off x="6802438" y="2377440"/>
-            <a:ext cx="2057400" cy="2039112"/>
-          </a:xfrm>
-          <a:prstGeom prst="rect">
-            <a:avLst/>
-          </a:prstGeom>
-          <a:solidFill>
-            <a:schemeClr val="accent1"/>
-          </a:solidFill>
-          <a:ln>
-            <a:noFill/>
-          </a:ln>
-        </p:spPr>
-        <p:style>
-          <a:lnRef idx="2">
-            <a:schemeClr val="accent1">
-              <a:shade val="50000"/>
-            </a:schemeClr>
-          </a:lnRef>
-          <a:fillRef idx="1">
-            <a:schemeClr val="accent1"/>
-          </a:fillRef>
-          <a:effectRef idx="0">
-            <a:schemeClr val="accent1"/>
-          </a:effectRef>
-          <a:fontRef idx="minor">
-            <a:schemeClr val="lt1"/>
-          </a:fontRef>
-        </p:style>
-        <p:txBody>
-          <a:bodyPr rtlCol="0" anchor="ctr"/>
-          <a:lstStyle/>
-          <a:p>
-            <a:pPr algn="ctr"/>
-            <a:endParaRPr/>
-          </a:p>
-        </p:txBody>
-      </p:sp>
-      <p:sp>
-        <p:nvSpPr>
-          <p:cNvPr id="10" name="TextBox 9"/>
-          <p:cNvSpPr txBox="1"/>
-          <p:nvPr/>
-        </p:nvSpPr>
-        <p:spPr>
-          <a:xfrm>
-            <a:off x="327212" y="4632792"/>
-            <a:ext cx="220568" cy="369332"/>
-          </a:xfrm>
-          <a:prstGeom prst="rect">
-            <a:avLst/>
-          </a:prstGeom>
-          <a:noFill/>
-        </p:spPr>
-        <p:txBody>
-          <a:bodyPr wrap="square" lIns="0" tIns="0" rIns="0" bIns="0" rtlCol="0">
-            <a:spAutoFit/>
-          </a:bodyPr>
-          <a:lstStyle/>
-          <a:p>
-            <a:r>
-              <a:rPr sz="2400" b="1" baseline="0">
-                <a:solidFill>
-                  <a:schemeClr val="accent1">
-                    <a:lumMod val="60000"/>
-                    <a:lumOff val="40000"/>
-                  </a:schemeClr>
-                </a:solidFill>
-              </a:rPr>
-              <a:t>+ </a:t>
-            </a:r>
-          </a:p>
-        </p:txBody>
-      </p:sp>
-    </p:spTree>
-  </p:cSld>
-  <p:clrMapOvr>
-    <a:masterClrMapping/>
-  </p:clrMapOvr>
-</p:sldLayout>
-</file>
-
-<file path=ppt/slideLayouts/slideLayout16.xml><?xml version="1.0" encoding="utf-8"?>
-<p:sldLayout xmlns:a="http://schemas.openxmlformats.org/drawingml/2006/main" xmlns:r="http://schemas.openxmlformats.org/officeDocument/2006/relationships" xmlns:p="http://schemas.openxmlformats.org/presentationml/2006/main" preserve="1">
-  <p:cSld name="2 Pictures with Caption">
-    <p:spTree>
-      <p:nvGrpSpPr>
-        <p:cNvPr id="1" name=""/>
-        <p:cNvGrpSpPr/>
-        <p:nvPr/>
-      </p:nvGrpSpPr>
-      <p:grpSpPr>
-        <a:xfrm>
-          <a:off x="0" y="0"/>
-          <a:ext cx="0" cy="0"/>
-          <a:chOff x="0" y="0"/>
-          <a:chExt cx="0" cy="0"/>
-        </a:xfrm>
-      </p:grpSpPr>
-      <p:sp>
-        <p:nvSpPr>
-          <p:cNvPr id="8" name="Rectangle 7"/>
-          <p:cNvSpPr/>
-          <p:nvPr/>
-        </p:nvSpPr>
-        <p:spPr>
-          <a:xfrm>
-            <a:off x="282574" y="228600"/>
-            <a:ext cx="6387167" cy="6345238"/>
-          </a:xfrm>
-          <a:prstGeom prst="rect">
-            <a:avLst/>
-          </a:prstGeom>
-          <a:solidFill>
-            <a:schemeClr val="accent1"/>
-          </a:solidFill>
-          <a:ln>
-            <a:noFill/>
-          </a:ln>
-        </p:spPr>
-        <p:style>
-          <a:lnRef idx="2">
-            <a:schemeClr val="accent1">
-              <a:shade val="50000"/>
-            </a:schemeClr>
-          </a:lnRef>
-          <a:fillRef idx="1">
-            <a:schemeClr val="accent1"/>
-          </a:fillRef>
-          <a:effectRef idx="0">
-            <a:schemeClr val="accent1"/>
-          </a:effectRef>
-          <a:fontRef idx="minor">
-            <a:schemeClr val="lt1"/>
-          </a:fontRef>
-        </p:style>
-        <p:txBody>
-          <a:bodyPr rtlCol="0" anchor="ctr"/>
-          <a:lstStyle/>
-          <a:p>
-            <a:pPr algn="ctr"/>
-            <a:endParaRPr/>
-          </a:p>
-        </p:txBody>
-      </p:sp>
-      <p:sp>
-        <p:nvSpPr>
-          <p:cNvPr id="2" name="Title 1"/>
-          <p:cNvSpPr>
-            <a:spLocks noGrp="1"/>
-          </p:cNvSpPr>
-          <p:nvPr>
-            <p:ph type="title"/>
-          </p:nvPr>
-        </p:nvSpPr>
-        <p:spPr>
-          <a:xfrm>
-            <a:off x="380554" y="2571750"/>
-            <a:ext cx="6181611" cy="1162050"/>
-          </a:xfrm>
-        </p:spPr>
-        <p:txBody>
-          <a:bodyPr anchor="b">
-            <a:normAutofit/>
-          </a:bodyPr>
-          <a:lstStyle>
-            <a:lvl1pPr algn="l">
-              <a:defRPr sz="2600" b="0">
-                <a:solidFill>
-                  <a:schemeClr val="bg1"/>
-                </a:solidFill>
-              </a:defRPr>
-            </a:lvl1pPr>
-          </a:lstStyle>
-          <a:p>
-            <a:r>
-              <a:rPr lang="en-AU" smtClean="0"/>
-              <a:t>Click to edit Master title style</a:t>
-            </a:r>
-            <a:endParaRPr/>
-          </a:p>
-        </p:txBody>
-      </p:sp>
-      <p:sp>
-        <p:nvSpPr>
-          <p:cNvPr id="4" name="Text Placeholder 3"/>
-          <p:cNvSpPr>
-            <a:spLocks noGrp="1"/>
-          </p:cNvSpPr>
-          <p:nvPr>
-            <p:ph type="body" sz="half" idx="2"/>
-          </p:nvPr>
-        </p:nvSpPr>
-        <p:spPr>
-          <a:xfrm>
-            <a:off x="381094" y="3733800"/>
-            <a:ext cx="6179566" cy="2392363"/>
-          </a:xfrm>
-        </p:spPr>
-        <p:txBody>
-          <a:bodyPr/>
-          <a:lstStyle>
-            <a:lvl1pPr marL="0" indent="0">
-              <a:spcBef>
-                <a:spcPts val="600"/>
-              </a:spcBef>
-              <a:buNone/>
-              <a:defRPr sz="1400">
-                <a:solidFill>
-                  <a:schemeClr val="bg1"/>
-                </a:solidFill>
-              </a:defRPr>
-            </a:lvl1pPr>
-            <a:lvl2pPr marL="457200" indent="0">
-              <a:buNone/>
-              <a:defRPr sz="1200"/>
-            </a:lvl2pPr>
-            <a:lvl3pPr marL="914400" indent="0">
-              <a:buNone/>
-              <a:defRPr sz="1000"/>
-            </a:lvl3pPr>
-            <a:lvl4pPr marL="1371600" indent="0">
-              <a:buNone/>
-              <a:defRPr sz="900"/>
-            </a:lvl4pPr>
-            <a:lvl5pPr marL="1828800" indent="0">
-              <a:buNone/>
-              <a:defRPr sz="900"/>
-            </a:lvl5pPr>
-            <a:lvl6pPr marL="2286000" indent="0">
-              <a:buNone/>
-              <a:defRPr sz="900"/>
-            </a:lvl6pPr>
-            <a:lvl7pPr marL="2743200" indent="0">
-              <a:buNone/>
-              <a:defRPr sz="900"/>
-            </a:lvl7pPr>
-            <a:lvl8pPr marL="3200400" indent="0">
-              <a:buNone/>
-              <a:defRPr sz="900"/>
-            </a:lvl8pPr>
-            <a:lvl9pPr marL="3657600" indent="0">
-              <a:buNone/>
-              <a:defRPr sz="900"/>
-            </a:lvl9pPr>
-          </a:lstStyle>
-          <a:p>
-            <a:pPr lvl="0"/>
-            <a:r>
-              <a:rPr lang="en-AU" smtClean="0"/>
-              <a:t>Click to edit Master text styles</a:t>
-            </a:r>
-          </a:p>
-        </p:txBody>
-      </p:sp>
-      <p:sp>
-        <p:nvSpPr>
-          <p:cNvPr id="5" name="Date Placeholder 4"/>
-          <p:cNvSpPr>
-            <a:spLocks noGrp="1"/>
-          </p:cNvSpPr>
-          <p:nvPr>
-            <p:ph type="dt" sz="half" idx="10"/>
-          </p:nvPr>
-        </p:nvSpPr>
-        <p:spPr>
-          <a:xfrm>
-            <a:off x="5212262" y="6235607"/>
-            <a:ext cx="1348398" cy="365125"/>
-          </a:xfrm>
-        </p:spPr>
-        <p:txBody>
-          <a:bodyPr/>
-          <a:lstStyle>
-            <a:lvl1pPr>
-              <a:defRPr>
-                <a:solidFill>
-                  <a:schemeClr val="bg1"/>
-                </a:solidFill>
-              </a:defRPr>
-            </a:lvl1pPr>
-          </a:lstStyle>
-          <a:p>
-            <a:fld id="{44E55408-4E64-184E-A974-20262AF63A0C}" type="datetimeFigureOut">
-              <a:rPr lang="en-US" smtClean="0"/>
-              <a:t>20/07/15</a:t>
-            </a:fld>
-            <a:endParaRPr lang="en-US"/>
-          </a:p>
-        </p:txBody>
-      </p:sp>
-      <p:sp>
-        <p:nvSpPr>
-          <p:cNvPr id="6" name="Footer Placeholder 5"/>
-          <p:cNvSpPr>
-            <a:spLocks noGrp="1"/>
-          </p:cNvSpPr>
-          <p:nvPr>
-            <p:ph type="ftr" sz="quarter" idx="11"/>
-          </p:nvPr>
-        </p:nvSpPr>
-        <p:spPr>
-          <a:xfrm>
-            <a:off x="381095" y="6235607"/>
-            <a:ext cx="4648105" cy="365125"/>
-          </a:xfrm>
-        </p:spPr>
-        <p:txBody>
-          <a:bodyPr/>
-          <a:lstStyle>
-            <a:lvl1pPr>
-              <a:defRPr>
-                <a:solidFill>
-                  <a:schemeClr val="bg1"/>
-                </a:solidFill>
-              </a:defRPr>
-            </a:lvl1pPr>
-          </a:lstStyle>
-          <a:p>
-            <a:endParaRPr lang="en-US"/>
-          </a:p>
-        </p:txBody>
-      </p:sp>
-      <p:sp>
-        <p:nvSpPr>
-          <p:cNvPr id="7" name="Slide Number Placeholder 6"/>
-          <p:cNvSpPr>
-            <a:spLocks noGrp="1"/>
-          </p:cNvSpPr>
-          <p:nvPr>
-            <p:ph type="sldNum" sz="quarter" idx="12"/>
-          </p:nvPr>
-        </p:nvSpPr>
-        <p:spPr/>
-        <p:txBody>
-          <a:bodyPr/>
-          <a:lstStyle/>
-          <a:p>
-            <a:fld id="{AE08B4A2-C56F-4F4C-BC5D-010CB3749170}" type="slidenum">
-              <a:rPr lang="en-US" smtClean="0"/>
-              <a:t>‹#›</a:t>
-            </a:fld>
-            <a:endParaRPr lang="en-US"/>
-          </a:p>
-        </p:txBody>
-      </p:sp>
-      <p:sp>
-        <p:nvSpPr>
-          <p:cNvPr id="9" name="TextBox 8"/>
-          <p:cNvSpPr txBox="1"/>
-          <p:nvPr/>
-        </p:nvSpPr>
-        <p:spPr>
-          <a:xfrm>
-            <a:off x="424891" y="174812"/>
-            <a:ext cx="413309" cy="830997"/>
-          </a:xfrm>
-          <a:prstGeom prst="rect">
-            <a:avLst/>
-          </a:prstGeom>
-          <a:noFill/>
-        </p:spPr>
-        <p:txBody>
-          <a:bodyPr wrap="square" lIns="0" tIns="0" rIns="0" bIns="0" rtlCol="0">
-            <a:spAutoFit/>
-          </a:bodyPr>
-          <a:lstStyle/>
-          <a:p>
-            <a:r>
-              <a:rPr sz="5400" b="1">
-                <a:solidFill>
-                  <a:schemeClr val="accent1">
-                    <a:lumMod val="60000"/>
-                    <a:lumOff val="40000"/>
-                  </a:schemeClr>
-                </a:solidFill>
-              </a:rPr>
-              <a:t>+</a:t>
-            </a:r>
-          </a:p>
-        </p:txBody>
-      </p:sp>
-      <p:sp>
-        <p:nvSpPr>
-          <p:cNvPr id="10" name="Rectangle 9"/>
-          <p:cNvSpPr/>
-          <p:nvPr/>
-        </p:nvSpPr>
-        <p:spPr>
-          <a:xfrm>
-            <a:off x="6802438" y="228600"/>
-            <a:ext cx="2057400" cy="2039112"/>
-          </a:xfrm>
-          <a:prstGeom prst="rect">
-            <a:avLst/>
-          </a:prstGeom>
-          <a:solidFill>
-            <a:schemeClr val="accent3"/>
-          </a:solidFill>
-          <a:ln>
-            <a:noFill/>
-          </a:ln>
-        </p:spPr>
-        <p:style>
-          <a:lnRef idx="2">
-            <a:schemeClr val="accent1">
-              <a:shade val="50000"/>
-            </a:schemeClr>
-          </a:lnRef>
-          <a:fillRef idx="1">
-            <a:schemeClr val="accent1"/>
-          </a:fillRef>
-          <a:effectRef idx="0">
-            <a:schemeClr val="accent1"/>
-          </a:effectRef>
-          <a:fontRef idx="minor">
-            <a:schemeClr val="lt1"/>
-          </a:fontRef>
-        </p:style>
-        <p:txBody>
-          <a:bodyPr rtlCol="0" anchor="ctr"/>
-          <a:lstStyle/>
-          <a:p>
-            <a:pPr algn="ctr"/>
-            <a:endParaRPr/>
-          </a:p>
-        </p:txBody>
-      </p:sp>
-      <p:sp>
-        <p:nvSpPr>
-          <p:cNvPr id="12" name="Picture Placeholder 12"/>
-          <p:cNvSpPr>
-            <a:spLocks noGrp="1"/>
-          </p:cNvSpPr>
-          <p:nvPr>
-            <p:ph type="pic" sz="quarter" idx="13"/>
-          </p:nvPr>
-        </p:nvSpPr>
-        <p:spPr>
-          <a:xfrm>
-            <a:off x="6802438" y="2374940"/>
-            <a:ext cx="2057400" cy="2039112"/>
-          </a:xfrm>
-        </p:spPr>
-        <p:txBody>
-          <a:bodyPr/>
-          <a:lstStyle>
-            <a:lvl1pPr>
-              <a:buNone/>
-              <a:defRPr/>
-            </a:lvl1pPr>
-          </a:lstStyle>
-          <a:p>
-            <a:r>
-              <a:rPr lang="en-AU" smtClean="0"/>
-              <a:t>Drag picture to placeholder or click icon to add</a:t>
-            </a:r>
-            <a:endParaRPr/>
-          </a:p>
-        </p:txBody>
-      </p:sp>
-      <p:sp>
-        <p:nvSpPr>
-          <p:cNvPr id="13" name="Picture Placeholder 12"/>
-          <p:cNvSpPr>
-            <a:spLocks noGrp="1"/>
-          </p:cNvSpPr>
-          <p:nvPr>
-            <p:ph type="pic" sz="quarter" idx="14"/>
-          </p:nvPr>
-        </p:nvSpPr>
-        <p:spPr>
-          <a:xfrm>
-            <a:off x="6802438" y="4535424"/>
-            <a:ext cx="2057400" cy="2039112"/>
-          </a:xfrm>
-        </p:spPr>
-        <p:txBody>
-          <a:bodyPr/>
-          <a:lstStyle>
-            <a:lvl1pPr>
-              <a:buNone/>
-              <a:defRPr/>
-            </a:lvl1pPr>
-          </a:lstStyle>
-          <a:p>
-            <a:r>
-              <a:rPr lang="en-AU" smtClean="0"/>
-              <a:t>Drag picture to placeholder or click icon to add</a:t>
-            </a:r>
-            <a:endParaRPr/>
-          </a:p>
-        </p:txBody>
-      </p:sp>
-    </p:spTree>
-  </p:cSld>
-  <p:clrMapOvr>
-    <a:masterClrMapping/>
-  </p:clrMapOvr>
-</p:sldLayout>
-</file>
-
-<file path=ppt/slideLayouts/slideLayout17.xml><?xml version="1.0" encoding="utf-8"?>
-<p:sldLayout xmlns:a="http://schemas.openxmlformats.org/drawingml/2006/main" xmlns:r="http://schemas.openxmlformats.org/officeDocument/2006/relationships" xmlns:p="http://schemas.openxmlformats.org/presentationml/2006/main" preserve="1">
-  <p:cSld name="3 Pictures with Caption">
-    <p:spTree>
-      <p:nvGrpSpPr>
-        <p:cNvPr id="1" name=""/>
-        <p:cNvGrpSpPr/>
-        <p:nvPr/>
-      </p:nvGrpSpPr>
-      <p:grpSpPr>
-        <a:xfrm>
-          <a:off x="0" y="0"/>
-          <a:ext cx="0" cy="0"/>
-          <a:chOff x="0" y="0"/>
-          <a:chExt cx="0" cy="0"/>
-        </a:xfrm>
-      </p:grpSpPr>
-      <p:sp>
-        <p:nvSpPr>
-          <p:cNvPr id="8" name="Rectangle 7"/>
-          <p:cNvSpPr/>
-          <p:nvPr/>
-        </p:nvSpPr>
-        <p:spPr>
-          <a:xfrm>
-            <a:off x="282575" y="228600"/>
-            <a:ext cx="4235450" cy="6345238"/>
-          </a:xfrm>
-          <a:prstGeom prst="rect">
-            <a:avLst/>
-          </a:prstGeom>
-          <a:solidFill>
-            <a:schemeClr val="accent1"/>
-          </a:solidFill>
-          <a:ln>
-            <a:noFill/>
-          </a:ln>
-        </p:spPr>
-        <p:style>
-          <a:lnRef idx="2">
-            <a:schemeClr val="accent1">
-              <a:shade val="50000"/>
-            </a:schemeClr>
-          </a:lnRef>
-          <a:fillRef idx="1">
-            <a:schemeClr val="accent1"/>
-          </a:fillRef>
-          <a:effectRef idx="0">
-            <a:schemeClr val="accent1"/>
-          </a:effectRef>
-          <a:fontRef idx="minor">
-            <a:schemeClr val="lt1"/>
-          </a:fontRef>
-        </p:style>
-        <p:txBody>
-          <a:bodyPr rtlCol="0" anchor="ctr"/>
-          <a:lstStyle/>
-          <a:p>
-            <a:pPr algn="ctr"/>
-            <a:endParaRPr/>
-          </a:p>
-        </p:txBody>
-      </p:sp>
-      <p:sp>
-        <p:nvSpPr>
-          <p:cNvPr id="2" name="Title 1"/>
-          <p:cNvSpPr>
-            <a:spLocks noGrp="1"/>
-          </p:cNvSpPr>
-          <p:nvPr>
-            <p:ph type="title"/>
-          </p:nvPr>
-        </p:nvSpPr>
-        <p:spPr>
-          <a:xfrm>
-            <a:off x="380554" y="2571750"/>
-            <a:ext cx="4016633" cy="1162050"/>
-          </a:xfrm>
-        </p:spPr>
-        <p:txBody>
-          <a:bodyPr anchor="b">
-            <a:normAutofit/>
-          </a:bodyPr>
-          <a:lstStyle>
-            <a:lvl1pPr algn="l">
-              <a:defRPr sz="2600" b="0">
-                <a:solidFill>
-                  <a:schemeClr val="bg1"/>
-                </a:solidFill>
-              </a:defRPr>
-            </a:lvl1pPr>
-          </a:lstStyle>
-          <a:p>
-            <a:r>
-              <a:rPr lang="en-AU" smtClean="0"/>
-              <a:t>Click to edit Master title style</a:t>
-            </a:r>
-            <a:endParaRPr/>
-          </a:p>
-        </p:txBody>
-      </p:sp>
-      <p:sp>
-        <p:nvSpPr>
-          <p:cNvPr id="4" name="Text Placeholder 3"/>
-          <p:cNvSpPr>
-            <a:spLocks noGrp="1"/>
-          </p:cNvSpPr>
-          <p:nvPr>
-            <p:ph type="body" sz="half" idx="2"/>
-          </p:nvPr>
-        </p:nvSpPr>
-        <p:spPr>
-          <a:xfrm>
-            <a:off x="381094" y="3733800"/>
-            <a:ext cx="4015304" cy="2392363"/>
-          </a:xfrm>
-        </p:spPr>
-        <p:txBody>
-          <a:bodyPr/>
-          <a:lstStyle>
-            <a:lvl1pPr marL="0" indent="0">
-              <a:spcBef>
-                <a:spcPts val="600"/>
-              </a:spcBef>
-              <a:buNone/>
-              <a:defRPr sz="1400">
-                <a:solidFill>
-                  <a:schemeClr val="bg1"/>
-                </a:solidFill>
-              </a:defRPr>
-            </a:lvl1pPr>
-            <a:lvl2pPr marL="457200" indent="0">
-              <a:buNone/>
-              <a:defRPr sz="1200"/>
-            </a:lvl2pPr>
-            <a:lvl3pPr marL="914400" indent="0">
-              <a:buNone/>
-              <a:defRPr sz="1000"/>
-            </a:lvl3pPr>
-            <a:lvl4pPr marL="1371600" indent="0">
-              <a:buNone/>
-              <a:defRPr sz="900"/>
-            </a:lvl4pPr>
-            <a:lvl5pPr marL="1828800" indent="0">
-              <a:buNone/>
-              <a:defRPr sz="900"/>
-            </a:lvl5pPr>
-            <a:lvl6pPr marL="2286000" indent="0">
-              <a:buNone/>
-              <a:defRPr sz="900"/>
-            </a:lvl6pPr>
-            <a:lvl7pPr marL="2743200" indent="0">
-              <a:buNone/>
-              <a:defRPr sz="900"/>
-            </a:lvl7pPr>
-            <a:lvl8pPr marL="3200400" indent="0">
-              <a:buNone/>
-              <a:defRPr sz="900"/>
-            </a:lvl8pPr>
-            <a:lvl9pPr marL="3657600" indent="0">
-              <a:buNone/>
-              <a:defRPr sz="900"/>
-            </a:lvl9pPr>
-          </a:lstStyle>
-          <a:p>
-            <a:pPr lvl="0"/>
-            <a:r>
-              <a:rPr lang="en-AU" smtClean="0"/>
-              <a:t>Click to edit Master text styles</a:t>
-            </a:r>
-          </a:p>
-        </p:txBody>
-      </p:sp>
-      <p:sp>
-        <p:nvSpPr>
-          <p:cNvPr id="5" name="Date Placeholder 4"/>
-          <p:cNvSpPr>
-            <a:spLocks noGrp="1"/>
-          </p:cNvSpPr>
-          <p:nvPr>
-            <p:ph type="dt" sz="half" idx="10"/>
-          </p:nvPr>
-        </p:nvSpPr>
-        <p:spPr>
-          <a:xfrm>
-            <a:off x="3048000" y="6235607"/>
-            <a:ext cx="1348398" cy="365125"/>
-          </a:xfrm>
-        </p:spPr>
-        <p:txBody>
-          <a:bodyPr/>
-          <a:lstStyle>
-            <a:lvl1pPr>
-              <a:defRPr>
-                <a:solidFill>
-                  <a:schemeClr val="bg1"/>
-                </a:solidFill>
-              </a:defRPr>
-            </a:lvl1pPr>
-          </a:lstStyle>
-          <a:p>
-            <a:fld id="{44E55408-4E64-184E-A974-20262AF63A0C}" type="datetimeFigureOut">
-              <a:rPr lang="en-US" smtClean="0"/>
-              <a:t>20/07/15</a:t>
-            </a:fld>
-            <a:endParaRPr lang="en-US"/>
-          </a:p>
-        </p:txBody>
-      </p:sp>
-      <p:sp>
-        <p:nvSpPr>
-          <p:cNvPr id="6" name="Footer Placeholder 5"/>
-          <p:cNvSpPr>
-            <a:spLocks noGrp="1"/>
-          </p:cNvSpPr>
-          <p:nvPr>
-            <p:ph type="ftr" sz="quarter" idx="11"/>
-          </p:nvPr>
-        </p:nvSpPr>
-        <p:spPr>
-          <a:xfrm>
-            <a:off x="381095" y="6235607"/>
-            <a:ext cx="2590705" cy="365125"/>
-          </a:xfrm>
-        </p:spPr>
-        <p:txBody>
-          <a:bodyPr/>
-          <a:lstStyle>
-            <a:lvl1pPr>
-              <a:defRPr>
-                <a:solidFill>
-                  <a:schemeClr val="bg1"/>
-                </a:solidFill>
-              </a:defRPr>
-            </a:lvl1pPr>
-          </a:lstStyle>
-          <a:p>
-            <a:endParaRPr lang="en-US"/>
-          </a:p>
-        </p:txBody>
-      </p:sp>
-      <p:sp>
-        <p:nvSpPr>
-          <p:cNvPr id="7" name="Slide Number Placeholder 6"/>
-          <p:cNvSpPr>
-            <a:spLocks noGrp="1"/>
-          </p:cNvSpPr>
-          <p:nvPr>
-            <p:ph type="sldNum" sz="quarter" idx="12"/>
-          </p:nvPr>
-        </p:nvSpPr>
-        <p:spPr/>
-        <p:txBody>
-          <a:bodyPr/>
-          <a:lstStyle/>
-          <a:p>
-            <a:fld id="{AE08B4A2-C56F-4F4C-BC5D-010CB3749170}" type="slidenum">
-              <a:rPr lang="en-US" smtClean="0"/>
-              <a:t>‹#›</a:t>
-            </a:fld>
-            <a:endParaRPr lang="en-US"/>
-          </a:p>
-        </p:txBody>
-      </p:sp>
-      <p:sp>
-        <p:nvSpPr>
-          <p:cNvPr id="9" name="TextBox 8"/>
-          <p:cNvSpPr txBox="1"/>
-          <p:nvPr/>
-        </p:nvSpPr>
-        <p:spPr>
-          <a:xfrm>
-            <a:off x="424891" y="174812"/>
-            <a:ext cx="413309" cy="830997"/>
-          </a:xfrm>
-          <a:prstGeom prst="rect">
-            <a:avLst/>
-          </a:prstGeom>
-          <a:noFill/>
-        </p:spPr>
-        <p:txBody>
-          <a:bodyPr wrap="square" lIns="0" tIns="0" rIns="0" bIns="0" rtlCol="0">
-            <a:spAutoFit/>
-          </a:bodyPr>
-          <a:lstStyle/>
-          <a:p>
-            <a:r>
-              <a:rPr sz="5400" b="1">
-                <a:solidFill>
-                  <a:schemeClr val="accent1">
-                    <a:lumMod val="60000"/>
-                    <a:lumOff val="40000"/>
-                  </a:schemeClr>
-                </a:solidFill>
-              </a:rPr>
-              <a:t>+</a:t>
-            </a:r>
-          </a:p>
-        </p:txBody>
-      </p:sp>
-      <p:sp>
-        <p:nvSpPr>
-          <p:cNvPr id="10" name="Rectangle 9"/>
-          <p:cNvSpPr/>
-          <p:nvPr/>
-        </p:nvSpPr>
-        <p:spPr>
-          <a:xfrm>
-            <a:off x="6802438" y="228600"/>
-            <a:ext cx="2057400" cy="2039112"/>
-          </a:xfrm>
-          <a:prstGeom prst="rect">
-            <a:avLst/>
-          </a:prstGeom>
-          <a:solidFill>
-            <a:schemeClr val="accent3"/>
-          </a:solidFill>
-          <a:ln>
-            <a:noFill/>
-          </a:ln>
-        </p:spPr>
-        <p:style>
-          <a:lnRef idx="2">
-            <a:schemeClr val="accent1">
-              <a:shade val="50000"/>
-            </a:schemeClr>
-          </a:lnRef>
-          <a:fillRef idx="1">
-            <a:schemeClr val="accent1"/>
-          </a:fillRef>
-          <a:effectRef idx="0">
-            <a:schemeClr val="accent1"/>
-          </a:effectRef>
-          <a:fontRef idx="minor">
-            <a:schemeClr val="lt1"/>
-          </a:fontRef>
-        </p:style>
-        <p:txBody>
-          <a:bodyPr rtlCol="0" anchor="ctr"/>
-          <a:lstStyle/>
-          <a:p>
-            <a:pPr algn="ctr"/>
-            <a:endParaRPr/>
-          </a:p>
-        </p:txBody>
-      </p:sp>
-      <p:sp>
-        <p:nvSpPr>
-          <p:cNvPr id="11" name="Rectangle 10"/>
-          <p:cNvSpPr/>
-          <p:nvPr/>
-        </p:nvSpPr>
-        <p:spPr>
-          <a:xfrm>
-            <a:off x="4624388" y="4534726"/>
-            <a:ext cx="2057400" cy="2039112"/>
-          </a:xfrm>
-          <a:prstGeom prst="rect">
-            <a:avLst/>
-          </a:prstGeom>
-          <a:solidFill>
-            <a:schemeClr val="accent4"/>
-          </a:solidFill>
-          <a:ln>
-            <a:noFill/>
-          </a:ln>
-        </p:spPr>
-        <p:style>
-          <a:lnRef idx="2">
-            <a:schemeClr val="accent1">
-              <a:shade val="50000"/>
-            </a:schemeClr>
-          </a:lnRef>
-          <a:fillRef idx="1">
-            <a:schemeClr val="accent1"/>
-          </a:fillRef>
-          <a:effectRef idx="0">
-            <a:schemeClr val="accent1"/>
-          </a:effectRef>
-          <a:fontRef idx="minor">
-            <a:schemeClr val="lt1"/>
-          </a:fontRef>
-        </p:style>
-        <p:txBody>
-          <a:bodyPr rtlCol="0" anchor="ctr"/>
-          <a:lstStyle/>
-          <a:p>
-            <a:pPr algn="ctr"/>
-            <a:endParaRPr/>
-          </a:p>
-        </p:txBody>
-      </p:sp>
-      <p:sp>
-        <p:nvSpPr>
-          <p:cNvPr id="12" name="Picture Placeholder 12"/>
-          <p:cNvSpPr>
-            <a:spLocks noGrp="1"/>
-          </p:cNvSpPr>
-          <p:nvPr>
-            <p:ph type="pic" sz="quarter" idx="13"/>
-          </p:nvPr>
-        </p:nvSpPr>
-        <p:spPr>
-          <a:xfrm>
-            <a:off x="4624388" y="228600"/>
-            <a:ext cx="2057400" cy="2039112"/>
-          </a:xfrm>
-        </p:spPr>
-        <p:txBody>
-          <a:bodyPr/>
-          <a:lstStyle>
-            <a:lvl1pPr>
-              <a:buNone/>
-              <a:defRPr/>
-            </a:lvl1pPr>
-          </a:lstStyle>
-          <a:p>
-            <a:r>
-              <a:rPr lang="en-AU" smtClean="0"/>
-              <a:t>Drag picture to placeholder or click icon to add</a:t>
-            </a:r>
-            <a:endParaRPr/>
-          </a:p>
-        </p:txBody>
-      </p:sp>
-      <p:sp>
-        <p:nvSpPr>
-          <p:cNvPr id="13" name="Picture Placeholder 12"/>
-          <p:cNvSpPr>
-            <a:spLocks noGrp="1"/>
-          </p:cNvSpPr>
-          <p:nvPr>
-            <p:ph type="pic" sz="quarter" idx="14"/>
-          </p:nvPr>
-        </p:nvSpPr>
-        <p:spPr>
-          <a:xfrm>
-            <a:off x="4624388" y="2381663"/>
-            <a:ext cx="2057400" cy="2039112"/>
-          </a:xfrm>
-        </p:spPr>
-        <p:txBody>
-          <a:bodyPr/>
-          <a:lstStyle>
-            <a:lvl1pPr>
-              <a:buNone/>
-              <a:defRPr/>
-            </a:lvl1pPr>
-          </a:lstStyle>
-          <a:p>
-            <a:r>
-              <a:rPr lang="en-AU" smtClean="0"/>
-              <a:t>Drag picture to placeholder or click icon to add</a:t>
-            </a:r>
-            <a:endParaRPr/>
-          </a:p>
-        </p:txBody>
-      </p:sp>
-      <p:sp>
-        <p:nvSpPr>
-          <p:cNvPr id="14" name="Picture Placeholder 12"/>
-          <p:cNvSpPr>
-            <a:spLocks noGrp="1"/>
-          </p:cNvSpPr>
-          <p:nvPr>
-            <p:ph type="pic" sz="quarter" idx="15"/>
-          </p:nvPr>
-        </p:nvSpPr>
-        <p:spPr>
-          <a:xfrm>
-            <a:off x="6803136" y="2381662"/>
-            <a:ext cx="2057400" cy="4187952"/>
-          </a:xfrm>
-        </p:spPr>
-        <p:txBody>
-          <a:bodyPr/>
-          <a:lstStyle>
-            <a:lvl1pPr>
-              <a:buNone/>
-              <a:defRPr/>
-            </a:lvl1pPr>
-          </a:lstStyle>
-          <a:p>
-            <a:r>
-              <a:rPr lang="en-AU" smtClean="0"/>
-              <a:t>Drag picture to placeholder or click icon to add</a:t>
-            </a:r>
-            <a:endParaRPr/>
-          </a:p>
-        </p:txBody>
-      </p:sp>
-    </p:spTree>
-  </p:cSld>
-  <p:clrMapOvr>
-    <a:masterClrMapping/>
-  </p:clrMapOvr>
-</p:sldLayout>
-</file>
-
-<file path=ppt/slideLayouts/slideLayout18.xml><?xml version="1.0" encoding="utf-8"?>
-<p:sldLayout xmlns:a="http://schemas.openxmlformats.org/drawingml/2006/main" xmlns:r="http://schemas.openxmlformats.org/officeDocument/2006/relationships" xmlns:p="http://schemas.openxmlformats.org/presentationml/2006/main" preserve="1">
-  <p:cSld name="3 Pictures with Caption, Alt.">
-    <p:spTree>
-      <p:nvGrpSpPr>
-        <p:cNvPr id="1" name=""/>
-        <p:cNvGrpSpPr/>
-        <p:nvPr/>
-      </p:nvGrpSpPr>
-      <p:grpSpPr>
-        <a:xfrm>
-          <a:off x="0" y="0"/>
-          <a:ext cx="0" cy="0"/>
-          <a:chOff x="0" y="0"/>
-          <a:chExt cx="0" cy="0"/>
-        </a:xfrm>
-      </p:grpSpPr>
-      <p:sp>
-        <p:nvSpPr>
-          <p:cNvPr id="11" name="Rectangle 10"/>
-          <p:cNvSpPr/>
-          <p:nvPr/>
-        </p:nvSpPr>
-        <p:spPr>
-          <a:xfrm>
-            <a:off x="8166847" y="282573"/>
-            <a:ext cx="685800" cy="302217"/>
-          </a:xfrm>
-          <a:prstGeom prst="rect">
-            <a:avLst/>
-          </a:prstGeom>
-          <a:solidFill>
-            <a:schemeClr val="accent1"/>
-          </a:solidFill>
-          <a:ln>
-            <a:noFill/>
-          </a:ln>
-        </p:spPr>
-        <p:style>
-          <a:lnRef idx="2">
-            <a:schemeClr val="accent1">
-              <a:shade val="50000"/>
-            </a:schemeClr>
-          </a:lnRef>
-          <a:fillRef idx="1">
-            <a:schemeClr val="accent1"/>
-          </a:fillRef>
-          <a:effectRef idx="0">
-            <a:schemeClr val="accent1"/>
-          </a:effectRef>
-          <a:fontRef idx="minor">
-            <a:schemeClr val="lt1"/>
-          </a:fontRef>
-        </p:style>
-        <p:txBody>
-          <a:bodyPr rtlCol="0" anchor="ctr"/>
-          <a:lstStyle/>
-          <a:p>
-            <a:pPr algn="ctr"/>
-            <a:endParaRPr/>
-          </a:p>
-        </p:txBody>
-      </p:sp>
-      <p:sp>
-        <p:nvSpPr>
-          <p:cNvPr id="2" name="Title 1"/>
-          <p:cNvSpPr>
-            <a:spLocks noGrp="1"/>
-          </p:cNvSpPr>
-          <p:nvPr>
-            <p:ph type="title"/>
-          </p:nvPr>
-        </p:nvSpPr>
-        <p:spPr>
-          <a:xfrm>
-            <a:off x="4953000" y="3124200"/>
-            <a:ext cx="3108960" cy="871538"/>
-          </a:xfrm>
-        </p:spPr>
-        <p:txBody>
-          <a:bodyPr anchor="b">
-            <a:normAutofit/>
-          </a:bodyPr>
-          <a:lstStyle>
-            <a:lvl1pPr algn="l">
-              <a:defRPr sz="2600" b="0"/>
-            </a:lvl1pPr>
-          </a:lstStyle>
-          <a:p>
-            <a:r>
-              <a:rPr lang="en-AU" smtClean="0"/>
-              <a:t>Click to edit Master title style</a:t>
-            </a:r>
-            <a:endParaRPr/>
-          </a:p>
-        </p:txBody>
-      </p:sp>
-      <p:sp>
-        <p:nvSpPr>
-          <p:cNvPr id="3" name="Picture Placeholder 2"/>
-          <p:cNvSpPr>
-            <a:spLocks noGrp="1"/>
-          </p:cNvSpPr>
-          <p:nvPr>
-            <p:ph type="pic" idx="1"/>
-          </p:nvPr>
-        </p:nvSpPr>
-        <p:spPr>
-          <a:xfrm>
-            <a:off x="277905" y="2365248"/>
-            <a:ext cx="4240119" cy="4187952"/>
-          </a:xfrm>
-        </p:spPr>
-        <p:txBody>
-          <a:bodyPr/>
-          <a:lstStyle>
-            <a:lvl1pPr marL="0" indent="0">
-              <a:buNone/>
-              <a:defRPr sz="3200"/>
-            </a:lvl1pPr>
-            <a:lvl2pPr marL="457200" indent="0">
-              <a:buNone/>
-              <a:defRPr sz="2800"/>
-            </a:lvl2pPr>
-            <a:lvl3pPr marL="914400" indent="0">
-              <a:buNone/>
-              <a:defRPr sz="2400"/>
-            </a:lvl3pPr>
-            <a:lvl4pPr marL="1371600" indent="0">
-              <a:buNone/>
-              <a:defRPr sz="2000"/>
-            </a:lvl4pPr>
-            <a:lvl5pPr marL="1828800" indent="0">
-              <a:buNone/>
-              <a:defRPr sz="2000"/>
-            </a:lvl5pPr>
-            <a:lvl6pPr marL="2286000" indent="0">
-              <a:buNone/>
-              <a:defRPr sz="2000"/>
-            </a:lvl6pPr>
-            <a:lvl7pPr marL="2743200" indent="0">
-              <a:buNone/>
-              <a:defRPr sz="2000"/>
-            </a:lvl7pPr>
-            <a:lvl8pPr marL="3200400" indent="0">
-              <a:buNone/>
-              <a:defRPr sz="2000"/>
-            </a:lvl8pPr>
-            <a:lvl9pPr marL="3657600" indent="0">
-              <a:buNone/>
-              <a:defRPr sz="2000"/>
-            </a:lvl9pPr>
-          </a:lstStyle>
-          <a:p>
-            <a:r>
-              <a:rPr lang="en-AU" smtClean="0"/>
-              <a:t>Drag picture to placeholder or click icon to add</a:t>
-            </a:r>
-            <a:endParaRPr/>
-          </a:p>
-        </p:txBody>
-      </p:sp>
-      <p:sp>
-        <p:nvSpPr>
-          <p:cNvPr id="4" name="Text Placeholder 3"/>
-          <p:cNvSpPr>
-            <a:spLocks noGrp="1"/>
-          </p:cNvSpPr>
-          <p:nvPr>
-            <p:ph type="body" sz="half" idx="2"/>
-          </p:nvPr>
-        </p:nvSpPr>
-        <p:spPr>
-          <a:xfrm>
-            <a:off x="4953000" y="3995737"/>
-            <a:ext cx="3108960" cy="2147888"/>
-          </a:xfrm>
-        </p:spPr>
-        <p:txBody>
-          <a:bodyPr/>
-          <a:lstStyle>
-            <a:lvl1pPr marL="0" indent="0">
-              <a:spcBef>
-                <a:spcPts val="600"/>
-              </a:spcBef>
-              <a:buNone/>
-              <a:defRPr sz="1400"/>
-            </a:lvl1pPr>
-            <a:lvl2pPr marL="457200" indent="0">
-              <a:buNone/>
-              <a:defRPr sz="1200"/>
-            </a:lvl2pPr>
-            <a:lvl3pPr marL="914400" indent="0">
-              <a:buNone/>
-              <a:defRPr sz="1000"/>
-            </a:lvl3pPr>
-            <a:lvl4pPr marL="1371600" indent="0">
-              <a:buNone/>
-              <a:defRPr sz="900"/>
-            </a:lvl4pPr>
-            <a:lvl5pPr marL="1828800" indent="0">
-              <a:buNone/>
-              <a:defRPr sz="900"/>
-            </a:lvl5pPr>
-            <a:lvl6pPr marL="2286000" indent="0">
-              <a:buNone/>
-              <a:defRPr sz="900"/>
-            </a:lvl6pPr>
-            <a:lvl7pPr marL="2743200" indent="0">
-              <a:buNone/>
-              <a:defRPr sz="900"/>
-            </a:lvl7pPr>
-            <a:lvl8pPr marL="3200400" indent="0">
-              <a:buNone/>
-              <a:defRPr sz="900"/>
-            </a:lvl8pPr>
-            <a:lvl9pPr marL="3657600" indent="0">
-              <a:buNone/>
-              <a:defRPr sz="900"/>
-            </a:lvl9pPr>
-          </a:lstStyle>
-          <a:p>
-            <a:pPr lvl="0"/>
-            <a:r>
-              <a:rPr lang="en-AU" smtClean="0"/>
-              <a:t>Click to edit Master text styles</a:t>
-            </a:r>
-          </a:p>
-        </p:txBody>
-      </p:sp>
-      <p:sp>
-        <p:nvSpPr>
-          <p:cNvPr id="5" name="Date Placeholder 4"/>
-          <p:cNvSpPr>
-            <a:spLocks noGrp="1"/>
-          </p:cNvSpPr>
-          <p:nvPr>
-            <p:ph type="dt" sz="half" idx="10"/>
-          </p:nvPr>
-        </p:nvSpPr>
-        <p:spPr>
-          <a:xfrm>
-            <a:off x="7391399" y="6423585"/>
-            <a:ext cx="1537447" cy="365125"/>
-          </a:xfrm>
-        </p:spPr>
-        <p:txBody>
-          <a:bodyPr/>
-          <a:lstStyle/>
-          <a:p>
-            <a:fld id="{44E55408-4E64-184E-A974-20262AF63A0C}" type="datetimeFigureOut">
-              <a:rPr lang="en-US" smtClean="0"/>
-              <a:t>20/07/15</a:t>
-            </a:fld>
-            <a:endParaRPr lang="en-US"/>
-          </a:p>
-        </p:txBody>
-      </p:sp>
-      <p:sp>
-        <p:nvSpPr>
-          <p:cNvPr id="6" name="Footer Placeholder 5"/>
-          <p:cNvSpPr>
-            <a:spLocks noGrp="1"/>
-          </p:cNvSpPr>
-          <p:nvPr>
-            <p:ph type="ftr" sz="quarter" idx="11"/>
-          </p:nvPr>
-        </p:nvSpPr>
-        <p:spPr>
-          <a:xfrm>
-            <a:off x="4191000" y="6423585"/>
-            <a:ext cx="3005138" cy="365125"/>
-          </a:xfrm>
-        </p:spPr>
-        <p:txBody>
-          <a:bodyPr/>
-          <a:lstStyle/>
-          <a:p>
-            <a:endParaRPr lang="en-US"/>
-          </a:p>
-        </p:txBody>
-      </p:sp>
-      <p:sp>
-        <p:nvSpPr>
-          <p:cNvPr id="7" name="Slide Number Placeholder 6"/>
-          <p:cNvSpPr>
-            <a:spLocks noGrp="1"/>
-          </p:cNvSpPr>
-          <p:nvPr>
-            <p:ph type="sldNum" sz="quarter" idx="12"/>
-          </p:nvPr>
-        </p:nvSpPr>
-        <p:spPr/>
-        <p:txBody>
-          <a:bodyPr/>
-          <a:lstStyle/>
-          <a:p>
-            <a:fld id="{AE08B4A2-C56F-4F4C-BC5D-010CB3749170}" type="slidenum">
-              <a:rPr lang="en-US" smtClean="0"/>
-              <a:t>‹#›</a:t>
-            </a:fld>
-            <a:endParaRPr lang="en-US"/>
-          </a:p>
-        </p:txBody>
-      </p:sp>
-      <p:sp>
-        <p:nvSpPr>
-          <p:cNvPr id="10" name="TextBox 9"/>
-          <p:cNvSpPr txBox="1"/>
-          <p:nvPr/>
-        </p:nvSpPr>
-        <p:spPr>
-          <a:xfrm>
-            <a:off x="4750361" y="3370730"/>
-            <a:ext cx="220568" cy="369332"/>
-          </a:xfrm>
-          <a:prstGeom prst="rect">
-            <a:avLst/>
-          </a:prstGeom>
-          <a:noFill/>
-        </p:spPr>
-        <p:txBody>
-          <a:bodyPr wrap="square" lIns="0" tIns="0" rIns="0" bIns="0" rtlCol="0">
-            <a:spAutoFit/>
-          </a:bodyPr>
-          <a:lstStyle/>
-          <a:p>
-            <a:r>
-              <a:rPr sz="2400" b="1" baseline="0">
-                <a:solidFill>
-                  <a:schemeClr val="accent1">
-                    <a:lumMod val="60000"/>
-                    <a:lumOff val="40000"/>
-                  </a:schemeClr>
-                </a:solidFill>
-              </a:rPr>
-              <a:t>+ </a:t>
-            </a:r>
-          </a:p>
-        </p:txBody>
-      </p:sp>
-      <p:sp>
-        <p:nvSpPr>
-          <p:cNvPr id="14" name="Picture Placeholder 12"/>
-          <p:cNvSpPr>
-            <a:spLocks noGrp="1"/>
-          </p:cNvSpPr>
-          <p:nvPr>
-            <p:ph type="pic" sz="quarter" idx="13"/>
-          </p:nvPr>
-        </p:nvSpPr>
-        <p:spPr>
-          <a:xfrm>
-            <a:off x="277905" y="228600"/>
-            <a:ext cx="2057400" cy="2039112"/>
-          </a:xfrm>
-        </p:spPr>
-        <p:txBody>
-          <a:bodyPr/>
-          <a:lstStyle>
-            <a:lvl1pPr>
-              <a:buNone/>
-              <a:defRPr/>
-            </a:lvl1pPr>
-          </a:lstStyle>
-          <a:p>
-            <a:r>
-              <a:rPr lang="en-AU" smtClean="0"/>
-              <a:t>Drag picture to placeholder or click icon to add</a:t>
-            </a:r>
-            <a:endParaRPr/>
-          </a:p>
-        </p:txBody>
-      </p:sp>
-      <p:sp>
-        <p:nvSpPr>
-          <p:cNvPr id="15" name="Picture Placeholder 12"/>
-          <p:cNvSpPr>
-            <a:spLocks noGrp="1"/>
-          </p:cNvSpPr>
-          <p:nvPr>
-            <p:ph type="pic" sz="quarter" idx="14"/>
-          </p:nvPr>
-        </p:nvSpPr>
-        <p:spPr>
-          <a:xfrm>
-            <a:off x="2460625" y="228600"/>
-            <a:ext cx="2057400" cy="2039112"/>
-          </a:xfrm>
-        </p:spPr>
-        <p:txBody>
-          <a:bodyPr/>
-          <a:lstStyle>
-            <a:lvl1pPr>
-              <a:buNone/>
-              <a:defRPr/>
-            </a:lvl1pPr>
-          </a:lstStyle>
-          <a:p>
-            <a:r>
-              <a:rPr lang="en-AU" smtClean="0"/>
-              <a:t>Drag picture to placeholder or click icon to add</a:t>
-            </a:r>
-            <a:endParaRPr/>
-          </a:p>
-        </p:txBody>
-      </p:sp>
-    </p:spTree>
-  </p:cSld>
-  <p:clrMapOvr>
-    <a:masterClrMapping/>
-  </p:clrMapOvr>
-</p:sldLayout>
-</file>
-
-<file path=ppt/slideLayouts/slideLayout19.xml><?xml version="1.0" encoding="utf-8"?>
-<p:sldLayout xmlns:a="http://schemas.openxmlformats.org/drawingml/2006/main" xmlns:r="http://schemas.openxmlformats.org/officeDocument/2006/relationships" xmlns:p="http://schemas.openxmlformats.org/presentationml/2006/main" preserve="1">
-  <p:cSld name="Title and Vertical Text">
-    <p:spTree>
-      <p:nvGrpSpPr>
-        <p:cNvPr id="1" name=""/>
-        <p:cNvGrpSpPr/>
-        <p:nvPr/>
-      </p:nvGrpSpPr>
-      <p:grpSpPr>
-        <a:xfrm>
-          <a:off x="0" y="0"/>
-          <a:ext cx="0" cy="0"/>
-          <a:chOff x="0" y="0"/>
-          <a:chExt cx="0" cy="0"/>
-        </a:xfrm>
-      </p:grpSpPr>
-      <p:sp>
-        <p:nvSpPr>
-          <p:cNvPr id="7" name="Rectangle 6"/>
-          <p:cNvSpPr/>
-          <p:nvPr/>
-        </p:nvSpPr>
-        <p:spPr>
-          <a:xfrm>
-            <a:off x="8166847" y="282574"/>
-            <a:ext cx="685800" cy="1600200"/>
-          </a:xfrm>
-          <a:prstGeom prst="rect">
-            <a:avLst/>
-          </a:prstGeom>
-          <a:solidFill>
-            <a:schemeClr val="accent1"/>
-          </a:solidFill>
-          <a:ln>
-            <a:noFill/>
-          </a:ln>
-        </p:spPr>
-        <p:style>
-          <a:lnRef idx="2">
-            <a:schemeClr val="accent1">
-              <a:shade val="50000"/>
-            </a:schemeClr>
-          </a:lnRef>
-          <a:fillRef idx="1">
-            <a:schemeClr val="accent1"/>
-          </a:fillRef>
-          <a:effectRef idx="0">
-            <a:schemeClr val="accent1"/>
-          </a:effectRef>
-          <a:fontRef idx="minor">
-            <a:schemeClr val="lt1"/>
-          </a:fontRef>
-        </p:style>
-        <p:txBody>
-          <a:bodyPr rtlCol="0" anchor="ctr"/>
-          <a:lstStyle/>
-          <a:p>
-            <a:pPr algn="ctr"/>
-            <a:endParaRPr/>
-          </a:p>
-        </p:txBody>
-      </p:sp>
-      <p:sp>
-        <p:nvSpPr>
-          <p:cNvPr id="9" name="TextBox 8"/>
-          <p:cNvSpPr txBox="1"/>
-          <p:nvPr/>
-        </p:nvSpPr>
-        <p:spPr>
-          <a:xfrm>
-            <a:off x="223185" y="228600"/>
-            <a:ext cx="260909" cy="553998"/>
-          </a:xfrm>
-          <a:prstGeom prst="rect">
-            <a:avLst/>
-          </a:prstGeom>
-          <a:noFill/>
-        </p:spPr>
-        <p:txBody>
-          <a:bodyPr wrap="square" lIns="0" tIns="0" rIns="0" bIns="0" rtlCol="0">
-            <a:spAutoFit/>
-          </a:bodyPr>
-          <a:lstStyle/>
-          <a:p>
-            <a:r>
-              <a:rPr sz="3600" b="1">
-                <a:solidFill>
-                  <a:schemeClr val="accent1">
-                    <a:lumMod val="60000"/>
-                    <a:lumOff val="40000"/>
-                  </a:schemeClr>
-                </a:solidFill>
-              </a:rPr>
-              <a:t>+</a:t>
-            </a:r>
-          </a:p>
-        </p:txBody>
-      </p:sp>
-      <p:sp>
-        <p:nvSpPr>
-          <p:cNvPr id="2" name="Title 1"/>
-          <p:cNvSpPr>
-            <a:spLocks noGrp="1"/>
-          </p:cNvSpPr>
-          <p:nvPr>
-            <p:ph type="title"/>
-          </p:nvPr>
-        </p:nvSpPr>
-        <p:spPr/>
-        <p:txBody>
-          <a:bodyPr/>
-          <a:lstStyle/>
-          <a:p>
-            <a:r>
-              <a:rPr lang="en-AU" smtClean="0"/>
-              <a:t>Click to edit Master title style</a:t>
-            </a:r>
-            <a:endParaRPr/>
-          </a:p>
-        </p:txBody>
-      </p:sp>
-      <p:sp>
-        <p:nvSpPr>
-          <p:cNvPr id="3" name="Vertical Text Placeholder 2"/>
-          <p:cNvSpPr>
-            <a:spLocks noGrp="1"/>
-          </p:cNvSpPr>
-          <p:nvPr>
-            <p:ph type="body" orient="vert" idx="1"/>
-          </p:nvPr>
-        </p:nvSpPr>
-        <p:spPr/>
-        <p:txBody>
-          <a:bodyPr vert="eaVert"/>
-          <a:lstStyle>
-            <a:lvl5pPr>
-              <a:defRPr/>
-            </a:lvl5pPr>
-          </a:lstStyle>
-          <a:p>
-            <a:pPr lvl="0"/>
-            <a:r>
-              <a:rPr lang="en-AU" smtClean="0"/>
-              <a:t>Click to edit Master text styles</a:t>
-            </a:r>
-          </a:p>
-          <a:p>
-            <a:pPr lvl="1"/>
-            <a:r>
-              <a:rPr lang="en-AU" smtClean="0"/>
-              <a:t>Second level</a:t>
-            </a:r>
-          </a:p>
-          <a:p>
-            <a:pPr lvl="2"/>
-            <a:r>
-              <a:rPr lang="en-AU" smtClean="0"/>
-              <a:t>Third level</a:t>
-            </a:r>
-          </a:p>
-          <a:p>
-            <a:pPr lvl="3"/>
-            <a:r>
-              <a:rPr lang="en-AU" smtClean="0"/>
-              <a:t>Fourth level</a:t>
-            </a:r>
-          </a:p>
-          <a:p>
-            <a:pPr lvl="4"/>
-            <a:r>
-              <a:rPr lang="en-AU" smtClean="0"/>
-              <a:t>Fifth level</a:t>
-            </a:r>
-            <a:endParaRPr dirty="0"/>
-          </a:p>
-        </p:txBody>
-      </p:sp>
-      <p:sp>
-        <p:nvSpPr>
-          <p:cNvPr id="4" name="Date Placeholder 3"/>
-          <p:cNvSpPr>
-            <a:spLocks noGrp="1"/>
-          </p:cNvSpPr>
-          <p:nvPr>
-            <p:ph type="dt" sz="half" idx="10"/>
-          </p:nvPr>
-        </p:nvSpPr>
-        <p:spPr/>
-        <p:txBody>
-          <a:bodyPr/>
-          <a:lstStyle/>
-          <a:p>
-            <a:fld id="{44E55408-4E64-184E-A974-20262AF63A0C}" type="datetimeFigureOut">
-              <a:rPr lang="en-US" smtClean="0"/>
-              <a:t>20/07/15</a:t>
-            </a:fld>
-            <a:endParaRPr lang="en-US"/>
-          </a:p>
-        </p:txBody>
-      </p:sp>
-      <p:sp>
-        <p:nvSpPr>
-          <p:cNvPr id="5" name="Footer Placeholder 4"/>
-          <p:cNvSpPr>
-            <a:spLocks noGrp="1"/>
-          </p:cNvSpPr>
-          <p:nvPr>
-            <p:ph type="ftr" sz="quarter" idx="11"/>
-          </p:nvPr>
-        </p:nvSpPr>
-        <p:spPr/>
-        <p:txBody>
-          <a:bodyPr/>
-          <a:lstStyle/>
-          <a:p>
-            <a:endParaRPr lang="en-US"/>
-          </a:p>
-        </p:txBody>
-      </p:sp>
-      <p:sp>
-        <p:nvSpPr>
-          <p:cNvPr id="6" name="Slide Number Placeholder 5"/>
-          <p:cNvSpPr>
-            <a:spLocks noGrp="1"/>
-          </p:cNvSpPr>
-          <p:nvPr>
-            <p:ph type="sldNum" sz="quarter" idx="12"/>
-          </p:nvPr>
-        </p:nvSpPr>
-        <p:spPr/>
-        <p:txBody>
-          <a:bodyPr/>
-          <a:lstStyle/>
-          <a:p>
-            <a:fld id="{AE08B4A2-C56F-4F4C-BC5D-010CB3749170}" type="slidenum">
-              <a:rPr lang="en-US" smtClean="0"/>
-              <a:t>‹#›</a:t>
-            </a:fld>
-            <a:endParaRPr lang="en-US"/>
-          </a:p>
-        </p:txBody>
-      </p:sp>
-    </p:spTree>
+    <p:extLst>
+      <p:ext uri="{BB962C8B-B14F-4D97-AF65-F5344CB8AC3E}">
+        <p14:creationId xmlns:p14="http://schemas.microsoft.com/office/powerpoint/2010/main" val="3290604663"/>
+      </p:ext>
+    </p:extLst>
   </p:cSld>
   <p:clrMapOvr>
     <a:masterClrMapping/>
@@ -6000,90 +2336,56 @@
       </p:grpSpPr>
       <p:sp>
         <p:nvSpPr>
-          <p:cNvPr id="7" name="Rectangle 6"/>
-          <p:cNvSpPr/>
-          <p:nvPr/>
+          <p:cNvPr id="2" name="Title 1"/>
+          <p:cNvSpPr>
+            <a:spLocks noGrp="1"/>
+          </p:cNvSpPr>
+          <p:nvPr>
+            <p:ph type="title"/>
+          </p:nvPr>
+        </p:nvSpPr>
+        <p:spPr/>
+        <p:txBody>
+          <a:bodyPr/>
+          <a:lstStyle/>
+          <a:p>
+            <a:r>
+              <a:rPr lang="en-AU" smtClean="0"/>
+              <a:t>Click to edit Master title style</a:t>
+            </a:r>
+            <a:endParaRPr lang="en-US" dirty="0"/>
+          </a:p>
+        </p:txBody>
+      </p:sp>
+      <p:sp>
+        <p:nvSpPr>
+          <p:cNvPr id="3" name="Content Placeholder 2"/>
+          <p:cNvSpPr>
+            <a:spLocks noGrp="1"/>
+          </p:cNvSpPr>
+          <p:nvPr>
+            <p:ph idx="1"/>
+          </p:nvPr>
         </p:nvSpPr>
         <p:spPr>
           <a:xfrm>
-            <a:off x="8210550" y="282574"/>
-            <a:ext cx="642097" cy="1600200"/>
+            <a:off x="457200" y="1218239"/>
+            <a:ext cx="8229600" cy="3376383"/>
           </a:xfrm>
-          <a:prstGeom prst="rect">
-            <a:avLst/>
-          </a:prstGeom>
-          <a:solidFill>
-            <a:schemeClr val="accent1"/>
-          </a:solidFill>
-          <a:ln>
-            <a:noFill/>
-          </a:ln>
         </p:spPr>
-        <p:style>
-          <a:lnRef idx="2">
-            <a:schemeClr val="accent1">
-              <a:shade val="50000"/>
-            </a:schemeClr>
-          </a:lnRef>
-          <a:fillRef idx="1">
-            <a:schemeClr val="accent1"/>
-          </a:fillRef>
-          <a:effectRef idx="0">
-            <a:schemeClr val="accent1"/>
-          </a:effectRef>
-          <a:fontRef idx="minor">
-            <a:schemeClr val="lt1"/>
-          </a:fontRef>
-        </p:style>
-        <p:txBody>
-          <a:bodyPr rtlCol="0" anchor="ctr"/>
-          <a:lstStyle/>
-          <a:p>
-            <a:pPr algn="ctr"/>
-            <a:endParaRPr/>
-          </a:p>
-        </p:txBody>
-      </p:sp>
-      <p:sp>
-        <p:nvSpPr>
-          <p:cNvPr id="2" name="Title 1"/>
-          <p:cNvSpPr>
-            <a:spLocks noGrp="1"/>
-          </p:cNvSpPr>
-          <p:nvPr>
-            <p:ph type="title"/>
-          </p:nvPr>
-        </p:nvSpPr>
-        <p:spPr/>
-        <p:txBody>
-          <a:bodyPr/>
-          <a:lstStyle/>
-          <a:p>
-            <a:r>
-              <a:rPr lang="en-AU" smtClean="0"/>
-              <a:t>Click to edit Master title style</a:t>
-            </a:r>
-            <a:endParaRPr/>
-          </a:p>
-        </p:txBody>
-      </p:sp>
-      <p:sp>
-        <p:nvSpPr>
-          <p:cNvPr id="3" name="Content Placeholder 2"/>
-          <p:cNvSpPr>
-            <a:spLocks noGrp="1"/>
-          </p:cNvSpPr>
-          <p:nvPr>
-            <p:ph idx="1"/>
-          </p:nvPr>
-        </p:nvSpPr>
-        <p:spPr/>
         <p:txBody>
           <a:bodyPr/>
           <a:lstStyle>
-            <a:lvl5pPr>
+            <a:lvl1pPr marL="342900" indent="-342900">
+              <a:buFont typeface="Arial"/>
+              <a:buChar char="•"/>
+              <a:defRPr b="0" i="0"/>
+            </a:lvl1pPr>
+            <a:lvl2pPr marL="742950" indent="-285750">
+              <a:buFont typeface="Arial"/>
+              <a:buChar char="•"/>
               <a:defRPr/>
-            </a:lvl5pPr>
+            </a:lvl2pPr>
           </a:lstStyle>
           <a:p>
             <a:pPr lvl="0"/>
@@ -6119,49 +2421,7 @@
               <a:rPr lang="en-AU" smtClean="0"/>
               <a:t>Fifth level</a:t>
             </a:r>
-            <a:endParaRPr dirty="0"/>
-          </a:p>
-        </p:txBody>
-      </p:sp>
-      <p:sp>
-        <p:nvSpPr>
-          <p:cNvPr id="4" name="Date Placeholder 3"/>
-          <p:cNvSpPr>
-            <a:spLocks noGrp="1"/>
-          </p:cNvSpPr>
-          <p:nvPr>
-            <p:ph type="dt" sz="half" idx="10"/>
-          </p:nvPr>
-        </p:nvSpPr>
-        <p:spPr/>
-        <p:txBody>
-          <a:bodyPr/>
-          <a:lstStyle/>
-          <a:p>
-            <a:fld id="{44E55408-4E64-184E-A974-20262AF63A0C}" type="datetimeFigureOut">
-              <a:rPr lang="en-US" smtClean="0"/>
-              <a:t>20/07/15</a:t>
-            </a:fld>
-            <a:endParaRPr lang="en-US"/>
-          </a:p>
-        </p:txBody>
-      </p:sp>
-      <p:sp>
-        <p:nvSpPr>
-          <p:cNvPr id="5" name="Footer Placeholder 4"/>
-          <p:cNvSpPr>
-            <a:spLocks noGrp="1"/>
-          </p:cNvSpPr>
-          <p:nvPr>
-            <p:ph type="ftr" sz="quarter" idx="11"/>
-          </p:nvPr>
-        </p:nvSpPr>
-        <p:spPr/>
-        <p:txBody>
-          <a:bodyPr/>
-          <a:lstStyle/>
-          <a:p>
-            <a:endParaRPr lang="en-US"/>
+            <a:endParaRPr lang="en-US" dirty="0"/>
           </a:p>
         </p:txBody>
       </p:sp>
@@ -6188,89 +2448,12 @@
           </a:p>
         </p:txBody>
       </p:sp>
-      <p:sp>
-        <p:nvSpPr>
-          <p:cNvPr id="9" name="TextBox 8"/>
-          <p:cNvSpPr txBox="1"/>
-          <p:nvPr/>
-        </p:nvSpPr>
-        <p:spPr>
-          <a:xfrm>
-            <a:off x="223185" y="228600"/>
-            <a:ext cx="260909" cy="553998"/>
-          </a:xfrm>
-          <a:prstGeom prst="rect">
-            <a:avLst/>
-          </a:prstGeom>
-          <a:noFill/>
-        </p:spPr>
-        <p:txBody>
-          <a:bodyPr wrap="square" lIns="0" tIns="0" rIns="0" bIns="0" rtlCol="0">
-            <a:spAutoFit/>
-          </a:bodyPr>
-          <a:lstStyle/>
-          <a:p>
-            <a:r>
-              <a:rPr sz="3600" b="1">
-                <a:solidFill>
-                  <a:schemeClr val="accent1">
-                    <a:lumMod val="60000"/>
-                    <a:lumOff val="40000"/>
-                  </a:schemeClr>
-                </a:solidFill>
-              </a:rPr>
-              <a:t>+</a:t>
-            </a:r>
-          </a:p>
-        </p:txBody>
-      </p:sp>
-      <p:sp>
-        <p:nvSpPr>
-          <p:cNvPr id="10" name="Rectangle 9"/>
-          <p:cNvSpPr/>
-          <p:nvPr/>
-        </p:nvSpPr>
-        <p:spPr>
-          <a:xfrm>
-            <a:off x="8068235" y="282574"/>
-            <a:ext cx="91440" cy="1600200"/>
-          </a:xfrm>
-          <a:prstGeom prst="rect">
-            <a:avLst/>
-          </a:prstGeom>
-          <a:solidFill>
-            <a:schemeClr val="accent3"/>
-          </a:solidFill>
-          <a:ln>
-            <a:noFill/>
-          </a:ln>
-        </p:spPr>
-        <p:style>
-          <a:lnRef idx="2">
-            <a:schemeClr val="accent1">
-              <a:shade val="50000"/>
-            </a:schemeClr>
-          </a:lnRef>
-          <a:fillRef idx="1">
-            <a:schemeClr val="accent1"/>
-          </a:fillRef>
-          <a:effectRef idx="0">
-            <a:schemeClr val="accent1"/>
-          </a:effectRef>
-          <a:fontRef idx="minor">
-            <a:schemeClr val="lt1"/>
-          </a:fontRef>
-        </p:style>
-        <p:txBody>
-          <a:bodyPr rtlCol="0" anchor="ctr"/>
-          <a:lstStyle/>
-          <a:p>
-            <a:pPr algn="ctr"/>
-            <a:endParaRPr/>
-          </a:p>
-        </p:txBody>
-      </p:sp>
     </p:spTree>
+    <p:extLst>
+      <p:ext uri="{BB962C8B-B14F-4D97-AF65-F5344CB8AC3E}">
+        <p14:creationId xmlns:p14="http://schemas.microsoft.com/office/powerpoint/2010/main" val="2921816380"/>
+      </p:ext>
+    </p:extLst>
   </p:cSld>
   <p:clrMapOvr>
     <a:masterClrMapping/>
@@ -6278,9 +2461,9 @@
 </p:sldLayout>
 </file>
 
-<file path=ppt/slideLayouts/slideLayout20.xml><?xml version="1.0" encoding="utf-8"?>
+<file path=ppt/slideLayouts/slideLayout3.xml><?xml version="1.0" encoding="utf-8"?>
 <p:sldLayout xmlns:a="http://schemas.openxmlformats.org/drawingml/2006/main" xmlns:r="http://schemas.openxmlformats.org/officeDocument/2006/relationships" xmlns:p="http://schemas.openxmlformats.org/presentationml/2006/main" preserve="1">
-  <p:cSld name="Vertical Title and Text">
+  <p:cSld name="Title subtitle and Content">
     <p:spTree>
       <p:nvGrpSpPr>
         <p:cNvPr id="1" name=""/>
@@ -6297,99 +2480,58 @@
       </p:grpSpPr>
       <p:sp>
         <p:nvSpPr>
-          <p:cNvPr id="10" name="Rectangle 9"/>
-          <p:cNvSpPr/>
-          <p:nvPr/>
+          <p:cNvPr id="2" name="Title 1"/>
+          <p:cNvSpPr>
+            <a:spLocks noGrp="1"/>
+          </p:cNvSpPr>
+          <p:nvPr>
+            <p:ph type="title"/>
+          </p:nvPr>
+        </p:nvSpPr>
+        <p:spPr/>
+        <p:txBody>
+          <a:bodyPr/>
+          <a:lstStyle/>
+          <a:p>
+            <a:r>
+              <a:rPr lang="en-AU" smtClean="0"/>
+              <a:t>Click to edit Master title style</a:t>
+            </a:r>
+            <a:endParaRPr lang="en-US" dirty="0"/>
+          </a:p>
+        </p:txBody>
+      </p:sp>
+      <p:sp>
+        <p:nvSpPr>
+          <p:cNvPr id="3" name="Content Placeholder 2"/>
+          <p:cNvSpPr>
+            <a:spLocks noGrp="1"/>
+          </p:cNvSpPr>
+          <p:nvPr>
+            <p:ph idx="1"/>
+          </p:nvPr>
         </p:nvSpPr>
         <p:spPr>
           <a:xfrm>
-            <a:off x="8166847" y="282573"/>
-            <a:ext cx="685800" cy="302217"/>
-          </a:xfrm>
-          <a:prstGeom prst="rect">
-            <a:avLst/>
-          </a:prstGeom>
-          <a:solidFill>
-            <a:schemeClr val="accent1"/>
-          </a:solidFill>
-          <a:ln>
-            <a:noFill/>
-          </a:ln>
-        </p:spPr>
-        <p:style>
-          <a:lnRef idx="2">
-            <a:schemeClr val="accent1">
-              <a:shade val="50000"/>
-            </a:schemeClr>
-          </a:lnRef>
-          <a:fillRef idx="1">
-            <a:schemeClr val="accent1"/>
-          </a:fillRef>
-          <a:effectRef idx="0">
-            <a:schemeClr val="accent1"/>
-          </a:effectRef>
-          <a:fontRef idx="minor">
-            <a:schemeClr val="lt1"/>
-          </a:fontRef>
-        </p:style>
-        <p:txBody>
-          <a:bodyPr rtlCol="0" anchor="ctr"/>
-          <a:lstStyle/>
-          <a:p>
-            <a:pPr algn="ctr"/>
-            <a:endParaRPr/>
-          </a:p>
-        </p:txBody>
-      </p:sp>
-      <p:sp>
-        <p:nvSpPr>
-          <p:cNvPr id="2" name="Vertical Title 1"/>
-          <p:cNvSpPr>
-            <a:spLocks noGrp="1"/>
-          </p:cNvSpPr>
-          <p:nvPr>
-            <p:ph type="title" orient="vert"/>
-          </p:nvPr>
-        </p:nvSpPr>
-        <p:spPr>
-          <a:xfrm>
-            <a:off x="7995772" y="954742"/>
-            <a:ext cx="681318" cy="5171422"/>
+            <a:off x="457200" y="1658879"/>
+            <a:ext cx="8229600" cy="2935743"/>
           </a:xfrm>
         </p:spPr>
         <p:txBody>
-          <a:bodyPr vert="eaVert" anchor="t" anchorCtr="0"/>
-          <a:lstStyle/>
-          <a:p>
-            <a:r>
-              <a:rPr lang="en-AU" smtClean="0"/>
-              <a:t>Click to edit Master title style</a:t>
-            </a:r>
-            <a:endParaRPr/>
-          </a:p>
-        </p:txBody>
-      </p:sp>
-      <p:sp>
-        <p:nvSpPr>
-          <p:cNvPr id="3" name="Vertical Text Placeholder 2"/>
-          <p:cNvSpPr>
-            <a:spLocks noGrp="1"/>
-          </p:cNvSpPr>
-          <p:nvPr>
-            <p:ph type="body" orient="vert" idx="1"/>
-          </p:nvPr>
-        </p:nvSpPr>
-        <p:spPr>
-          <a:xfrm>
-            <a:off x="457200" y="958756"/>
-            <a:ext cx="6858000" cy="5184869"/>
-          </a:xfrm>
-        </p:spPr>
-        <p:txBody>
-          <a:bodyPr vert="eaVert"/>
+          <a:bodyPr/>
           <a:lstStyle>
+            <a:lvl1pPr marL="342900" indent="-342900">
+              <a:buFont typeface="Arial"/>
+              <a:buChar char="•"/>
+              <a:defRPr b="0" i="0"/>
+            </a:lvl1pPr>
+            <a:lvl2pPr marL="742950" indent="-285750">
+              <a:buFont typeface="Arial"/>
+              <a:buChar char="•"/>
+              <a:defRPr/>
+            </a:lvl2pPr>
             <a:lvl5pPr>
-              <a:defRPr/>
+              <a:defRPr sz="1600" baseline="0"/>
             </a:lvl5pPr>
           </a:lstStyle>
           <a:p>
@@ -6426,49 +2568,7 @@
               <a:rPr lang="en-AU" smtClean="0"/>
               <a:t>Fifth level</a:t>
             </a:r>
-            <a:endParaRPr dirty="0"/>
-          </a:p>
-        </p:txBody>
-      </p:sp>
-      <p:sp>
-        <p:nvSpPr>
-          <p:cNvPr id="4" name="Date Placeholder 3"/>
-          <p:cNvSpPr>
-            <a:spLocks noGrp="1"/>
-          </p:cNvSpPr>
-          <p:nvPr>
-            <p:ph type="dt" sz="half" idx="10"/>
-          </p:nvPr>
-        </p:nvSpPr>
-        <p:spPr/>
-        <p:txBody>
-          <a:bodyPr/>
-          <a:lstStyle/>
-          <a:p>
-            <a:fld id="{44E55408-4E64-184E-A974-20262AF63A0C}" type="datetimeFigureOut">
-              <a:rPr lang="en-US" smtClean="0"/>
-              <a:t>20/07/15</a:t>
-            </a:fld>
-            <a:endParaRPr lang="en-US"/>
-          </a:p>
-        </p:txBody>
-      </p:sp>
-      <p:sp>
-        <p:nvSpPr>
-          <p:cNvPr id="5" name="Footer Placeholder 4"/>
-          <p:cNvSpPr>
-            <a:spLocks noGrp="1"/>
-          </p:cNvSpPr>
-          <p:nvPr>
-            <p:ph type="ftr" sz="quarter" idx="11"/>
-          </p:nvPr>
-        </p:nvSpPr>
-        <p:spPr/>
-        <p:txBody>
-          <a:bodyPr/>
-          <a:lstStyle/>
-          <a:p>
-            <a:endParaRPr lang="en-US"/>
+            <a:endParaRPr lang="en-US" dirty="0"/>
           </a:p>
         </p:txBody>
       </p:sp>
@@ -6497,393 +2597,103 @@
       </p:sp>
       <p:sp>
         <p:nvSpPr>
-          <p:cNvPr id="9" name="TextBox 8"/>
-          <p:cNvSpPr txBox="1"/>
-          <p:nvPr/>
-        </p:nvSpPr>
-        <p:spPr>
-          <a:xfrm rot="16200000">
-            <a:off x="8593111" y="561668"/>
-            <a:ext cx="260909" cy="553998"/>
-          </a:xfrm>
-          <a:prstGeom prst="rect">
-            <a:avLst/>
-          </a:prstGeom>
-          <a:noFill/>
-        </p:spPr>
-        <p:txBody>
-          <a:bodyPr wrap="square" lIns="0" tIns="0" rIns="0" bIns="0" rtlCol="0">
-            <a:spAutoFit/>
-          </a:bodyPr>
-          <a:lstStyle/>
-          <a:p>
-            <a:r>
-              <a:rPr sz="3600" b="1">
-                <a:solidFill>
-                  <a:schemeClr val="accent1">
-                    <a:lumMod val="60000"/>
-                    <a:lumOff val="40000"/>
-                  </a:schemeClr>
-                </a:solidFill>
-              </a:rPr>
-              <a:t>+</a:t>
-            </a:r>
-          </a:p>
-        </p:txBody>
-      </p:sp>
-    </p:spTree>
-  </p:cSld>
-  <p:clrMapOvr>
-    <a:masterClrMapping/>
-  </p:clrMapOvr>
-</p:sldLayout>
-</file>
-
-<file path=ppt/slideLayouts/slideLayout3.xml><?xml version="1.0" encoding="utf-8"?>
-<p:sldLayout xmlns:a="http://schemas.openxmlformats.org/drawingml/2006/main" xmlns:r="http://schemas.openxmlformats.org/officeDocument/2006/relationships" xmlns:p="http://schemas.openxmlformats.org/presentationml/2006/main" preserve="1">
-  <p:cSld name="Title and Content, Alt.">
-    <p:spTree>
-      <p:nvGrpSpPr>
-        <p:cNvPr id="1" name=""/>
-        <p:cNvGrpSpPr/>
-        <p:nvPr/>
-      </p:nvGrpSpPr>
-      <p:grpSpPr>
-        <a:xfrm>
-          <a:off x="0" y="0"/>
-          <a:ext cx="0" cy="0"/>
-          <a:chOff x="0" y="0"/>
-          <a:chExt cx="0" cy="0"/>
-        </a:xfrm>
-      </p:grpSpPr>
-      <p:sp>
-        <p:nvSpPr>
-          <p:cNvPr id="7" name="Rectangle 6"/>
-          <p:cNvSpPr/>
-          <p:nvPr/>
+          <p:cNvPr id="18" name="Text Placeholder 17"/>
+          <p:cNvSpPr>
+            <a:spLocks noGrp="1"/>
+          </p:cNvSpPr>
+          <p:nvPr>
+            <p:ph type="body" sz="quarter" idx="13" hasCustomPrompt="1"/>
+          </p:nvPr>
         </p:nvSpPr>
         <p:spPr>
           <a:xfrm>
-            <a:off x="8166847" y="282574"/>
-            <a:ext cx="685800" cy="1600200"/>
-          </a:xfrm>
-          <a:prstGeom prst="rect">
-            <a:avLst/>
-          </a:prstGeom>
-          <a:solidFill>
-            <a:schemeClr val="accent1"/>
-          </a:solidFill>
-          <a:ln>
-            <a:noFill/>
-          </a:ln>
-        </p:spPr>
-        <p:style>
-          <a:lnRef idx="2">
-            <a:schemeClr val="accent1">
-              <a:shade val="50000"/>
-            </a:schemeClr>
-          </a:lnRef>
-          <a:fillRef idx="1">
-            <a:schemeClr val="accent1"/>
-          </a:fillRef>
-          <a:effectRef idx="0">
-            <a:schemeClr val="accent1"/>
-          </a:effectRef>
-          <a:fontRef idx="minor">
-            <a:schemeClr val="lt1"/>
-          </a:fontRef>
-        </p:style>
-        <p:txBody>
-          <a:bodyPr rtlCol="0" anchor="ctr"/>
-          <a:lstStyle/>
-          <a:p>
-            <a:pPr algn="ctr"/>
-            <a:endParaRPr/>
-          </a:p>
-        </p:txBody>
-      </p:sp>
-      <p:sp>
-        <p:nvSpPr>
-          <p:cNvPr id="2" name="Title 1"/>
-          <p:cNvSpPr>
-            <a:spLocks noGrp="1"/>
-          </p:cNvSpPr>
-          <p:nvPr>
-            <p:ph type="title"/>
-          </p:nvPr>
-        </p:nvSpPr>
-        <p:spPr>
-          <a:xfrm>
-            <a:off x="498474" y="134471"/>
-            <a:ext cx="7556313" cy="995082"/>
+            <a:off x="457200" y="1063626"/>
+            <a:ext cx="8229600" cy="595313"/>
           </a:xfrm>
         </p:spPr>
         <p:txBody>
-          <a:bodyPr anchor="b" anchorCtr="0"/>
-          <a:lstStyle/>
-          <a:p>
-            <a:r>
-              <a:rPr lang="en-AU" smtClean="0"/>
-              <a:t>Click to edit Master title style</a:t>
-            </a:r>
-            <a:endParaRPr/>
-          </a:p>
-        </p:txBody>
-      </p:sp>
-      <p:sp>
-        <p:nvSpPr>
-          <p:cNvPr id="3" name="Content Placeholder 2"/>
-          <p:cNvSpPr>
-            <a:spLocks noGrp="1"/>
-          </p:cNvSpPr>
-          <p:nvPr>
-            <p:ph idx="1"/>
-          </p:nvPr>
-        </p:nvSpPr>
-        <p:spPr/>
-        <p:txBody>
           <a:bodyPr/>
           <a:lstStyle>
-            <a:lvl5pPr>
-              <a:defRPr/>
-            </a:lvl5pPr>
-          </a:lstStyle>
-          <a:p>
-            <a:pPr lvl="0"/>
-            <a:r>
-              <a:rPr lang="en-AU" smtClean="0"/>
-              <a:t>Click to edit Master text styles</a:t>
-            </a:r>
-          </a:p>
-          <a:p>
-            <a:pPr lvl="1"/>
-            <a:r>
-              <a:rPr lang="en-AU" smtClean="0"/>
-              <a:t>Second level</a:t>
-            </a:r>
-          </a:p>
-          <a:p>
-            <a:pPr lvl="2"/>
-            <a:r>
-              <a:rPr lang="en-AU" smtClean="0"/>
-              <a:t>Third level</a:t>
-            </a:r>
-          </a:p>
-          <a:p>
-            <a:pPr lvl="3"/>
-            <a:r>
-              <a:rPr lang="en-AU" smtClean="0"/>
-              <a:t>Fourth level</a:t>
-            </a:r>
-          </a:p>
-          <a:p>
-            <a:pPr lvl="4"/>
-            <a:r>
-              <a:rPr lang="en-AU" smtClean="0"/>
-              <a:t>Fifth level</a:t>
-            </a:r>
-            <a:endParaRPr dirty="0"/>
-          </a:p>
-        </p:txBody>
-      </p:sp>
-      <p:sp>
-        <p:nvSpPr>
-          <p:cNvPr id="4" name="Date Placeholder 3"/>
-          <p:cNvSpPr>
-            <a:spLocks noGrp="1"/>
-          </p:cNvSpPr>
-          <p:nvPr>
-            <p:ph type="dt" sz="half" idx="10"/>
-          </p:nvPr>
-        </p:nvSpPr>
-        <p:spPr/>
-        <p:txBody>
-          <a:bodyPr/>
-          <a:lstStyle/>
-          <a:p>
-            <a:fld id="{44E55408-4E64-184E-A974-20262AF63A0C}" type="datetimeFigureOut">
-              <a:rPr lang="en-US" smtClean="0"/>
-              <a:t>20/07/15</a:t>
-            </a:fld>
-            <a:endParaRPr lang="en-US"/>
-          </a:p>
-        </p:txBody>
-      </p:sp>
-      <p:sp>
-        <p:nvSpPr>
-          <p:cNvPr id="5" name="Footer Placeholder 4"/>
-          <p:cNvSpPr>
-            <a:spLocks noGrp="1"/>
-          </p:cNvSpPr>
-          <p:nvPr>
-            <p:ph type="ftr" sz="quarter" idx="11"/>
-          </p:nvPr>
-        </p:nvSpPr>
-        <p:spPr/>
-        <p:txBody>
-          <a:bodyPr/>
-          <a:lstStyle/>
-          <a:p>
-            <a:endParaRPr lang="en-US"/>
-          </a:p>
-        </p:txBody>
-      </p:sp>
-      <p:sp>
-        <p:nvSpPr>
-          <p:cNvPr id="6" name="Slide Number Placeholder 5"/>
-          <p:cNvSpPr>
-            <a:spLocks noGrp="1"/>
-          </p:cNvSpPr>
-          <p:nvPr>
-            <p:ph type="sldNum" sz="quarter" idx="12"/>
-          </p:nvPr>
-        </p:nvSpPr>
-        <p:spPr/>
-        <p:txBody>
-          <a:bodyPr/>
-          <a:lstStyle/>
-          <a:p>
-            <a:fld id="{AE08B4A2-C56F-4F4C-BC5D-010CB3749170}" type="slidenum">
-              <a:rPr lang="en-US" smtClean="0"/>
-              <a:t>‹#›</a:t>
-            </a:fld>
-            <a:endParaRPr lang="en-US"/>
-          </a:p>
-        </p:txBody>
-      </p:sp>
-      <p:sp>
-        <p:nvSpPr>
-          <p:cNvPr id="9" name="TextBox 8"/>
-          <p:cNvSpPr txBox="1"/>
-          <p:nvPr/>
-        </p:nvSpPr>
-        <p:spPr>
-          <a:xfrm>
-            <a:off x="223185" y="228600"/>
-            <a:ext cx="260909" cy="553998"/>
-          </a:xfrm>
-          <a:prstGeom prst="rect">
-            <a:avLst/>
-          </a:prstGeom>
-          <a:noFill/>
-        </p:spPr>
-        <p:txBody>
-          <a:bodyPr wrap="square" lIns="0" tIns="0" rIns="0" bIns="0" rtlCol="0">
-            <a:spAutoFit/>
-          </a:bodyPr>
-          <a:lstStyle/>
-          <a:p>
-            <a:r>
-              <a:rPr sz="3600" b="1">
-                <a:solidFill>
-                  <a:schemeClr val="accent1">
-                    <a:lumMod val="60000"/>
-                    <a:lumOff val="40000"/>
-                  </a:schemeClr>
-                </a:solidFill>
-              </a:rPr>
-              <a:t>+</a:t>
-            </a:r>
-          </a:p>
-        </p:txBody>
-      </p:sp>
-      <p:sp>
-        <p:nvSpPr>
-          <p:cNvPr id="10" name="Text Placeholder 3"/>
-          <p:cNvSpPr>
-            <a:spLocks noGrp="1"/>
-          </p:cNvSpPr>
-          <p:nvPr>
-            <p:ph type="body" sz="half" idx="2"/>
-          </p:nvPr>
-        </p:nvSpPr>
-        <p:spPr>
-          <a:xfrm>
-            <a:off x="498518" y="1129553"/>
-            <a:ext cx="7558960" cy="774700"/>
-          </a:xfrm>
-        </p:spPr>
-        <p:txBody>
-          <a:bodyPr vert="horz" lIns="91440" tIns="45720" rIns="91440" bIns="45720" rtlCol="0" anchor="t" anchorCtr="0">
-            <a:noAutofit/>
-          </a:bodyPr>
-          <a:lstStyle>
-            <a:lvl1pPr marL="0" indent="0">
-              <a:buNone/>
-              <a:defRPr kumimoji="0" sz="2400" b="0" i="0" u="none" strike="noStrike" kern="1200" cap="none" spc="0" normalizeH="0" baseline="0">
-                <a:ln>
-                  <a:noFill/>
-                </a:ln>
-                <a:solidFill>
-                  <a:schemeClr val="accent3"/>
-                </a:solidFill>
-                <a:effectLst/>
-                <a:uLnTx/>
-                <a:uFillTx/>
-                <a:latin typeface="+mj-lt"/>
-                <a:ea typeface="+mj-ea"/>
-                <a:cs typeface="+mj-cs"/>
-              </a:defRPr>
-            </a:lvl1pPr>
-            <a:lvl2pPr marL="457200" indent="0">
-              <a:buNone/>
-              <a:defRPr sz="1200"/>
-            </a:lvl2pPr>
-            <a:lvl3pPr marL="914400" indent="0">
-              <a:buNone/>
-              <a:defRPr sz="1000"/>
-            </a:lvl3pPr>
-            <a:lvl4pPr marL="1371600" indent="0">
-              <a:buNone/>
-              <a:defRPr sz="900"/>
-            </a:lvl4pPr>
-            <a:lvl5pPr marL="1828800" indent="0">
-              <a:buNone/>
-              <a:defRPr sz="900"/>
-            </a:lvl5pPr>
-            <a:lvl6pPr marL="2286000" indent="0">
-              <a:buNone/>
-              <a:defRPr sz="900"/>
-            </a:lvl6pPr>
-            <a:lvl7pPr marL="2743200" indent="0">
-              <a:buNone/>
-              <a:defRPr sz="900"/>
-            </a:lvl7pPr>
-            <a:lvl8pPr marL="3200400" indent="0">
-              <a:buNone/>
-              <a:defRPr sz="900"/>
-            </a:lvl8pPr>
-            <a:lvl9pPr marL="3657600" indent="0">
-              <a:buNone/>
-              <a:defRPr sz="900"/>
-            </a:lvl9pPr>
-          </a:lstStyle>
-          <a:p>
-            <a:pPr marL="0" marR="0" lvl="0" indent="0" algn="l" defTabSz="914400" rtl="0" eaLnBrk="1" fontAlgn="auto" latinLnBrk="0" hangingPunct="1">
+            <a:lvl1pPr marL="0" marR="0" indent="0" algn="l" defTabSz="457200" rtl="0" eaLnBrk="1" fontAlgn="auto" latinLnBrk="0" hangingPunct="1">
               <a:lnSpc>
                 <a:spcPct val="100000"/>
               </a:lnSpc>
               <a:spcBef>
-                <a:spcPct val="0"/>
+                <a:spcPct val="20000"/>
               </a:spcBef>
               <a:spcAft>
                 <a:spcPts val="0"/>
               </a:spcAft>
               <a:buClrTx/>
               <a:buSzTx/>
-              <a:buFontTx/>
+              <a:buFont typeface="Arial"/>
+              <a:buNone/>
+              <a:tabLst/>
+              <a:defRPr lang="en-AU" sz="2400" b="1" baseline="0" smtClean="0">
+                <a:solidFill>
+                  <a:srgbClr val="F5B71D"/>
+                </a:solidFill>
+                <a:cs typeface="Arial"/>
+              </a:defRPr>
+            </a:lvl1pPr>
+          </a:lstStyle>
+          <a:p>
+            <a:pPr marL="0" marR="0" lvl="0" indent="0" algn="l" defTabSz="457200" rtl="0" eaLnBrk="1" fontAlgn="auto" latinLnBrk="0" hangingPunct="1">
+              <a:lnSpc>
+                <a:spcPct val="100000"/>
+              </a:lnSpc>
+              <a:spcBef>
+                <a:spcPct val="20000"/>
+              </a:spcBef>
+              <a:spcAft>
+                <a:spcPts val="0"/>
+              </a:spcAft>
+              <a:buClrTx/>
+              <a:buSzTx/>
+              <a:buFont typeface="Arial"/>
               <a:buNone/>
               <a:tabLst/>
               <a:defRPr/>
             </a:pPr>
             <a:r>
-              <a:rPr lang="en-AU" smtClean="0"/>
-              <a:t>Click to edit Master text styles</a:t>
+              <a:rPr lang="en-AU" sz="2400" b="1" dirty="0" smtClean="0">
+                <a:solidFill>
+                  <a:srgbClr val="F5B71D"/>
+                </a:solidFill>
+                <a:latin typeface="+mj-lt"/>
+                <a:cs typeface="Arial"/>
+              </a:rPr>
+              <a:t>Click</a:t>
+            </a:r>
+            <a:r>
+              <a:rPr lang="en-AU" sz="2400" b="1" baseline="0" dirty="0" smtClean="0">
+                <a:solidFill>
+                  <a:srgbClr val="F5B71D"/>
+                </a:solidFill>
+                <a:latin typeface="+mj-lt"/>
+                <a:cs typeface="Arial"/>
+              </a:rPr>
+              <a:t> to edit s</a:t>
+            </a:r>
+            <a:r>
+              <a:rPr lang="en-AU" sz="2400" b="1" dirty="0" smtClean="0">
+                <a:solidFill>
+                  <a:srgbClr val="F5B71D"/>
+                </a:solidFill>
+                <a:latin typeface="+mj-lt"/>
+                <a:cs typeface="Arial"/>
+              </a:rPr>
+              <a:t>ub heading</a:t>
             </a:r>
           </a:p>
         </p:txBody>
       </p:sp>
     </p:spTree>
+    <p:extLst>
+      <p:ext uri="{BB962C8B-B14F-4D97-AF65-F5344CB8AC3E}">
+        <p14:creationId xmlns:p14="http://schemas.microsoft.com/office/powerpoint/2010/main" val="3242757682"/>
+      </p:ext>
+    </p:extLst>
   </p:cSld>
   <p:clrMapOvr>
     <a:masterClrMapping/>
@@ -6892,953 +2702,7 @@
 </file>
 
 <file path=ppt/slideLayouts/slideLayout4.xml><?xml version="1.0" encoding="utf-8"?>
-<p:sldLayout xmlns:a="http://schemas.openxmlformats.org/drawingml/2006/main" xmlns:r="http://schemas.openxmlformats.org/officeDocument/2006/relationships" xmlns:p="http://schemas.openxmlformats.org/presentationml/2006/main" preserve="1">
-  <p:cSld name="Title Slide with 2 Pictures">
-    <p:spTree>
-      <p:nvGrpSpPr>
-        <p:cNvPr id="1" name=""/>
-        <p:cNvGrpSpPr/>
-        <p:nvPr/>
-      </p:nvGrpSpPr>
-      <p:grpSpPr>
-        <a:xfrm>
-          <a:off x="0" y="0"/>
-          <a:ext cx="0" cy="0"/>
-          <a:chOff x="0" y="0"/>
-          <a:chExt cx="0" cy="0"/>
-        </a:xfrm>
-      </p:grpSpPr>
-      <p:sp>
-        <p:nvSpPr>
-          <p:cNvPr id="2" name="Title 1"/>
-          <p:cNvSpPr>
-            <a:spLocks noGrp="1"/>
-          </p:cNvSpPr>
-          <p:nvPr>
-            <p:ph type="ctrTitle"/>
-          </p:nvPr>
-        </p:nvSpPr>
-        <p:spPr>
-          <a:xfrm>
-            <a:off x="4800600" y="4624668"/>
-            <a:ext cx="4038600" cy="933450"/>
-          </a:xfrm>
-        </p:spPr>
-        <p:txBody>
-          <a:bodyPr>
-            <a:normAutofit/>
-          </a:bodyPr>
-          <a:lstStyle>
-            <a:lvl1pPr>
-              <a:defRPr sz="2800"/>
-            </a:lvl1pPr>
-          </a:lstStyle>
-          <a:p>
-            <a:r>
-              <a:rPr lang="en-AU" smtClean="0"/>
-              <a:t>Click to edit Master title style</a:t>
-            </a:r>
-            <a:endParaRPr/>
-          </a:p>
-        </p:txBody>
-      </p:sp>
-      <p:sp>
-        <p:nvSpPr>
-          <p:cNvPr id="3" name="Subtitle 2"/>
-          <p:cNvSpPr>
-            <a:spLocks noGrp="1"/>
-          </p:cNvSpPr>
-          <p:nvPr>
-            <p:ph type="subTitle" idx="1"/>
-          </p:nvPr>
-        </p:nvSpPr>
-        <p:spPr>
-          <a:xfrm>
-            <a:off x="4800600" y="5562599"/>
-            <a:ext cx="4038600" cy="748553"/>
-          </a:xfrm>
-        </p:spPr>
-        <p:txBody>
-          <a:bodyPr>
-            <a:normAutofit/>
-          </a:bodyPr>
-          <a:lstStyle>
-            <a:lvl1pPr marL="0" indent="0" algn="l">
-              <a:spcBef>
-                <a:spcPts val="300"/>
-              </a:spcBef>
-              <a:buNone/>
-              <a:defRPr sz="1400">
-                <a:solidFill>
-                  <a:schemeClr val="tx1">
-                    <a:tint val="75000"/>
-                  </a:schemeClr>
-                </a:solidFill>
-              </a:defRPr>
-            </a:lvl1pPr>
-            <a:lvl2pPr marL="457200" indent="0" algn="ctr">
-              <a:buNone/>
-              <a:defRPr>
-                <a:solidFill>
-                  <a:schemeClr val="tx1">
-                    <a:tint val="75000"/>
-                  </a:schemeClr>
-                </a:solidFill>
-              </a:defRPr>
-            </a:lvl2pPr>
-            <a:lvl3pPr marL="914400" indent="0" algn="ctr">
-              <a:buNone/>
-              <a:defRPr>
-                <a:solidFill>
-                  <a:schemeClr val="tx1">
-                    <a:tint val="75000"/>
-                  </a:schemeClr>
-                </a:solidFill>
-              </a:defRPr>
-            </a:lvl3pPr>
-            <a:lvl4pPr marL="1371600" indent="0" algn="ctr">
-              <a:buNone/>
-              <a:defRPr>
-                <a:solidFill>
-                  <a:schemeClr val="tx1">
-                    <a:tint val="75000"/>
-                  </a:schemeClr>
-                </a:solidFill>
-              </a:defRPr>
-            </a:lvl4pPr>
-            <a:lvl5pPr marL="1828800" indent="0" algn="ctr">
-              <a:buNone/>
-              <a:defRPr>
-                <a:solidFill>
-                  <a:schemeClr val="tx1">
-                    <a:tint val="75000"/>
-                  </a:schemeClr>
-                </a:solidFill>
-              </a:defRPr>
-            </a:lvl5pPr>
-            <a:lvl6pPr marL="2286000" indent="0" algn="ctr">
-              <a:buNone/>
-              <a:defRPr>
-                <a:solidFill>
-                  <a:schemeClr val="tx1">
-                    <a:tint val="75000"/>
-                  </a:schemeClr>
-                </a:solidFill>
-              </a:defRPr>
-            </a:lvl6pPr>
-            <a:lvl7pPr marL="2743200" indent="0" algn="ctr">
-              <a:buNone/>
-              <a:defRPr>
-                <a:solidFill>
-                  <a:schemeClr val="tx1">
-                    <a:tint val="75000"/>
-                  </a:schemeClr>
-                </a:solidFill>
-              </a:defRPr>
-            </a:lvl7pPr>
-            <a:lvl8pPr marL="3200400" indent="0" algn="ctr">
-              <a:buNone/>
-              <a:defRPr>
-                <a:solidFill>
-                  <a:schemeClr val="tx1">
-                    <a:tint val="75000"/>
-                  </a:schemeClr>
-                </a:solidFill>
-              </a:defRPr>
-            </a:lvl8pPr>
-            <a:lvl9pPr marL="3657600" indent="0" algn="ctr">
-              <a:buNone/>
-              <a:defRPr>
-                <a:solidFill>
-                  <a:schemeClr val="tx1">
-                    <a:tint val="75000"/>
-                  </a:schemeClr>
-                </a:solidFill>
-              </a:defRPr>
-            </a:lvl9pPr>
-          </a:lstStyle>
-          <a:p>
-            <a:r>
-              <a:rPr lang="en-AU" smtClean="0"/>
-              <a:t>Click to edit Master subtitle style</a:t>
-            </a:r>
-            <a:endParaRPr dirty="0"/>
-          </a:p>
-        </p:txBody>
-      </p:sp>
-      <p:sp>
-        <p:nvSpPr>
-          <p:cNvPr id="4" name="Date Placeholder 3"/>
-          <p:cNvSpPr>
-            <a:spLocks noGrp="1"/>
-          </p:cNvSpPr>
-          <p:nvPr>
-            <p:ph type="dt" sz="half" idx="10"/>
-          </p:nvPr>
-        </p:nvSpPr>
-        <p:spPr>
-          <a:xfrm>
-            <a:off x="4800600" y="6425640"/>
-            <a:ext cx="1232647" cy="365125"/>
-          </a:xfrm>
-        </p:spPr>
-        <p:txBody>
-          <a:bodyPr/>
-          <a:lstStyle>
-            <a:lvl1pPr algn="l">
-              <a:defRPr/>
-            </a:lvl1pPr>
-          </a:lstStyle>
-          <a:p>
-            <a:fld id="{44E55408-4E64-184E-A974-20262AF63A0C}" type="datetimeFigureOut">
-              <a:rPr lang="en-US" smtClean="0"/>
-              <a:t>20/07/15</a:t>
-            </a:fld>
-            <a:endParaRPr lang="en-US"/>
-          </a:p>
-        </p:txBody>
-      </p:sp>
-      <p:sp>
-        <p:nvSpPr>
-          <p:cNvPr id="5" name="Footer Placeholder 4"/>
-          <p:cNvSpPr>
-            <a:spLocks noGrp="1"/>
-          </p:cNvSpPr>
-          <p:nvPr>
-            <p:ph type="ftr" sz="quarter" idx="11"/>
-          </p:nvPr>
-        </p:nvSpPr>
-        <p:spPr>
-          <a:xfrm>
-            <a:off x="6311153" y="6425640"/>
-            <a:ext cx="2617694" cy="365125"/>
-          </a:xfrm>
-        </p:spPr>
-        <p:txBody>
-          <a:bodyPr/>
-          <a:lstStyle>
-            <a:lvl1pPr algn="r">
-              <a:defRPr/>
-            </a:lvl1pPr>
-          </a:lstStyle>
-          <a:p>
-            <a:endParaRPr lang="en-US"/>
-          </a:p>
-        </p:txBody>
-      </p:sp>
-      <p:sp>
-        <p:nvSpPr>
-          <p:cNvPr id="7" name="Rectangle 6"/>
-          <p:cNvSpPr/>
-          <p:nvPr/>
-        </p:nvSpPr>
-        <p:spPr>
-          <a:xfrm>
-            <a:off x="282575" y="228600"/>
-            <a:ext cx="4235450" cy="4187952"/>
-          </a:xfrm>
-          <a:prstGeom prst="rect">
-            <a:avLst/>
-          </a:prstGeom>
-          <a:solidFill>
-            <a:schemeClr val="accent1"/>
-          </a:solidFill>
-          <a:ln>
-            <a:noFill/>
-          </a:ln>
-        </p:spPr>
-        <p:style>
-          <a:lnRef idx="2">
-            <a:schemeClr val="accent1">
-              <a:shade val="50000"/>
-            </a:schemeClr>
-          </a:lnRef>
-          <a:fillRef idx="1">
-            <a:schemeClr val="accent1"/>
-          </a:fillRef>
-          <a:effectRef idx="0">
-            <a:schemeClr val="accent1"/>
-          </a:effectRef>
-          <a:fontRef idx="minor">
-            <a:schemeClr val="lt1"/>
-          </a:fontRef>
-        </p:style>
-        <p:txBody>
-          <a:bodyPr rtlCol="0" anchor="ctr"/>
-          <a:lstStyle/>
-          <a:p>
-            <a:pPr algn="ctr"/>
-            <a:endParaRPr/>
-          </a:p>
-        </p:txBody>
-      </p:sp>
-      <p:sp>
-        <p:nvSpPr>
-          <p:cNvPr id="8" name="Rectangle 7"/>
-          <p:cNvSpPr/>
-          <p:nvPr/>
-        </p:nvSpPr>
-        <p:spPr>
-          <a:xfrm>
-            <a:off x="6802438" y="228600"/>
-            <a:ext cx="2057400" cy="2039112"/>
-          </a:xfrm>
-          <a:prstGeom prst="rect">
-            <a:avLst/>
-          </a:prstGeom>
-          <a:solidFill>
-            <a:schemeClr val="accent3"/>
-          </a:solidFill>
-          <a:ln>
-            <a:noFill/>
-          </a:ln>
-        </p:spPr>
-        <p:style>
-          <a:lnRef idx="2">
-            <a:schemeClr val="accent1">
-              <a:shade val="50000"/>
-            </a:schemeClr>
-          </a:lnRef>
-          <a:fillRef idx="1">
-            <a:schemeClr val="accent1"/>
-          </a:fillRef>
-          <a:effectRef idx="0">
-            <a:schemeClr val="accent1"/>
-          </a:effectRef>
-          <a:fontRef idx="minor">
-            <a:schemeClr val="lt1"/>
-          </a:fontRef>
-        </p:style>
-        <p:txBody>
-          <a:bodyPr rtlCol="0" anchor="ctr"/>
-          <a:lstStyle/>
-          <a:p>
-            <a:pPr algn="ctr"/>
-            <a:endParaRPr/>
-          </a:p>
-        </p:txBody>
-      </p:sp>
-      <p:sp>
-        <p:nvSpPr>
-          <p:cNvPr id="10" name="Rectangle 9"/>
-          <p:cNvSpPr/>
-          <p:nvPr/>
-        </p:nvSpPr>
-        <p:spPr>
-          <a:xfrm>
-            <a:off x="4624388" y="2377440"/>
-            <a:ext cx="2057400" cy="2039112"/>
-          </a:xfrm>
-          <a:prstGeom prst="rect">
-            <a:avLst/>
-          </a:prstGeom>
-          <a:solidFill>
-            <a:schemeClr val="accent4"/>
-          </a:solidFill>
-          <a:ln>
-            <a:noFill/>
-          </a:ln>
-        </p:spPr>
-        <p:style>
-          <a:lnRef idx="2">
-            <a:schemeClr val="accent1">
-              <a:shade val="50000"/>
-            </a:schemeClr>
-          </a:lnRef>
-          <a:fillRef idx="1">
-            <a:schemeClr val="accent1"/>
-          </a:fillRef>
-          <a:effectRef idx="0">
-            <a:schemeClr val="accent1"/>
-          </a:effectRef>
-          <a:fontRef idx="minor">
-            <a:schemeClr val="lt1"/>
-          </a:fontRef>
-        </p:style>
-        <p:txBody>
-          <a:bodyPr rtlCol="0" anchor="ctr"/>
-          <a:lstStyle/>
-          <a:p>
-            <a:pPr algn="ctr"/>
-            <a:endParaRPr/>
-          </a:p>
-        </p:txBody>
-      </p:sp>
-      <p:sp>
-        <p:nvSpPr>
-          <p:cNvPr id="13" name="Picture Placeholder 12"/>
-          <p:cNvSpPr>
-            <a:spLocks noGrp="1"/>
-          </p:cNvSpPr>
-          <p:nvPr>
-            <p:ph type="pic" sz="quarter" idx="12"/>
-          </p:nvPr>
-        </p:nvSpPr>
-        <p:spPr>
-          <a:xfrm>
-            <a:off x="4624388" y="228600"/>
-            <a:ext cx="2057400" cy="2039112"/>
-          </a:xfrm>
-        </p:spPr>
-        <p:txBody>
-          <a:bodyPr/>
-          <a:lstStyle>
-            <a:lvl1pPr>
-              <a:buNone/>
-              <a:defRPr/>
-            </a:lvl1pPr>
-          </a:lstStyle>
-          <a:p>
-            <a:r>
-              <a:rPr lang="en-AU" smtClean="0"/>
-              <a:t>Drag picture to placeholder or click icon to add</a:t>
-            </a:r>
-            <a:endParaRPr/>
-          </a:p>
-        </p:txBody>
-      </p:sp>
-      <p:sp>
-        <p:nvSpPr>
-          <p:cNvPr id="14" name="Picture Placeholder 12"/>
-          <p:cNvSpPr>
-            <a:spLocks noGrp="1"/>
-          </p:cNvSpPr>
-          <p:nvPr>
-            <p:ph type="pic" sz="quarter" idx="13"/>
-          </p:nvPr>
-        </p:nvSpPr>
-        <p:spPr>
-          <a:xfrm>
-            <a:off x="6802438" y="2377440"/>
-            <a:ext cx="2057400" cy="2039112"/>
-          </a:xfrm>
-        </p:spPr>
-        <p:txBody>
-          <a:bodyPr/>
-          <a:lstStyle>
-            <a:lvl1pPr>
-              <a:buNone/>
-              <a:defRPr/>
-            </a:lvl1pPr>
-          </a:lstStyle>
-          <a:p>
-            <a:r>
-              <a:rPr lang="en-AU" smtClean="0"/>
-              <a:t>Drag picture to placeholder or click icon to add</a:t>
-            </a:r>
-            <a:endParaRPr/>
-          </a:p>
-        </p:txBody>
-      </p:sp>
-      <p:sp>
-        <p:nvSpPr>
-          <p:cNvPr id="16" name="Text Placeholder 3"/>
-          <p:cNvSpPr>
-            <a:spLocks noGrp="1"/>
-          </p:cNvSpPr>
-          <p:nvPr>
-            <p:ph type="body" sz="half" idx="2"/>
-          </p:nvPr>
-        </p:nvSpPr>
-        <p:spPr>
-          <a:xfrm>
-            <a:off x="857250" y="1779494"/>
-            <a:ext cx="3086100" cy="2040905"/>
-          </a:xfrm>
-        </p:spPr>
-        <p:txBody>
-          <a:bodyPr lIns="45720" tIns="45720" rIns="45720" anchor="t">
-            <a:noAutofit/>
-          </a:bodyPr>
-          <a:lstStyle>
-            <a:lvl1pPr marL="0" indent="0" algn="ctr">
-              <a:spcBef>
-                <a:spcPts val="600"/>
-              </a:spcBef>
-              <a:buNone/>
-              <a:defRPr sz="4600">
-                <a:solidFill>
-                  <a:schemeClr val="bg1"/>
-                </a:solidFill>
-              </a:defRPr>
-            </a:lvl1pPr>
-            <a:lvl2pPr>
-              <a:defRPr sz="1200"/>
-            </a:lvl2pPr>
-            <a:lvl3pPr>
-              <a:defRPr sz="1000"/>
-            </a:lvl3pPr>
-            <a:lvl4pPr>
-              <a:defRPr sz="900"/>
-            </a:lvl4pPr>
-            <a:lvl5pPr>
-              <a:defRPr sz="900"/>
-            </a:lvl5pPr>
-          </a:lstStyle>
-          <a:p>
-            <a:pPr lvl="0" eaLnBrk="1" latinLnBrk="0" hangingPunct="1"/>
-            <a:r>
-              <a:rPr kumimoji="0" lang="en-AU" smtClean="0"/>
-              <a:t>Click to edit Master text styles</a:t>
-            </a:r>
-          </a:p>
-        </p:txBody>
-      </p:sp>
-      <p:sp>
-        <p:nvSpPr>
-          <p:cNvPr id="15" name="TextBox 14"/>
-          <p:cNvSpPr txBox="1"/>
-          <p:nvPr/>
-        </p:nvSpPr>
-        <p:spPr>
-          <a:xfrm>
-            <a:off x="424891" y="174812"/>
-            <a:ext cx="413309" cy="830997"/>
-          </a:xfrm>
-          <a:prstGeom prst="rect">
-            <a:avLst/>
-          </a:prstGeom>
-          <a:noFill/>
-        </p:spPr>
-        <p:txBody>
-          <a:bodyPr wrap="square" lIns="0" tIns="0" rIns="0" bIns="0" rtlCol="0">
-            <a:spAutoFit/>
-          </a:bodyPr>
-          <a:lstStyle/>
-          <a:p>
-            <a:r>
-              <a:rPr sz="5400" b="1">
-                <a:solidFill>
-                  <a:schemeClr val="accent1">
-                    <a:lumMod val="60000"/>
-                    <a:lumOff val="40000"/>
-                  </a:schemeClr>
-                </a:solidFill>
-              </a:rPr>
-              <a:t>+</a:t>
-            </a:r>
-          </a:p>
-        </p:txBody>
-      </p:sp>
-    </p:spTree>
-  </p:cSld>
-  <p:clrMapOvr>
-    <a:masterClrMapping/>
-  </p:clrMapOvr>
-</p:sldLayout>
-</file>
-
-<file path=ppt/slideLayouts/slideLayout5.xml><?xml version="1.0" encoding="utf-8"?>
-<p:sldLayout xmlns:a="http://schemas.openxmlformats.org/drawingml/2006/main" xmlns:r="http://schemas.openxmlformats.org/officeDocument/2006/relationships" xmlns:p="http://schemas.openxmlformats.org/presentationml/2006/main" type="secHead" preserve="1">
-  <p:cSld name="Section Header">
-    <p:spTree>
-      <p:nvGrpSpPr>
-        <p:cNvPr id="1" name=""/>
-        <p:cNvGrpSpPr/>
-        <p:nvPr/>
-      </p:nvGrpSpPr>
-      <p:grpSpPr>
-        <a:xfrm>
-          <a:off x="0" y="0"/>
-          <a:ext cx="0" cy="0"/>
-          <a:chOff x="0" y="0"/>
-          <a:chExt cx="0" cy="0"/>
-        </a:xfrm>
-      </p:grpSpPr>
-      <p:sp>
-        <p:nvSpPr>
-          <p:cNvPr id="7" name="Rectangle 6"/>
-          <p:cNvSpPr/>
-          <p:nvPr/>
-        </p:nvSpPr>
-        <p:spPr>
-          <a:xfrm>
-            <a:off x="658907" y="228600"/>
-            <a:ext cx="8200930" cy="6345238"/>
-          </a:xfrm>
-          <a:prstGeom prst="rect">
-            <a:avLst/>
-          </a:prstGeom>
-          <a:solidFill>
-            <a:schemeClr val="accent1"/>
-          </a:solidFill>
-          <a:ln>
-            <a:noFill/>
-          </a:ln>
-        </p:spPr>
-        <p:style>
-          <a:lnRef idx="2">
-            <a:schemeClr val="accent1">
-              <a:shade val="50000"/>
-            </a:schemeClr>
-          </a:lnRef>
-          <a:fillRef idx="1">
-            <a:schemeClr val="accent1"/>
-          </a:fillRef>
-          <a:effectRef idx="0">
-            <a:schemeClr val="accent1"/>
-          </a:effectRef>
-          <a:fontRef idx="minor">
-            <a:schemeClr val="lt1"/>
-          </a:fontRef>
-        </p:style>
-        <p:txBody>
-          <a:bodyPr rtlCol="0" anchor="ctr"/>
-          <a:lstStyle/>
-          <a:p>
-            <a:pPr algn="ctr"/>
-            <a:endParaRPr/>
-          </a:p>
-        </p:txBody>
-      </p:sp>
-      <p:sp>
-        <p:nvSpPr>
-          <p:cNvPr id="2" name="Title 1"/>
-          <p:cNvSpPr>
-            <a:spLocks noGrp="1"/>
-          </p:cNvSpPr>
-          <p:nvPr>
-            <p:ph type="title"/>
-          </p:nvPr>
-        </p:nvSpPr>
-        <p:spPr>
-          <a:xfrm>
-            <a:off x="2286000" y="3124200"/>
-            <a:ext cx="5638800" cy="1362075"/>
-          </a:xfrm>
-        </p:spPr>
-        <p:txBody>
-          <a:bodyPr anchor="b" anchorCtr="0">
-            <a:normAutofit/>
-          </a:bodyPr>
-          <a:lstStyle>
-            <a:lvl1pPr algn="l">
-              <a:defRPr sz="3200" b="0" cap="none" baseline="0">
-                <a:solidFill>
-                  <a:schemeClr val="bg1"/>
-                </a:solidFill>
-              </a:defRPr>
-            </a:lvl1pPr>
-          </a:lstStyle>
-          <a:p>
-            <a:r>
-              <a:rPr lang="en-AU" smtClean="0"/>
-              <a:t>Click to edit Master title style</a:t>
-            </a:r>
-            <a:endParaRPr/>
-          </a:p>
-        </p:txBody>
-      </p:sp>
-      <p:sp>
-        <p:nvSpPr>
-          <p:cNvPr id="3" name="Text Placeholder 2"/>
-          <p:cNvSpPr>
-            <a:spLocks noGrp="1"/>
-          </p:cNvSpPr>
-          <p:nvPr>
-            <p:ph type="body" idx="1"/>
-          </p:nvPr>
-        </p:nvSpPr>
-        <p:spPr>
-          <a:xfrm>
-            <a:off x="2286000" y="4495800"/>
-            <a:ext cx="5638800" cy="1500187"/>
-          </a:xfrm>
-        </p:spPr>
-        <p:txBody>
-          <a:bodyPr anchor="t" anchorCtr="0">
-            <a:normAutofit/>
-          </a:bodyPr>
-          <a:lstStyle>
-            <a:lvl1pPr marL="0" indent="0">
-              <a:spcBef>
-                <a:spcPts val="300"/>
-              </a:spcBef>
-              <a:buNone/>
-              <a:defRPr sz="1400" cap="none" baseline="0">
-                <a:solidFill>
-                  <a:schemeClr val="bg1"/>
-                </a:solidFill>
-              </a:defRPr>
-            </a:lvl1pPr>
-            <a:lvl2pPr marL="457200" indent="0">
-              <a:buNone/>
-              <a:defRPr sz="1800">
-                <a:solidFill>
-                  <a:schemeClr val="tx1">
-                    <a:tint val="75000"/>
-                  </a:schemeClr>
-                </a:solidFill>
-              </a:defRPr>
-            </a:lvl2pPr>
-            <a:lvl3pPr marL="914400" indent="0">
-              <a:buNone/>
-              <a:defRPr sz="1600">
-                <a:solidFill>
-                  <a:schemeClr val="tx1">
-                    <a:tint val="75000"/>
-                  </a:schemeClr>
-                </a:solidFill>
-              </a:defRPr>
-            </a:lvl3pPr>
-            <a:lvl4pPr marL="1371600" indent="0">
-              <a:buNone/>
-              <a:defRPr sz="1400">
-                <a:solidFill>
-                  <a:schemeClr val="tx1">
-                    <a:tint val="75000"/>
-                  </a:schemeClr>
-                </a:solidFill>
-              </a:defRPr>
-            </a:lvl4pPr>
-            <a:lvl5pPr marL="1828800" indent="0">
-              <a:buNone/>
-              <a:defRPr sz="1400">
-                <a:solidFill>
-                  <a:schemeClr val="tx1">
-                    <a:tint val="75000"/>
-                  </a:schemeClr>
-                </a:solidFill>
-              </a:defRPr>
-            </a:lvl5pPr>
-            <a:lvl6pPr marL="2286000" indent="0">
-              <a:buNone/>
-              <a:defRPr sz="1400">
-                <a:solidFill>
-                  <a:schemeClr val="tx1">
-                    <a:tint val="75000"/>
-                  </a:schemeClr>
-                </a:solidFill>
-              </a:defRPr>
-            </a:lvl6pPr>
-            <a:lvl7pPr marL="2743200" indent="0">
-              <a:buNone/>
-              <a:defRPr sz="1400">
-                <a:solidFill>
-                  <a:schemeClr val="tx1">
-                    <a:tint val="75000"/>
-                  </a:schemeClr>
-                </a:solidFill>
-              </a:defRPr>
-            </a:lvl7pPr>
-            <a:lvl8pPr marL="3200400" indent="0">
-              <a:buNone/>
-              <a:defRPr sz="1400">
-                <a:solidFill>
-                  <a:schemeClr val="tx1">
-                    <a:tint val="75000"/>
-                  </a:schemeClr>
-                </a:solidFill>
-              </a:defRPr>
-            </a:lvl8pPr>
-            <a:lvl9pPr marL="3657600" indent="0">
-              <a:buNone/>
-              <a:defRPr sz="1400">
-                <a:solidFill>
-                  <a:schemeClr val="tx1">
-                    <a:tint val="75000"/>
-                  </a:schemeClr>
-                </a:solidFill>
-              </a:defRPr>
-            </a:lvl9pPr>
-          </a:lstStyle>
-          <a:p>
-            <a:pPr lvl="0"/>
-            <a:r>
-              <a:rPr lang="en-AU" smtClean="0"/>
-              <a:t>Click to edit Master text styles</a:t>
-            </a:r>
-          </a:p>
-        </p:txBody>
-      </p:sp>
-      <p:sp>
-        <p:nvSpPr>
-          <p:cNvPr id="4" name="Date Placeholder 3"/>
-          <p:cNvSpPr>
-            <a:spLocks noGrp="1"/>
-          </p:cNvSpPr>
-          <p:nvPr>
-            <p:ph type="dt" sz="half" idx="10"/>
-          </p:nvPr>
-        </p:nvSpPr>
-        <p:spPr>
-          <a:xfrm>
-            <a:off x="658906" y="6248774"/>
-            <a:ext cx="1474694" cy="365125"/>
-          </a:xfrm>
-        </p:spPr>
-        <p:txBody>
-          <a:bodyPr/>
-          <a:lstStyle>
-            <a:lvl1pPr algn="l">
-              <a:defRPr>
-                <a:solidFill>
-                  <a:schemeClr val="bg1"/>
-                </a:solidFill>
-              </a:defRPr>
-            </a:lvl1pPr>
-          </a:lstStyle>
-          <a:p>
-            <a:fld id="{44E55408-4E64-184E-A974-20262AF63A0C}" type="datetimeFigureOut">
-              <a:rPr lang="en-US" smtClean="0"/>
-              <a:t>20/07/15</a:t>
-            </a:fld>
-            <a:endParaRPr lang="en-US"/>
-          </a:p>
-        </p:txBody>
-      </p:sp>
-      <p:sp>
-        <p:nvSpPr>
-          <p:cNvPr id="5" name="Footer Placeholder 4"/>
-          <p:cNvSpPr>
-            <a:spLocks noGrp="1"/>
-          </p:cNvSpPr>
-          <p:nvPr>
-            <p:ph type="ftr" sz="quarter" idx="11"/>
-          </p:nvPr>
-        </p:nvSpPr>
-        <p:spPr>
-          <a:xfrm>
-            <a:off x="2286000" y="6248774"/>
-            <a:ext cx="5638800" cy="365125"/>
-          </a:xfrm>
-        </p:spPr>
-        <p:txBody>
-          <a:bodyPr/>
-          <a:lstStyle>
-            <a:lvl1pPr>
-              <a:defRPr>
-                <a:solidFill>
-                  <a:schemeClr val="bg1"/>
-                </a:solidFill>
-              </a:defRPr>
-            </a:lvl1pPr>
-          </a:lstStyle>
-          <a:p>
-            <a:endParaRPr lang="en-US"/>
-          </a:p>
-        </p:txBody>
-      </p:sp>
-      <p:sp>
-        <p:nvSpPr>
-          <p:cNvPr id="6" name="Slide Number Placeholder 5"/>
-          <p:cNvSpPr>
-            <a:spLocks noGrp="1"/>
-          </p:cNvSpPr>
-          <p:nvPr>
-            <p:ph type="sldNum" sz="quarter" idx="12"/>
-          </p:nvPr>
-        </p:nvSpPr>
-        <p:spPr>
-          <a:xfrm>
-            <a:off x="8305800" y="6248774"/>
-            <a:ext cx="554038" cy="365125"/>
-          </a:xfrm>
-        </p:spPr>
-        <p:txBody>
-          <a:bodyPr/>
-          <a:lstStyle/>
-          <a:p>
-            <a:fld id="{AE08B4A2-C56F-4F4C-BC5D-010CB3749170}" type="slidenum">
-              <a:rPr lang="en-US" smtClean="0"/>
-              <a:t>‹#›</a:t>
-            </a:fld>
-            <a:endParaRPr lang="en-US"/>
-          </a:p>
-        </p:txBody>
-      </p:sp>
-      <p:sp>
-        <p:nvSpPr>
-          <p:cNvPr id="8" name="TextBox 7"/>
-          <p:cNvSpPr txBox="1"/>
-          <p:nvPr/>
-        </p:nvSpPr>
-        <p:spPr>
-          <a:xfrm>
-            <a:off x="2003612" y="3110754"/>
-            <a:ext cx="260909" cy="615553"/>
-          </a:xfrm>
-          <a:prstGeom prst="rect">
-            <a:avLst/>
-          </a:prstGeom>
-          <a:noFill/>
-        </p:spPr>
-        <p:txBody>
-          <a:bodyPr wrap="square" lIns="0" tIns="0" rIns="0" bIns="0" rtlCol="0">
-            <a:spAutoFit/>
-          </a:bodyPr>
-          <a:lstStyle/>
-          <a:p>
-            <a:r>
-              <a:rPr sz="4000" b="1">
-                <a:solidFill>
-                  <a:schemeClr val="accent1">
-                    <a:lumMod val="60000"/>
-                    <a:lumOff val="40000"/>
-                  </a:schemeClr>
-                </a:solidFill>
-              </a:rPr>
-              <a:t>+</a:t>
-            </a:r>
-          </a:p>
-        </p:txBody>
-      </p:sp>
-      <p:sp>
-        <p:nvSpPr>
-          <p:cNvPr id="9" name="Rectangle 8"/>
-          <p:cNvSpPr/>
-          <p:nvPr/>
-        </p:nvSpPr>
-        <p:spPr>
-          <a:xfrm>
-            <a:off x="285750" y="228600"/>
-            <a:ext cx="212725" cy="6345238"/>
-          </a:xfrm>
-          <a:prstGeom prst="rect">
-            <a:avLst/>
-          </a:prstGeom>
-          <a:solidFill>
-            <a:schemeClr val="accent4"/>
-          </a:solidFill>
-          <a:ln>
-            <a:noFill/>
-          </a:ln>
-        </p:spPr>
-        <p:style>
-          <a:lnRef idx="2">
-            <a:schemeClr val="accent1">
-              <a:shade val="50000"/>
-            </a:schemeClr>
-          </a:lnRef>
-          <a:fillRef idx="1">
-            <a:schemeClr val="accent1"/>
-          </a:fillRef>
-          <a:effectRef idx="0">
-            <a:schemeClr val="accent1"/>
-          </a:effectRef>
-          <a:fontRef idx="minor">
-            <a:schemeClr val="lt1"/>
-          </a:fontRef>
-        </p:style>
-        <p:txBody>
-          <a:bodyPr rtlCol="0" anchor="ctr"/>
-          <a:lstStyle/>
-          <a:p>
-            <a:pPr algn="ctr"/>
-            <a:endParaRPr/>
-          </a:p>
-        </p:txBody>
-      </p:sp>
-    </p:spTree>
-  </p:cSld>
-  <p:clrMapOvr>
-    <a:masterClrMapping/>
-  </p:clrMapOvr>
-</p:sldLayout>
-</file>
-
-<file path=ppt/slideLayouts/slideLayout6.xml><?xml version="1.0" encoding="utf-8"?>
-<p:sldLayout xmlns:a="http://schemas.openxmlformats.org/drawingml/2006/main" xmlns:r="http://schemas.openxmlformats.org/officeDocument/2006/relationships" xmlns:p="http://schemas.openxmlformats.org/presentationml/2006/main" preserve="1">
+<p:sldLayout xmlns:a="http://schemas.openxmlformats.org/drawingml/2006/main" xmlns:r="http://schemas.openxmlformats.org/officeDocument/2006/relationships" xmlns:p="http://schemas.openxmlformats.org/presentationml/2006/main" type="twoObj" preserve="1">
   <p:cSld name="Two Content">
     <p:spTree>
       <p:nvGrpSpPr>
@@ -7856,169 +2720,41 @@
       </p:grpSpPr>
       <p:sp>
         <p:nvSpPr>
-          <p:cNvPr id="11" name="Rectangle 10"/>
-          <p:cNvSpPr/>
-          <p:nvPr/>
+          <p:cNvPr id="2" name="Title 1"/>
+          <p:cNvSpPr>
+            <a:spLocks noGrp="1"/>
+          </p:cNvSpPr>
+          <p:nvPr>
+            <p:ph type="title"/>
+          </p:nvPr>
+        </p:nvSpPr>
+        <p:spPr/>
+        <p:txBody>
+          <a:bodyPr/>
+          <a:lstStyle/>
+          <a:p>
+            <a:r>
+              <a:rPr lang="en-AU" smtClean="0"/>
+              <a:t>Click to edit Master title style</a:t>
+            </a:r>
+            <a:endParaRPr lang="en-US"/>
+          </a:p>
+        </p:txBody>
+      </p:sp>
+      <p:sp>
+        <p:nvSpPr>
+          <p:cNvPr id="3" name="Content Placeholder 2"/>
+          <p:cNvSpPr>
+            <a:spLocks noGrp="1"/>
+          </p:cNvSpPr>
+          <p:nvPr>
+            <p:ph sz="half" idx="1"/>
+          </p:nvPr>
         </p:nvSpPr>
         <p:spPr>
           <a:xfrm>
-            <a:off x="8210550" y="282574"/>
-            <a:ext cx="642097" cy="1600200"/>
-          </a:xfrm>
-          <a:prstGeom prst="rect">
-            <a:avLst/>
-          </a:prstGeom>
-          <a:solidFill>
-            <a:schemeClr val="accent1"/>
-          </a:solidFill>
-          <a:ln>
-            <a:noFill/>
-          </a:ln>
-        </p:spPr>
-        <p:style>
-          <a:lnRef idx="2">
-            <a:schemeClr val="accent1">
-              <a:shade val="50000"/>
-            </a:schemeClr>
-          </a:lnRef>
-          <a:fillRef idx="1">
-            <a:schemeClr val="accent1"/>
-          </a:fillRef>
-          <a:effectRef idx="0">
-            <a:schemeClr val="accent1"/>
-          </a:effectRef>
-          <a:fontRef idx="minor">
-            <a:schemeClr val="lt1"/>
-          </a:fontRef>
-        </p:style>
-        <p:txBody>
-          <a:bodyPr rtlCol="0" anchor="ctr"/>
-          <a:lstStyle/>
-          <a:p>
-            <a:pPr algn="ctr"/>
-            <a:endParaRPr/>
-          </a:p>
-        </p:txBody>
-      </p:sp>
-      <p:sp>
-        <p:nvSpPr>
-          <p:cNvPr id="12" name="Rectangle 11"/>
-          <p:cNvSpPr/>
-          <p:nvPr/>
-        </p:nvSpPr>
-        <p:spPr>
-          <a:xfrm>
-            <a:off x="8068235" y="282574"/>
-            <a:ext cx="91440" cy="1600200"/>
-          </a:xfrm>
-          <a:prstGeom prst="rect">
-            <a:avLst/>
-          </a:prstGeom>
-          <a:solidFill>
-            <a:schemeClr val="accent3"/>
-          </a:solidFill>
-          <a:ln>
-            <a:noFill/>
-          </a:ln>
-        </p:spPr>
-        <p:style>
-          <a:lnRef idx="2">
-            <a:schemeClr val="accent1">
-              <a:shade val="50000"/>
-            </a:schemeClr>
-          </a:lnRef>
-          <a:fillRef idx="1">
-            <a:schemeClr val="accent1"/>
-          </a:fillRef>
-          <a:effectRef idx="0">
-            <a:schemeClr val="accent1"/>
-          </a:effectRef>
-          <a:fontRef idx="minor">
-            <a:schemeClr val="lt1"/>
-          </a:fontRef>
-        </p:style>
-        <p:txBody>
-          <a:bodyPr rtlCol="0" anchor="ctr"/>
-          <a:lstStyle/>
-          <a:p>
-            <a:pPr algn="ctr"/>
-            <a:endParaRPr/>
-          </a:p>
-        </p:txBody>
-      </p:sp>
-      <p:sp>
-        <p:nvSpPr>
-          <p:cNvPr id="10" name="TextBox 9"/>
-          <p:cNvSpPr txBox="1"/>
-          <p:nvPr/>
-        </p:nvSpPr>
-        <p:spPr>
-          <a:xfrm>
-            <a:off x="223185" y="228600"/>
-            <a:ext cx="260909" cy="553998"/>
-          </a:xfrm>
-          <a:prstGeom prst="rect">
-            <a:avLst/>
-          </a:prstGeom>
-          <a:noFill/>
-        </p:spPr>
-        <p:txBody>
-          <a:bodyPr wrap="square" lIns="0" tIns="0" rIns="0" bIns="0" rtlCol="0">
-            <a:spAutoFit/>
-          </a:bodyPr>
-          <a:lstStyle/>
-          <a:p>
-            <a:r>
-              <a:rPr sz="3600" b="1">
-                <a:solidFill>
-                  <a:schemeClr val="accent1">
-                    <a:lumMod val="60000"/>
-                    <a:lumOff val="40000"/>
-                  </a:schemeClr>
-                </a:solidFill>
-              </a:rPr>
-              <a:t>+</a:t>
-            </a:r>
-          </a:p>
-        </p:txBody>
-      </p:sp>
-      <p:sp>
-        <p:nvSpPr>
-          <p:cNvPr id="2" name="Title 1"/>
-          <p:cNvSpPr>
-            <a:spLocks noGrp="1"/>
-          </p:cNvSpPr>
-          <p:nvPr>
-            <p:ph type="title"/>
-          </p:nvPr>
-        </p:nvSpPr>
-        <p:spPr/>
-        <p:txBody>
-          <a:bodyPr/>
-          <a:lstStyle/>
-          <a:p>
-            <a:r>
-              <a:rPr lang="en-AU" smtClean="0"/>
-              <a:t>Click to edit Master title style</a:t>
-            </a:r>
-            <a:endParaRPr/>
-          </a:p>
-        </p:txBody>
-      </p:sp>
-      <p:sp>
-        <p:nvSpPr>
-          <p:cNvPr id="3" name="Content Placeholder 2"/>
-          <p:cNvSpPr>
-            <a:spLocks noGrp="1"/>
-          </p:cNvSpPr>
-          <p:nvPr>
-            <p:ph sz="half" idx="1"/>
-          </p:nvPr>
-        </p:nvSpPr>
-        <p:spPr>
-          <a:xfrm>
-            <a:off x="498518" y="1985963"/>
-            <a:ext cx="3657600" cy="4140200"/>
+            <a:off x="457200" y="1200151"/>
+            <a:ext cx="4038600" cy="3394472"/>
           </a:xfrm>
         </p:spPr>
         <p:txBody>
@@ -8027,19 +2763,19 @@
           </a:bodyPr>
           <a:lstStyle>
             <a:lvl1pPr>
-              <a:defRPr sz="1800"/>
+              <a:defRPr sz="2400"/>
             </a:lvl1pPr>
             <a:lvl2pPr>
-              <a:defRPr sz="1800"/>
+              <a:defRPr sz="2000"/>
             </a:lvl2pPr>
             <a:lvl3pPr>
               <a:defRPr sz="1800"/>
             </a:lvl3pPr>
             <a:lvl4pPr>
-              <a:defRPr sz="1800"/>
+              <a:defRPr sz="1600"/>
             </a:lvl4pPr>
             <a:lvl5pPr>
-              <a:defRPr sz="1800"/>
+              <a:defRPr sz="1600"/>
             </a:lvl5pPr>
             <a:lvl6pPr>
               <a:defRPr sz="1800"/>
@@ -8088,7 +2824,7 @@
               <a:rPr lang="en-AU" smtClean="0"/>
               <a:t>Fifth level</a:t>
             </a:r>
-            <a:endParaRPr dirty="0"/>
+            <a:endParaRPr lang="en-US" dirty="0"/>
           </a:p>
         </p:txBody>
       </p:sp>
@@ -8104,8 +2840,8 @@
         </p:nvSpPr>
         <p:spPr>
           <a:xfrm>
-            <a:off x="4399878" y="1985963"/>
-            <a:ext cx="3657600" cy="4140200"/>
+            <a:off x="4648200" y="1200151"/>
+            <a:ext cx="4038600" cy="3394472"/>
           </a:xfrm>
         </p:spPr>
         <p:txBody>
@@ -8114,19 +2850,19 @@
           </a:bodyPr>
           <a:lstStyle>
             <a:lvl1pPr>
-              <a:defRPr sz="1800"/>
+              <a:defRPr sz="2400"/>
             </a:lvl1pPr>
             <a:lvl2pPr>
-              <a:defRPr sz="1800"/>
+              <a:defRPr sz="2000"/>
             </a:lvl2pPr>
             <a:lvl3pPr>
               <a:defRPr sz="1800"/>
             </a:lvl3pPr>
             <a:lvl4pPr>
-              <a:defRPr sz="1800"/>
+              <a:defRPr sz="1600"/>
             </a:lvl4pPr>
             <a:lvl5pPr>
-              <a:defRPr sz="1800"/>
+              <a:defRPr sz="1600"/>
             </a:lvl5pPr>
             <a:lvl6pPr>
               <a:defRPr sz="1800"/>
@@ -8175,49 +2911,7 @@
               <a:rPr lang="en-AU" smtClean="0"/>
               <a:t>Fifth level</a:t>
             </a:r>
-            <a:endParaRPr dirty="0"/>
-          </a:p>
-        </p:txBody>
-      </p:sp>
-      <p:sp>
-        <p:nvSpPr>
-          <p:cNvPr id="5" name="Date Placeholder 4"/>
-          <p:cNvSpPr>
-            <a:spLocks noGrp="1"/>
-          </p:cNvSpPr>
-          <p:nvPr>
-            <p:ph type="dt" sz="half" idx="10"/>
-          </p:nvPr>
-        </p:nvSpPr>
-        <p:spPr/>
-        <p:txBody>
-          <a:bodyPr/>
-          <a:lstStyle/>
-          <a:p>
-            <a:fld id="{44E55408-4E64-184E-A974-20262AF63A0C}" type="datetimeFigureOut">
-              <a:rPr lang="en-US" smtClean="0"/>
-              <a:t>20/07/15</a:t>
-            </a:fld>
-            <a:endParaRPr lang="en-US"/>
-          </a:p>
-        </p:txBody>
-      </p:sp>
-      <p:sp>
-        <p:nvSpPr>
-          <p:cNvPr id="6" name="Footer Placeholder 5"/>
-          <p:cNvSpPr>
-            <a:spLocks noGrp="1"/>
-          </p:cNvSpPr>
-          <p:nvPr>
-            <p:ph type="ftr" sz="quarter" idx="11"/>
-          </p:nvPr>
-        </p:nvSpPr>
-        <p:spPr/>
-        <p:txBody>
-          <a:bodyPr/>
-          <a:lstStyle/>
-          <a:p>
-            <a:endParaRPr lang="en-US"/>
+            <a:endParaRPr lang="en-US" dirty="0"/>
           </a:p>
         </p:txBody>
       </p:sp>
@@ -8245,6 +2939,11 @@
         </p:txBody>
       </p:sp>
     </p:spTree>
+    <p:extLst>
+      <p:ext uri="{BB962C8B-B14F-4D97-AF65-F5344CB8AC3E}">
+        <p14:creationId xmlns:p14="http://schemas.microsoft.com/office/powerpoint/2010/main" val="2676030547"/>
+      </p:ext>
+    </p:extLst>
   </p:cSld>
   <p:clrMapOvr>
     <a:masterClrMapping/>
@@ -8252,8 +2951,8 @@
 </p:sldLayout>
 </file>
 
-<file path=ppt/slideLayouts/slideLayout7.xml><?xml version="1.0" encoding="utf-8"?>
-<p:sldLayout xmlns:a="http://schemas.openxmlformats.org/drawingml/2006/main" xmlns:r="http://schemas.openxmlformats.org/officeDocument/2006/relationships" xmlns:p="http://schemas.openxmlformats.org/presentationml/2006/main" preserve="1">
+<file path=ppt/slideLayouts/slideLayout5.xml><?xml version="1.0" encoding="utf-8"?>
+<p:sldLayout xmlns:a="http://schemas.openxmlformats.org/drawingml/2006/main" xmlns:r="http://schemas.openxmlformats.org/officeDocument/2006/relationships" xmlns:p="http://schemas.openxmlformats.org/presentationml/2006/main" type="twoTxTwoObj" preserve="1">
   <p:cSld name="Comparison">
     <p:spTree>
       <p:nvGrpSpPr>
@@ -8271,88 +2970,6 @@
       </p:grpSpPr>
       <p:sp>
         <p:nvSpPr>
-          <p:cNvPr id="10" name="Rectangle 9"/>
-          <p:cNvSpPr/>
-          <p:nvPr/>
-        </p:nvSpPr>
-        <p:spPr>
-          <a:xfrm>
-            <a:off x="8166847" y="282574"/>
-            <a:ext cx="685800" cy="1600200"/>
-          </a:xfrm>
-          <a:prstGeom prst="rect">
-            <a:avLst/>
-          </a:prstGeom>
-          <a:solidFill>
-            <a:schemeClr val="accent1"/>
-          </a:solidFill>
-          <a:ln>
-            <a:noFill/>
-          </a:ln>
-        </p:spPr>
-        <p:style>
-          <a:lnRef idx="2">
-            <a:schemeClr val="accent1">
-              <a:shade val="50000"/>
-            </a:schemeClr>
-          </a:lnRef>
-          <a:fillRef idx="1">
-            <a:schemeClr val="accent1"/>
-          </a:fillRef>
-          <a:effectRef idx="0">
-            <a:schemeClr val="accent1"/>
-          </a:effectRef>
-          <a:fontRef idx="minor">
-            <a:schemeClr val="lt1"/>
-          </a:fontRef>
-        </p:style>
-        <p:txBody>
-          <a:bodyPr rtlCol="0" anchor="ctr"/>
-          <a:lstStyle/>
-          <a:p>
-            <a:pPr algn="ctr"/>
-            <a:endParaRPr/>
-          </a:p>
-        </p:txBody>
-      </p:sp>
-      <p:sp>
-        <p:nvSpPr>
-          <p:cNvPr id="12" name="TextBox 11"/>
-          <p:cNvSpPr txBox="1"/>
-          <p:nvPr/>
-        </p:nvSpPr>
-        <p:spPr>
-          <a:xfrm>
-            <a:off x="223185" y="228600"/>
-            <a:ext cx="260909" cy="553998"/>
-          </a:xfrm>
-          <a:prstGeom prst="rect">
-            <a:avLst/>
-          </a:prstGeom>
-          <a:noFill/>
-        </p:spPr>
-        <p:txBody>
-          <a:bodyPr wrap="square" lIns="0" tIns="0" rIns="0" bIns="0" rtlCol="0">
-            <a:spAutoFit/>
-          </a:bodyPr>
-          <a:lstStyle/>
-          <a:p>
-            <a:r>
-              <a:rPr sz="3600" b="1">
-                <a:solidFill>
-                  <a:schemeClr val="accent1">
-                    <a:lumMod val="60000"/>
-                    <a:lumOff val="40000"/>
-                  </a:schemeClr>
-                </a:solidFill>
-              </a:rPr>
-              <a:t>+</a:t>
-            </a:r>
-          </a:p>
-        </p:txBody>
-      </p:sp>
-      <p:sp>
-        <p:nvSpPr>
           <p:cNvPr id="2" name="Title 1"/>
           <p:cNvSpPr>
             <a:spLocks noGrp="1"/>
@@ -8374,286 +2991,34 @@
               <a:rPr lang="en-AU" smtClean="0"/>
               <a:t>Click to edit Master title style</a:t>
             </a:r>
-            <a:endParaRPr/>
-          </a:p>
-        </p:txBody>
-      </p:sp>
-      <p:sp>
-        <p:nvSpPr>
-          <p:cNvPr id="4" name="Content Placeholder 3"/>
-          <p:cNvSpPr>
-            <a:spLocks noGrp="1"/>
-          </p:cNvSpPr>
-          <p:nvPr>
-            <p:ph sz="half" idx="2"/>
+            <a:endParaRPr lang="en-US"/>
+          </a:p>
+        </p:txBody>
+      </p:sp>
+      <p:sp>
+        <p:nvSpPr>
+          <p:cNvPr id="3" name="Text Placeholder 2"/>
+          <p:cNvSpPr>
+            <a:spLocks noGrp="1"/>
+          </p:cNvSpPr>
+          <p:nvPr>
+            <p:ph type="body" idx="1"/>
           </p:nvPr>
         </p:nvSpPr>
         <p:spPr>
           <a:xfrm>
-            <a:off x="497541" y="2447365"/>
-            <a:ext cx="3657600" cy="3678797"/>
+            <a:off x="457200" y="1151335"/>
+            <a:ext cx="4040188" cy="479822"/>
           </a:xfrm>
         </p:spPr>
         <p:txBody>
-          <a:bodyPr>
-            <a:normAutofit/>
-          </a:bodyPr>
-          <a:lstStyle>
-            <a:lvl1pPr>
-              <a:defRPr sz="1800"/>
-            </a:lvl1pPr>
-            <a:lvl2pPr>
-              <a:defRPr sz="1800"/>
-            </a:lvl2pPr>
-            <a:lvl3pPr>
-              <a:defRPr sz="1800"/>
-            </a:lvl3pPr>
-            <a:lvl4pPr>
-              <a:defRPr sz="1800"/>
-            </a:lvl4pPr>
-            <a:lvl5pPr>
-              <a:defRPr sz="1800"/>
-            </a:lvl5pPr>
-            <a:lvl6pPr>
-              <a:defRPr sz="1600"/>
-            </a:lvl6pPr>
-            <a:lvl7pPr>
-              <a:defRPr sz="1600"/>
-            </a:lvl7pPr>
-            <a:lvl8pPr>
-              <a:defRPr sz="1600"/>
-            </a:lvl8pPr>
-            <a:lvl9pPr>
-              <a:defRPr sz="1600"/>
-            </a:lvl9pPr>
-          </a:lstStyle>
-          <a:p>
-            <a:pPr lvl="0"/>
-            <a:r>
-              <a:rPr lang="en-AU" smtClean="0"/>
-              <a:t>Click to edit Master text styles</a:t>
-            </a:r>
-          </a:p>
-          <a:p>
-            <a:pPr lvl="1"/>
-            <a:r>
-              <a:rPr lang="en-AU" smtClean="0"/>
-              <a:t>Second level</a:t>
-            </a:r>
-          </a:p>
-          <a:p>
-            <a:pPr lvl="2"/>
-            <a:r>
-              <a:rPr lang="en-AU" smtClean="0"/>
-              <a:t>Third level</a:t>
-            </a:r>
-          </a:p>
-          <a:p>
-            <a:pPr lvl="3"/>
-            <a:r>
-              <a:rPr lang="en-AU" smtClean="0"/>
-              <a:t>Fourth level</a:t>
-            </a:r>
-          </a:p>
-          <a:p>
-            <a:pPr lvl="4"/>
-            <a:r>
-              <a:rPr lang="en-AU" smtClean="0"/>
-              <a:t>Fifth level</a:t>
-            </a:r>
-            <a:endParaRPr dirty="0"/>
-          </a:p>
-        </p:txBody>
-      </p:sp>
-      <p:sp>
-        <p:nvSpPr>
-          <p:cNvPr id="6" name="Content Placeholder 5"/>
-          <p:cNvSpPr>
-            <a:spLocks noGrp="1"/>
-          </p:cNvSpPr>
-          <p:nvPr>
-            <p:ph sz="quarter" idx="4"/>
-          </p:nvPr>
-        </p:nvSpPr>
-        <p:spPr>
-          <a:xfrm>
-            <a:off x="4399878" y="2447365"/>
-            <a:ext cx="3657600" cy="3678797"/>
-          </a:xfrm>
-        </p:spPr>
-        <p:txBody>
-          <a:bodyPr>
-            <a:normAutofit/>
-          </a:bodyPr>
-          <a:lstStyle>
-            <a:lvl1pPr>
-              <a:defRPr sz="1800"/>
-            </a:lvl1pPr>
-            <a:lvl2pPr>
-              <a:defRPr sz="1800"/>
-            </a:lvl2pPr>
-            <a:lvl3pPr>
-              <a:defRPr sz="1800"/>
-            </a:lvl3pPr>
-            <a:lvl4pPr>
-              <a:defRPr sz="1800"/>
-            </a:lvl4pPr>
-            <a:lvl5pPr>
-              <a:defRPr sz="1800"/>
-            </a:lvl5pPr>
-            <a:lvl6pPr>
-              <a:defRPr sz="1600"/>
-            </a:lvl6pPr>
-            <a:lvl7pPr>
-              <a:defRPr sz="1600"/>
-            </a:lvl7pPr>
-            <a:lvl8pPr>
-              <a:defRPr sz="1600"/>
-            </a:lvl8pPr>
-            <a:lvl9pPr>
-              <a:defRPr sz="1600"/>
-            </a:lvl9pPr>
-          </a:lstStyle>
-          <a:p>
-            <a:pPr lvl="0"/>
-            <a:r>
-              <a:rPr lang="en-AU" smtClean="0"/>
-              <a:t>Click to edit Master text styles</a:t>
-            </a:r>
-          </a:p>
-          <a:p>
-            <a:pPr lvl="1"/>
-            <a:r>
-              <a:rPr lang="en-AU" smtClean="0"/>
-              <a:t>Second level</a:t>
-            </a:r>
-          </a:p>
-          <a:p>
-            <a:pPr lvl="2"/>
-            <a:r>
-              <a:rPr lang="en-AU" smtClean="0"/>
-              <a:t>Third level</a:t>
-            </a:r>
-          </a:p>
-          <a:p>
-            <a:pPr lvl="3"/>
-            <a:r>
-              <a:rPr lang="en-AU" smtClean="0"/>
-              <a:t>Fourth level</a:t>
-            </a:r>
-          </a:p>
-          <a:p>
-            <a:pPr lvl="4"/>
-            <a:r>
-              <a:rPr lang="en-AU" smtClean="0"/>
-              <a:t>Fifth level</a:t>
-            </a:r>
-            <a:endParaRPr dirty="0"/>
-          </a:p>
-        </p:txBody>
-      </p:sp>
-      <p:sp>
-        <p:nvSpPr>
-          <p:cNvPr id="7" name="Date Placeholder 6"/>
-          <p:cNvSpPr>
-            <a:spLocks noGrp="1"/>
-          </p:cNvSpPr>
-          <p:nvPr>
-            <p:ph type="dt" sz="half" idx="10"/>
-          </p:nvPr>
-        </p:nvSpPr>
-        <p:spPr/>
-        <p:txBody>
-          <a:bodyPr/>
-          <a:lstStyle/>
-          <a:p>
-            <a:fld id="{44E55408-4E64-184E-A974-20262AF63A0C}" type="datetimeFigureOut">
-              <a:rPr lang="en-US" smtClean="0"/>
-              <a:t>20/07/15</a:t>
-            </a:fld>
-            <a:endParaRPr lang="en-US"/>
-          </a:p>
-        </p:txBody>
-      </p:sp>
-      <p:sp>
-        <p:nvSpPr>
-          <p:cNvPr id="8" name="Footer Placeholder 7"/>
-          <p:cNvSpPr>
-            <a:spLocks noGrp="1"/>
-          </p:cNvSpPr>
-          <p:nvPr>
-            <p:ph type="ftr" sz="quarter" idx="11"/>
-          </p:nvPr>
-        </p:nvSpPr>
-        <p:spPr/>
-        <p:txBody>
-          <a:bodyPr/>
-          <a:lstStyle/>
-          <a:p>
-            <a:endParaRPr lang="en-US"/>
-          </a:p>
-        </p:txBody>
-      </p:sp>
-      <p:sp>
-        <p:nvSpPr>
-          <p:cNvPr id="9" name="Slide Number Placeholder 8"/>
-          <p:cNvSpPr>
-            <a:spLocks noGrp="1"/>
-          </p:cNvSpPr>
-          <p:nvPr>
-            <p:ph type="sldNum" sz="quarter" idx="12"/>
-          </p:nvPr>
-        </p:nvSpPr>
-        <p:spPr/>
-        <p:txBody>
-          <a:bodyPr/>
-          <a:lstStyle/>
-          <a:p>
-            <a:fld id="{AE08B4A2-C56F-4F4C-BC5D-010CB3749170}" type="slidenum">
-              <a:rPr lang="en-US" smtClean="0"/>
-              <a:t>‹#›</a:t>
-            </a:fld>
-            <a:endParaRPr lang="en-US"/>
-          </a:p>
-        </p:txBody>
-      </p:sp>
-      <p:sp>
-        <p:nvSpPr>
-          <p:cNvPr id="3" name="Text Placeholder 2"/>
-          <p:cNvSpPr>
-            <a:spLocks noGrp="1"/>
-          </p:cNvSpPr>
-          <p:nvPr>
-            <p:ph type="body" idx="1"/>
-          </p:nvPr>
-        </p:nvSpPr>
-        <p:spPr>
-          <a:xfrm>
-            <a:off x="497541" y="2070847"/>
-            <a:ext cx="3657600" cy="322729"/>
-          </a:xfrm>
-          <a:prstGeom prst="rect">
-            <a:avLst/>
-          </a:prstGeom>
-          <a:solidFill>
-            <a:schemeClr val="accent3"/>
-          </a:solidFill>
-        </p:spPr>
-        <p:txBody>
-          <a:bodyPr tIns="0" bIns="0" anchor="ctr" anchorCtr="0">
+          <a:bodyPr anchor="b">
             <a:noAutofit/>
           </a:bodyPr>
           <a:lstStyle>
-            <a:lvl1pPr marL="0" indent="0" algn="ctr">
-              <a:spcBef>
-                <a:spcPts val="0"/>
-              </a:spcBef>
+            <a:lvl1pPr marL="0" indent="0">
               <a:buNone/>
-              <a:defRPr sz="1800" b="0">
-                <a:solidFill>
-                  <a:schemeClr val="bg1"/>
-                </a:solidFill>
-              </a:defRPr>
+              <a:defRPr sz="2400" b="1"/>
             </a:lvl1pPr>
             <a:lvl2pPr marL="457200" indent="0">
               <a:buNone/>
@@ -8699,44 +3064,113 @@
       </p:sp>
       <p:sp>
         <p:nvSpPr>
-          <p:cNvPr id="5" name="Text Placeholder 4"/>
-          <p:cNvSpPr>
-            <a:spLocks noGrp="1"/>
-          </p:cNvSpPr>
-          <p:nvPr>
-            <p:ph type="body" sz="quarter" idx="3"/>
+          <p:cNvPr id="4" name="Content Placeholder 3"/>
+          <p:cNvSpPr>
+            <a:spLocks noGrp="1"/>
+          </p:cNvSpPr>
+          <p:nvPr>
+            <p:ph sz="half" idx="2"/>
           </p:nvPr>
         </p:nvSpPr>
         <p:spPr>
           <a:xfrm>
-            <a:off x="4399878" y="2070847"/>
-            <a:ext cx="3657600" cy="322729"/>
+            <a:off x="457200" y="1631156"/>
+            <a:ext cx="4040188" cy="2963466"/>
           </a:xfrm>
-          <a:prstGeom prst="rect">
-            <a:avLst/>
-          </a:prstGeom>
-          <a:solidFill>
-            <a:schemeClr val="accent3">
-              <a:lumMod val="60000"/>
-              <a:lumOff val="40000"/>
-            </a:schemeClr>
-          </a:solidFill>
         </p:spPr>
         <p:txBody>
-          <a:bodyPr tIns="0" bIns="0" anchor="ctr" anchorCtr="0">
+          <a:bodyPr/>
+          <a:lstStyle>
+            <a:lvl1pPr>
+              <a:defRPr sz="2400"/>
+            </a:lvl1pPr>
+            <a:lvl2pPr>
+              <a:defRPr sz="2000"/>
+            </a:lvl2pPr>
+            <a:lvl3pPr>
+              <a:defRPr sz="1800"/>
+            </a:lvl3pPr>
+            <a:lvl4pPr>
+              <a:defRPr sz="1600"/>
+            </a:lvl4pPr>
+            <a:lvl5pPr>
+              <a:defRPr sz="1600"/>
+            </a:lvl5pPr>
+            <a:lvl6pPr>
+              <a:defRPr sz="1600"/>
+            </a:lvl6pPr>
+            <a:lvl7pPr>
+              <a:defRPr sz="1600"/>
+            </a:lvl7pPr>
+            <a:lvl8pPr>
+              <a:defRPr sz="1600"/>
+            </a:lvl8pPr>
+            <a:lvl9pPr>
+              <a:defRPr sz="1600"/>
+            </a:lvl9pPr>
+          </a:lstStyle>
+          <a:p>
+            <a:pPr lvl="0"/>
+            <a:r>
+              <a:rPr lang="en-AU" smtClean="0"/>
+              <a:t>Click to edit Master text styles</a:t>
+            </a:r>
+          </a:p>
+          <a:p>
+            <a:pPr lvl="1"/>
+            <a:r>
+              <a:rPr lang="en-AU" smtClean="0"/>
+              <a:t>Second level</a:t>
+            </a:r>
+          </a:p>
+          <a:p>
+            <a:pPr lvl="2"/>
+            <a:r>
+              <a:rPr lang="en-AU" smtClean="0"/>
+              <a:t>Third level</a:t>
+            </a:r>
+          </a:p>
+          <a:p>
+            <a:pPr lvl="3"/>
+            <a:r>
+              <a:rPr lang="en-AU" smtClean="0"/>
+              <a:t>Fourth level</a:t>
+            </a:r>
+          </a:p>
+          <a:p>
+            <a:pPr lvl="4"/>
+            <a:r>
+              <a:rPr lang="en-AU" smtClean="0"/>
+              <a:t>Fifth level</a:t>
+            </a:r>
+            <a:endParaRPr lang="en-US" dirty="0"/>
+          </a:p>
+        </p:txBody>
+      </p:sp>
+      <p:sp>
+        <p:nvSpPr>
+          <p:cNvPr id="5" name="Text Placeholder 4"/>
+          <p:cNvSpPr>
+            <a:spLocks noGrp="1"/>
+          </p:cNvSpPr>
+          <p:nvPr>
+            <p:ph type="body" sz="quarter" idx="3"/>
+          </p:nvPr>
+        </p:nvSpPr>
+        <p:spPr>
+          <a:xfrm>
+            <a:off x="4645028" y="1151335"/>
+            <a:ext cx="4041775" cy="479822"/>
+          </a:xfrm>
+        </p:spPr>
+        <p:txBody>
+          <a:bodyPr anchor="b">
             <a:noAutofit/>
           </a:bodyPr>
           <a:lstStyle>
-            <a:lvl1pPr marL="0" indent="0" algn="ctr">
-              <a:spcBef>
-                <a:spcPts val="0"/>
-              </a:spcBef>
+            <a:lvl1pPr marL="0" indent="0">
               <a:buNone/>
-              <a:defRPr sz="1800" b="0">
-                <a:solidFill>
-                  <a:schemeClr val="bg1"/>
-                </a:solidFill>
-              </a:defRPr>
+              <a:defRPr sz="2400" b="1"/>
             </a:lvl1pPr>
             <a:lvl2pPr marL="457200" indent="0">
               <a:buNone/>
@@ -8780,7 +3214,120 @@
           </a:p>
         </p:txBody>
       </p:sp>
+      <p:sp>
+        <p:nvSpPr>
+          <p:cNvPr id="6" name="Content Placeholder 5"/>
+          <p:cNvSpPr>
+            <a:spLocks noGrp="1"/>
+          </p:cNvSpPr>
+          <p:nvPr>
+            <p:ph sz="quarter" idx="4"/>
+          </p:nvPr>
+        </p:nvSpPr>
+        <p:spPr>
+          <a:xfrm>
+            <a:off x="4645028" y="1631156"/>
+            <a:ext cx="4041775" cy="2963466"/>
+          </a:xfrm>
+        </p:spPr>
+        <p:txBody>
+          <a:bodyPr/>
+          <a:lstStyle>
+            <a:lvl1pPr>
+              <a:defRPr sz="2400"/>
+            </a:lvl1pPr>
+            <a:lvl2pPr>
+              <a:defRPr sz="2000"/>
+            </a:lvl2pPr>
+            <a:lvl3pPr>
+              <a:defRPr sz="1800"/>
+            </a:lvl3pPr>
+            <a:lvl4pPr>
+              <a:defRPr sz="1600"/>
+            </a:lvl4pPr>
+            <a:lvl5pPr>
+              <a:defRPr sz="1600"/>
+            </a:lvl5pPr>
+            <a:lvl6pPr>
+              <a:defRPr sz="1600"/>
+            </a:lvl6pPr>
+            <a:lvl7pPr>
+              <a:defRPr sz="1600"/>
+            </a:lvl7pPr>
+            <a:lvl8pPr>
+              <a:defRPr sz="1600"/>
+            </a:lvl8pPr>
+            <a:lvl9pPr>
+              <a:defRPr sz="1600"/>
+            </a:lvl9pPr>
+          </a:lstStyle>
+          <a:p>
+            <a:pPr lvl="0"/>
+            <a:r>
+              <a:rPr lang="en-AU" smtClean="0"/>
+              <a:t>Click to edit Master text styles</a:t>
+            </a:r>
+          </a:p>
+          <a:p>
+            <a:pPr lvl="1"/>
+            <a:r>
+              <a:rPr lang="en-AU" smtClean="0"/>
+              <a:t>Second level</a:t>
+            </a:r>
+          </a:p>
+          <a:p>
+            <a:pPr lvl="2"/>
+            <a:r>
+              <a:rPr lang="en-AU" smtClean="0"/>
+              <a:t>Third level</a:t>
+            </a:r>
+          </a:p>
+          <a:p>
+            <a:pPr lvl="3"/>
+            <a:r>
+              <a:rPr lang="en-AU" smtClean="0"/>
+              <a:t>Fourth level</a:t>
+            </a:r>
+          </a:p>
+          <a:p>
+            <a:pPr lvl="4"/>
+            <a:r>
+              <a:rPr lang="en-AU" smtClean="0"/>
+              <a:t>Fifth level</a:t>
+            </a:r>
+            <a:endParaRPr lang="en-US" dirty="0"/>
+          </a:p>
+        </p:txBody>
+      </p:sp>
+      <p:sp>
+        <p:nvSpPr>
+          <p:cNvPr id="9" name="Slide Number Placeholder 8"/>
+          <p:cNvSpPr>
+            <a:spLocks noGrp="1"/>
+          </p:cNvSpPr>
+          <p:nvPr>
+            <p:ph type="sldNum" sz="quarter" idx="12"/>
+          </p:nvPr>
+        </p:nvSpPr>
+        <p:spPr/>
+        <p:txBody>
+          <a:bodyPr/>
+          <a:lstStyle/>
+          <a:p>
+            <a:fld id="{AE08B4A2-C56F-4F4C-BC5D-010CB3749170}" type="slidenum">
+              <a:rPr lang="en-US" smtClean="0"/>
+              <a:t>‹#›</a:t>
+            </a:fld>
+            <a:endParaRPr lang="en-US"/>
+          </a:p>
+        </p:txBody>
+      </p:sp>
     </p:spTree>
+    <p:extLst>
+      <p:ext uri="{BB962C8B-B14F-4D97-AF65-F5344CB8AC3E}">
+        <p14:creationId xmlns:p14="http://schemas.microsoft.com/office/powerpoint/2010/main" val="2123598493"/>
+      </p:ext>
+    </p:extLst>
   </p:cSld>
   <p:clrMapOvr>
     <a:masterClrMapping/>
@@ -8788,9 +3335,9 @@
 </p:sldLayout>
 </file>
 
-<file path=ppt/slideLayouts/slideLayout8.xml><?xml version="1.0" encoding="utf-8"?>
-<p:sldLayout xmlns:a="http://schemas.openxmlformats.org/drawingml/2006/main" xmlns:r="http://schemas.openxmlformats.org/officeDocument/2006/relationships" xmlns:p="http://schemas.openxmlformats.org/presentationml/2006/main" preserve="1">
-  <p:cSld name="2 Content, Top and Bottom">
+<file path=ppt/slideLayouts/slideLayout6.xml><?xml version="1.0" encoding="utf-8"?>
+<p:sldLayout xmlns:a="http://schemas.openxmlformats.org/drawingml/2006/main" xmlns:r="http://schemas.openxmlformats.org/officeDocument/2006/relationships" xmlns:p="http://schemas.openxmlformats.org/presentationml/2006/main" type="titleOnly" preserve="1">
+  <p:cSld name="Title Only">
     <p:spTree>
       <p:nvGrpSpPr>
         <p:cNvPr id="1" name=""/>
@@ -8807,42 +3354,6 @@
       </p:grpSpPr>
       <p:sp>
         <p:nvSpPr>
-          <p:cNvPr id="10" name="TextBox 9"/>
-          <p:cNvSpPr txBox="1"/>
-          <p:nvPr/>
-        </p:nvSpPr>
-        <p:spPr>
-          <a:xfrm>
-            <a:off x="223185" y="228600"/>
-            <a:ext cx="260909" cy="553998"/>
-          </a:xfrm>
-          <a:prstGeom prst="rect">
-            <a:avLst/>
-          </a:prstGeom>
-          <a:noFill/>
-        </p:spPr>
-        <p:txBody>
-          <a:bodyPr wrap="square" lIns="0" tIns="0" rIns="0" bIns="0" rtlCol="0">
-            <a:spAutoFit/>
-          </a:bodyPr>
-          <a:lstStyle/>
-          <a:p>
-            <a:r>
-              <a:rPr sz="3600" b="1">
-                <a:solidFill>
-                  <a:schemeClr val="accent1">
-                    <a:lumMod val="60000"/>
-                    <a:lumOff val="40000"/>
-                  </a:schemeClr>
-                </a:solidFill>
-              </a:rPr>
-              <a:t>+</a:t>
-            </a:r>
-          </a:p>
-        </p:txBody>
-      </p:sp>
-      <p:sp>
-        <p:nvSpPr>
           <p:cNvPr id="2" name="Title 1"/>
           <p:cNvSpPr>
             <a:spLocks noGrp="1"/>
@@ -8860,288 +3371,21 @@
               <a:rPr lang="en-AU" smtClean="0"/>
               <a:t>Click to edit Master title style</a:t>
             </a:r>
-            <a:endParaRPr/>
-          </a:p>
-        </p:txBody>
-      </p:sp>
-      <p:sp>
-        <p:nvSpPr>
-          <p:cNvPr id="3" name="Content Placeholder 2"/>
-          <p:cNvSpPr>
-            <a:spLocks noGrp="1"/>
-          </p:cNvSpPr>
-          <p:nvPr>
-            <p:ph sz="half" idx="1"/>
-          </p:nvPr>
-        </p:nvSpPr>
-        <p:spPr>
-          <a:xfrm>
-            <a:off x="498517" y="1985963"/>
-            <a:ext cx="7569157" cy="1965960"/>
-          </a:xfrm>
-        </p:spPr>
-        <p:txBody>
-          <a:bodyPr>
-            <a:normAutofit/>
-          </a:bodyPr>
-          <a:lstStyle>
-            <a:lvl1pPr>
-              <a:defRPr sz="1800"/>
-            </a:lvl1pPr>
-            <a:lvl2pPr>
-              <a:defRPr sz="1800"/>
-            </a:lvl2pPr>
-            <a:lvl3pPr>
-              <a:defRPr sz="1800"/>
-            </a:lvl3pPr>
-            <a:lvl4pPr>
-              <a:defRPr sz="1800"/>
-            </a:lvl4pPr>
-            <a:lvl5pPr>
-              <a:defRPr sz="1800"/>
-            </a:lvl5pPr>
-            <a:lvl6pPr>
-              <a:defRPr sz="1800"/>
-            </a:lvl6pPr>
-            <a:lvl7pPr>
-              <a:defRPr sz="1800"/>
-            </a:lvl7pPr>
-            <a:lvl8pPr>
-              <a:defRPr sz="1800"/>
-            </a:lvl8pPr>
-            <a:lvl9pPr>
-              <a:defRPr sz="1800"/>
-            </a:lvl9pPr>
-          </a:lstStyle>
-          <a:p>
-            <a:pPr lvl="0"/>
-            <a:r>
-              <a:rPr lang="en-AU" smtClean="0"/>
-              <a:t>Click to edit Master text styles</a:t>
-            </a:r>
-          </a:p>
-          <a:p>
-            <a:pPr lvl="1"/>
-            <a:r>
-              <a:rPr lang="en-AU" smtClean="0"/>
-              <a:t>Second level</a:t>
-            </a:r>
-          </a:p>
-          <a:p>
-            <a:pPr lvl="2"/>
-            <a:r>
-              <a:rPr lang="en-AU" smtClean="0"/>
-              <a:t>Third level</a:t>
-            </a:r>
-          </a:p>
-          <a:p>
-            <a:pPr lvl="3"/>
-            <a:r>
-              <a:rPr lang="en-AU" smtClean="0"/>
-              <a:t>Fourth level</a:t>
-            </a:r>
-          </a:p>
-          <a:p>
-            <a:pPr lvl="4"/>
-            <a:r>
-              <a:rPr lang="en-AU" smtClean="0"/>
-              <a:t>Fifth level</a:t>
-            </a:r>
-            <a:endParaRPr dirty="0"/>
-          </a:p>
-        </p:txBody>
-      </p:sp>
-      <p:sp>
-        <p:nvSpPr>
-          <p:cNvPr id="5" name="Date Placeholder 4"/>
-          <p:cNvSpPr>
-            <a:spLocks noGrp="1"/>
-          </p:cNvSpPr>
-          <p:nvPr>
-            <p:ph type="dt" sz="half" idx="10"/>
+            <a:endParaRPr lang="en-US"/>
+          </a:p>
+        </p:txBody>
+      </p:sp>
+      <p:sp>
+        <p:nvSpPr>
+          <p:cNvPr id="5" name="Slide Number Placeholder 4"/>
+          <p:cNvSpPr>
+            <a:spLocks noGrp="1"/>
+          </p:cNvSpPr>
+          <p:nvPr>
+            <p:ph type="sldNum" sz="quarter" idx="12"/>
           </p:nvPr>
         </p:nvSpPr>
         <p:spPr/>
-        <p:txBody>
-          <a:bodyPr/>
-          <a:lstStyle/>
-          <a:p>
-            <a:fld id="{44E55408-4E64-184E-A974-20262AF63A0C}" type="datetimeFigureOut">
-              <a:rPr lang="en-US" smtClean="0"/>
-              <a:t>20/07/15</a:t>
-            </a:fld>
-            <a:endParaRPr lang="en-US"/>
-          </a:p>
-        </p:txBody>
-      </p:sp>
-      <p:sp>
-        <p:nvSpPr>
-          <p:cNvPr id="6" name="Footer Placeholder 5"/>
-          <p:cNvSpPr>
-            <a:spLocks noGrp="1"/>
-          </p:cNvSpPr>
-          <p:nvPr>
-            <p:ph type="ftr" sz="quarter" idx="11"/>
-          </p:nvPr>
-        </p:nvSpPr>
-        <p:spPr/>
-        <p:txBody>
-          <a:bodyPr/>
-          <a:lstStyle/>
-          <a:p>
-            <a:endParaRPr lang="en-US"/>
-          </a:p>
-        </p:txBody>
-      </p:sp>
-      <p:sp>
-        <p:nvSpPr>
-          <p:cNvPr id="13" name="Content Placeholder 2"/>
-          <p:cNvSpPr>
-            <a:spLocks noGrp="1"/>
-          </p:cNvSpPr>
-          <p:nvPr>
-            <p:ph sz="half" idx="14"/>
-          </p:nvPr>
-        </p:nvSpPr>
-        <p:spPr>
-          <a:xfrm>
-            <a:off x="498517" y="4164965"/>
-            <a:ext cx="7569157" cy="1965960"/>
-          </a:xfrm>
-        </p:spPr>
-        <p:txBody>
-          <a:bodyPr>
-            <a:normAutofit/>
-          </a:bodyPr>
-          <a:lstStyle>
-            <a:lvl1pPr>
-              <a:defRPr sz="1800"/>
-            </a:lvl1pPr>
-            <a:lvl2pPr>
-              <a:defRPr sz="1800"/>
-            </a:lvl2pPr>
-            <a:lvl3pPr>
-              <a:defRPr sz="1800"/>
-            </a:lvl3pPr>
-            <a:lvl4pPr>
-              <a:defRPr sz="1800"/>
-            </a:lvl4pPr>
-            <a:lvl5pPr>
-              <a:defRPr sz="1800"/>
-            </a:lvl5pPr>
-            <a:lvl6pPr>
-              <a:defRPr sz="1800"/>
-            </a:lvl6pPr>
-            <a:lvl7pPr>
-              <a:defRPr sz="1800"/>
-            </a:lvl7pPr>
-            <a:lvl8pPr>
-              <a:defRPr sz="1800"/>
-            </a:lvl8pPr>
-            <a:lvl9pPr>
-              <a:defRPr sz="1800"/>
-            </a:lvl9pPr>
-          </a:lstStyle>
-          <a:p>
-            <a:pPr lvl="0"/>
-            <a:r>
-              <a:rPr lang="en-AU" smtClean="0"/>
-              <a:t>Click to edit Master text styles</a:t>
-            </a:r>
-          </a:p>
-          <a:p>
-            <a:pPr lvl="1"/>
-            <a:r>
-              <a:rPr lang="en-AU" smtClean="0"/>
-              <a:t>Second level</a:t>
-            </a:r>
-          </a:p>
-          <a:p>
-            <a:pPr lvl="2"/>
-            <a:r>
-              <a:rPr lang="en-AU" smtClean="0"/>
-              <a:t>Third level</a:t>
-            </a:r>
-          </a:p>
-          <a:p>
-            <a:pPr lvl="3"/>
-            <a:r>
-              <a:rPr lang="en-AU" smtClean="0"/>
-              <a:t>Fourth level</a:t>
-            </a:r>
-          </a:p>
-          <a:p>
-            <a:pPr lvl="4"/>
-            <a:r>
-              <a:rPr lang="en-AU" smtClean="0"/>
-              <a:t>Fifth level</a:t>
-            </a:r>
-            <a:endParaRPr dirty="0"/>
-          </a:p>
-        </p:txBody>
-      </p:sp>
-      <p:sp>
-        <p:nvSpPr>
-          <p:cNvPr id="14" name="Rectangle 13"/>
-          <p:cNvSpPr/>
-          <p:nvPr/>
-        </p:nvSpPr>
-        <p:spPr>
-          <a:xfrm>
-            <a:off x="8166847" y="282574"/>
-            <a:ext cx="685800" cy="1600200"/>
-          </a:xfrm>
-          <a:prstGeom prst="rect">
-            <a:avLst/>
-          </a:prstGeom>
-          <a:solidFill>
-            <a:schemeClr val="accent1"/>
-          </a:solidFill>
-          <a:ln>
-            <a:noFill/>
-          </a:ln>
-        </p:spPr>
-        <p:style>
-          <a:lnRef idx="2">
-            <a:schemeClr val="accent1">
-              <a:shade val="50000"/>
-            </a:schemeClr>
-          </a:lnRef>
-          <a:fillRef idx="1">
-            <a:schemeClr val="accent1"/>
-          </a:fillRef>
-          <a:effectRef idx="0">
-            <a:schemeClr val="accent1"/>
-          </a:effectRef>
-          <a:fontRef idx="minor">
-            <a:schemeClr val="lt1"/>
-          </a:fontRef>
-        </p:style>
-        <p:txBody>
-          <a:bodyPr rtlCol="0" anchor="ctr"/>
-          <a:lstStyle/>
-          <a:p>
-            <a:pPr algn="ctr"/>
-            <a:endParaRPr/>
-          </a:p>
-        </p:txBody>
-      </p:sp>
-      <p:sp>
-        <p:nvSpPr>
-          <p:cNvPr id="15" name="Slide Number Placeholder 6"/>
-          <p:cNvSpPr>
-            <a:spLocks noGrp="1"/>
-          </p:cNvSpPr>
-          <p:nvPr>
-            <p:ph type="sldNum" sz="quarter" idx="12"/>
-          </p:nvPr>
-        </p:nvSpPr>
-        <p:spPr>
-          <a:xfrm>
-            <a:off x="8305800" y="242234"/>
-            <a:ext cx="554038" cy="365125"/>
-          </a:xfrm>
-        </p:spPr>
         <p:txBody>
           <a:bodyPr/>
           <a:lstStyle/>
@@ -9155,6 +3399,11 @@
         </p:txBody>
       </p:sp>
     </p:spTree>
+    <p:extLst>
+      <p:ext uri="{BB962C8B-B14F-4D97-AF65-F5344CB8AC3E}">
+        <p14:creationId xmlns:p14="http://schemas.microsoft.com/office/powerpoint/2010/main" val="2807113639"/>
+      </p:ext>
+    </p:extLst>
   </p:cSld>
   <p:clrMapOvr>
     <a:masterClrMapping/>
@@ -9162,9 +3411,9 @@
 </p:sldLayout>
 </file>
 
-<file path=ppt/slideLayouts/slideLayout9.xml><?xml version="1.0" encoding="utf-8"?>
-<p:sldLayout xmlns:a="http://schemas.openxmlformats.org/drawingml/2006/main" xmlns:r="http://schemas.openxmlformats.org/officeDocument/2006/relationships" xmlns:p="http://schemas.openxmlformats.org/presentationml/2006/main" preserve="1">
-  <p:cSld name="3 Content">
+<file path=ppt/slideLayouts/slideLayout7.xml><?xml version="1.0" encoding="utf-8"?>
+<p:sldLayout xmlns:a="http://schemas.openxmlformats.org/drawingml/2006/main" xmlns:r="http://schemas.openxmlformats.org/officeDocument/2006/relationships" xmlns:p="http://schemas.openxmlformats.org/presentationml/2006/main" type="blank" preserve="1">
+  <p:cSld name="Blank">
     <p:spTree>
       <p:nvGrpSpPr>
         <p:cNvPr id="1" name=""/>
@@ -9181,241 +3430,7 @@
       </p:grpSpPr>
       <p:sp>
         <p:nvSpPr>
-          <p:cNvPr id="8" name="Rectangle 7"/>
-          <p:cNvSpPr/>
-          <p:nvPr/>
-        </p:nvSpPr>
-        <p:spPr>
-          <a:xfrm>
-            <a:off x="8166847" y="282574"/>
-            <a:ext cx="685800" cy="1600200"/>
-          </a:xfrm>
-          <a:prstGeom prst="rect">
-            <a:avLst/>
-          </a:prstGeom>
-          <a:solidFill>
-            <a:schemeClr val="accent1"/>
-          </a:solidFill>
-          <a:ln>
-            <a:noFill/>
-          </a:ln>
-        </p:spPr>
-        <p:style>
-          <a:lnRef idx="2">
-            <a:schemeClr val="accent1">
-              <a:shade val="50000"/>
-            </a:schemeClr>
-          </a:lnRef>
-          <a:fillRef idx="1">
-            <a:schemeClr val="accent1"/>
-          </a:fillRef>
-          <a:effectRef idx="0">
-            <a:schemeClr val="accent1"/>
-          </a:effectRef>
-          <a:fontRef idx="minor">
-            <a:schemeClr val="lt1"/>
-          </a:fontRef>
-        </p:style>
-        <p:txBody>
-          <a:bodyPr rtlCol="0" anchor="ctr"/>
-          <a:lstStyle/>
-          <a:p>
-            <a:pPr algn="ctr"/>
-            <a:endParaRPr/>
-          </a:p>
-        </p:txBody>
-      </p:sp>
-      <p:sp>
-        <p:nvSpPr>
-          <p:cNvPr id="10" name="TextBox 9"/>
-          <p:cNvSpPr txBox="1"/>
-          <p:nvPr/>
-        </p:nvSpPr>
-        <p:spPr>
-          <a:xfrm>
-            <a:off x="223185" y="228600"/>
-            <a:ext cx="260909" cy="553998"/>
-          </a:xfrm>
-          <a:prstGeom prst="rect">
-            <a:avLst/>
-          </a:prstGeom>
-          <a:noFill/>
-        </p:spPr>
-        <p:txBody>
-          <a:bodyPr wrap="square" lIns="0" tIns="0" rIns="0" bIns="0" rtlCol="0">
-            <a:spAutoFit/>
-          </a:bodyPr>
-          <a:lstStyle/>
-          <a:p>
-            <a:r>
-              <a:rPr sz="3600" b="1">
-                <a:solidFill>
-                  <a:schemeClr val="accent1">
-                    <a:lumMod val="60000"/>
-                    <a:lumOff val="40000"/>
-                  </a:schemeClr>
-                </a:solidFill>
-              </a:rPr>
-              <a:t>+</a:t>
-            </a:r>
-          </a:p>
-        </p:txBody>
-      </p:sp>
-      <p:sp>
-        <p:nvSpPr>
-          <p:cNvPr id="2" name="Title 1"/>
-          <p:cNvSpPr>
-            <a:spLocks noGrp="1"/>
-          </p:cNvSpPr>
-          <p:nvPr>
-            <p:ph type="title"/>
-          </p:nvPr>
-        </p:nvSpPr>
-        <p:spPr/>
-        <p:txBody>
-          <a:bodyPr/>
-          <a:lstStyle/>
-          <a:p>
-            <a:r>
-              <a:rPr lang="en-AU" smtClean="0"/>
-              <a:t>Click to edit Master title style</a:t>
-            </a:r>
-            <a:endParaRPr/>
-          </a:p>
-        </p:txBody>
-      </p:sp>
-      <p:sp>
-        <p:nvSpPr>
-          <p:cNvPr id="3" name="Content Placeholder 2"/>
-          <p:cNvSpPr>
-            <a:spLocks noGrp="1"/>
-          </p:cNvSpPr>
-          <p:nvPr>
-            <p:ph sz="half" idx="1"/>
-          </p:nvPr>
-        </p:nvSpPr>
-        <p:spPr>
-          <a:xfrm>
-            <a:off x="4410075" y="1985963"/>
-            <a:ext cx="3657600" cy="1965960"/>
-          </a:xfrm>
-        </p:spPr>
-        <p:txBody>
-          <a:bodyPr>
-            <a:normAutofit/>
-          </a:bodyPr>
-          <a:lstStyle>
-            <a:lvl1pPr>
-              <a:defRPr sz="1800"/>
-            </a:lvl1pPr>
-            <a:lvl2pPr>
-              <a:defRPr sz="1800"/>
-            </a:lvl2pPr>
-            <a:lvl3pPr>
-              <a:defRPr sz="1800"/>
-            </a:lvl3pPr>
-            <a:lvl4pPr>
-              <a:defRPr sz="1800"/>
-            </a:lvl4pPr>
-            <a:lvl5pPr>
-              <a:defRPr sz="1800"/>
-            </a:lvl5pPr>
-            <a:lvl6pPr>
-              <a:defRPr sz="1800"/>
-            </a:lvl6pPr>
-            <a:lvl7pPr>
-              <a:defRPr sz="1800"/>
-            </a:lvl7pPr>
-            <a:lvl8pPr>
-              <a:defRPr sz="1800"/>
-            </a:lvl8pPr>
-            <a:lvl9pPr>
-              <a:defRPr sz="1800"/>
-            </a:lvl9pPr>
-          </a:lstStyle>
-          <a:p>
-            <a:pPr lvl="0"/>
-            <a:r>
-              <a:rPr lang="en-AU" smtClean="0"/>
-              <a:t>Click to edit Master text styles</a:t>
-            </a:r>
-          </a:p>
-          <a:p>
-            <a:pPr lvl="1"/>
-            <a:r>
-              <a:rPr lang="en-AU" smtClean="0"/>
-              <a:t>Second level</a:t>
-            </a:r>
-          </a:p>
-          <a:p>
-            <a:pPr lvl="2"/>
-            <a:r>
-              <a:rPr lang="en-AU" smtClean="0"/>
-              <a:t>Third level</a:t>
-            </a:r>
-          </a:p>
-          <a:p>
-            <a:pPr lvl="3"/>
-            <a:r>
-              <a:rPr lang="en-AU" smtClean="0"/>
-              <a:t>Fourth level</a:t>
-            </a:r>
-          </a:p>
-          <a:p>
-            <a:pPr lvl="4"/>
-            <a:r>
-              <a:rPr lang="en-AU" smtClean="0"/>
-              <a:t>Fifth level</a:t>
-            </a:r>
-            <a:endParaRPr dirty="0"/>
-          </a:p>
-        </p:txBody>
-      </p:sp>
-      <p:sp>
-        <p:nvSpPr>
-          <p:cNvPr id="5" name="Date Placeholder 4"/>
-          <p:cNvSpPr>
-            <a:spLocks noGrp="1"/>
-          </p:cNvSpPr>
-          <p:nvPr>
-            <p:ph type="dt" sz="half" idx="10"/>
-          </p:nvPr>
-        </p:nvSpPr>
-        <p:spPr/>
-        <p:txBody>
-          <a:bodyPr/>
-          <a:lstStyle/>
-          <a:p>
-            <a:fld id="{44E55408-4E64-184E-A974-20262AF63A0C}" type="datetimeFigureOut">
-              <a:rPr lang="en-US" smtClean="0"/>
-              <a:t>20/07/15</a:t>
-            </a:fld>
-            <a:endParaRPr lang="en-US"/>
-          </a:p>
-        </p:txBody>
-      </p:sp>
-      <p:sp>
-        <p:nvSpPr>
-          <p:cNvPr id="6" name="Footer Placeholder 5"/>
-          <p:cNvSpPr>
-            <a:spLocks noGrp="1"/>
-          </p:cNvSpPr>
-          <p:nvPr>
-            <p:ph type="ftr" sz="quarter" idx="11"/>
-          </p:nvPr>
-        </p:nvSpPr>
-        <p:spPr/>
-        <p:txBody>
-          <a:bodyPr/>
-          <a:lstStyle/>
-          <a:p>
-            <a:endParaRPr lang="en-US"/>
-          </a:p>
-        </p:txBody>
-      </p:sp>
-      <p:sp>
-        <p:nvSpPr>
-          <p:cNvPr id="7" name="Slide Number Placeholder 6"/>
+          <p:cNvPr id="4" name="Slide Number Placeholder 3"/>
           <p:cNvSpPr>
             <a:spLocks noGrp="1"/>
           </p:cNvSpPr>
@@ -9436,181 +3451,12 @@
           </a:p>
         </p:txBody>
       </p:sp>
-      <p:sp>
-        <p:nvSpPr>
-          <p:cNvPr id="11" name="Content Placeholder 2"/>
-          <p:cNvSpPr>
-            <a:spLocks noGrp="1"/>
-          </p:cNvSpPr>
-          <p:nvPr>
-            <p:ph sz="half" idx="15"/>
-          </p:nvPr>
-        </p:nvSpPr>
-        <p:spPr>
-          <a:xfrm>
-            <a:off x="498518" y="1985963"/>
-            <a:ext cx="3657600" cy="4140200"/>
-          </a:xfrm>
-        </p:spPr>
-        <p:txBody>
-          <a:bodyPr>
-            <a:normAutofit/>
-          </a:bodyPr>
-          <a:lstStyle>
-            <a:lvl1pPr>
-              <a:defRPr sz="1800"/>
-            </a:lvl1pPr>
-            <a:lvl2pPr>
-              <a:defRPr sz="1800"/>
-            </a:lvl2pPr>
-            <a:lvl3pPr>
-              <a:defRPr sz="1800"/>
-            </a:lvl3pPr>
-            <a:lvl4pPr>
-              <a:defRPr sz="1800"/>
-            </a:lvl4pPr>
-            <a:lvl5pPr>
-              <a:defRPr sz="1800"/>
-            </a:lvl5pPr>
-            <a:lvl6pPr>
-              <a:defRPr sz="1800"/>
-            </a:lvl6pPr>
-            <a:lvl7pPr>
-              <a:defRPr sz="1800"/>
-            </a:lvl7pPr>
-            <a:lvl8pPr>
-              <a:defRPr sz="1800"/>
-            </a:lvl8pPr>
-            <a:lvl9pPr>
-              <a:defRPr sz="1800"/>
-            </a:lvl9pPr>
-          </a:lstStyle>
-          <a:p>
-            <a:pPr lvl="0"/>
-            <a:r>
-              <a:rPr lang="en-AU" smtClean="0"/>
-              <a:t>Click to edit Master text styles</a:t>
-            </a:r>
-          </a:p>
-          <a:p>
-            <a:pPr lvl="1"/>
-            <a:r>
-              <a:rPr lang="en-AU" smtClean="0"/>
-              <a:t>Second level</a:t>
-            </a:r>
-          </a:p>
-          <a:p>
-            <a:pPr lvl="2"/>
-            <a:r>
-              <a:rPr lang="en-AU" smtClean="0"/>
-              <a:t>Third level</a:t>
-            </a:r>
-          </a:p>
-          <a:p>
-            <a:pPr lvl="3"/>
-            <a:r>
-              <a:rPr lang="en-AU" smtClean="0"/>
-              <a:t>Fourth level</a:t>
-            </a:r>
-          </a:p>
-          <a:p>
-            <a:pPr lvl="4"/>
-            <a:r>
-              <a:rPr lang="en-AU" smtClean="0"/>
-              <a:t>Fifth level</a:t>
-            </a:r>
-            <a:endParaRPr dirty="0"/>
-          </a:p>
-        </p:txBody>
-      </p:sp>
-      <p:sp>
-        <p:nvSpPr>
-          <p:cNvPr id="13" name="Content Placeholder 2"/>
-          <p:cNvSpPr>
-            <a:spLocks noGrp="1"/>
-          </p:cNvSpPr>
-          <p:nvPr>
-            <p:ph sz="half" idx="16"/>
-          </p:nvPr>
-        </p:nvSpPr>
-        <p:spPr>
-          <a:xfrm>
-            <a:off x="4410075" y="4169664"/>
-            <a:ext cx="3657600" cy="1965960"/>
-          </a:xfrm>
-        </p:spPr>
-        <p:txBody>
-          <a:bodyPr>
-            <a:normAutofit/>
-          </a:bodyPr>
-          <a:lstStyle>
-            <a:lvl1pPr>
-              <a:defRPr sz="1800"/>
-            </a:lvl1pPr>
-            <a:lvl2pPr>
-              <a:defRPr sz="1800"/>
-            </a:lvl2pPr>
-            <a:lvl3pPr>
-              <a:defRPr sz="1800"/>
-            </a:lvl3pPr>
-            <a:lvl4pPr>
-              <a:defRPr sz="1800"/>
-            </a:lvl4pPr>
-            <a:lvl5pPr>
-              <a:defRPr sz="1800"/>
-            </a:lvl5pPr>
-            <a:lvl6pPr>
-              <a:defRPr sz="1800"/>
-            </a:lvl6pPr>
-            <a:lvl7pPr>
-              <a:defRPr sz="1800"/>
-            </a:lvl7pPr>
-            <a:lvl8pPr>
-              <a:defRPr sz="1800"/>
-            </a:lvl8pPr>
-            <a:lvl9pPr>
-              <a:defRPr sz="1800"/>
-            </a:lvl9pPr>
-          </a:lstStyle>
-          <a:p>
-            <a:pPr lvl="0"/>
-            <a:r>
-              <a:rPr lang="en-AU" smtClean="0"/>
-              <a:t>Click to edit Master text styles</a:t>
-            </a:r>
-          </a:p>
-          <a:p>
-            <a:pPr lvl="1"/>
-            <a:r>
-              <a:rPr lang="en-AU" smtClean="0"/>
-              <a:t>Second level</a:t>
-            </a:r>
-          </a:p>
-          <a:p>
-            <a:pPr lvl="2"/>
-            <a:r>
-              <a:rPr lang="en-AU" smtClean="0"/>
-              <a:t>Third level</a:t>
-            </a:r>
-          </a:p>
-          <a:p>
-            <a:pPr lvl="3"/>
-            <a:r>
-              <a:rPr lang="en-AU" smtClean="0"/>
-              <a:t>Fourth level</a:t>
-            </a:r>
-          </a:p>
-          <a:p>
-            <a:pPr lvl="4"/>
-            <a:r>
-              <a:rPr lang="en-AU" smtClean="0"/>
-              <a:t>Fifth level</a:t>
-            </a:r>
-            <a:endParaRPr dirty="0"/>
-          </a:p>
-        </p:txBody>
-      </p:sp>
     </p:spTree>
+    <p:extLst>
+      <p:ext uri="{BB962C8B-B14F-4D97-AF65-F5344CB8AC3E}">
+        <p14:creationId xmlns:p14="http://schemas.microsoft.com/office/powerpoint/2010/main" val="633889771"/>
+      </p:ext>
+    </p:extLst>
   </p:cSld>
   <p:clrMapOvr>
     <a:masterClrMapping/>
@@ -9618,13 +3464,19 @@
 </p:sldLayout>
 </file>
 
-<file path=ppt/slideMasters/slideMaster1.xml><?xml version="1.0" encoding="utf-8"?>
-<p:sldMaster xmlns:a="http://schemas.openxmlformats.org/drawingml/2006/main" xmlns:r="http://schemas.openxmlformats.org/officeDocument/2006/relationships" xmlns:p="http://schemas.openxmlformats.org/presentationml/2006/main">
-  <p:cSld>
+<file path=ppt/slideLayouts/slideLayout8.xml><?xml version="1.0" encoding="utf-8"?>
+<p:sldLayout xmlns:a="http://schemas.openxmlformats.org/drawingml/2006/main" xmlns:r="http://schemas.openxmlformats.org/officeDocument/2006/relationships" xmlns:p="http://schemas.openxmlformats.org/presentationml/2006/main" preserve="1">
+  <p:cSld name="WorkMates">
     <p:bg>
-      <p:bgRef idx="1001">
-        <a:schemeClr val="bg1"/>
-      </p:bgRef>
+      <p:bgPr>
+        <a:blipFill rotWithShape="1">
+          <a:blip r:embed="rId2"/>
+          <a:stretch>
+            <a:fillRect/>
+          </a:stretch>
+        </a:blipFill>
+        <a:effectLst/>
+      </p:bgPr>
     </p:bg>
     <p:spTree>
       <p:nvGrpSpPr>
@@ -9640,6 +3492,95 @@
           <a:chExt cx="0" cy="0"/>
         </a:xfrm>
       </p:grpSpPr>
+    </p:spTree>
+    <p:extLst>
+      <p:ext uri="{BB962C8B-B14F-4D97-AF65-F5344CB8AC3E}">
+        <p14:creationId xmlns:p14="http://schemas.microsoft.com/office/powerpoint/2010/main" val="4169772182"/>
+      </p:ext>
+    </p:extLst>
+  </p:cSld>
+  <p:clrMapOvr>
+    <a:masterClrMapping/>
+  </p:clrMapOvr>
+  <p:timing>
+    <p:tnLst>
+      <p:par>
+        <p:cTn xmlns:p14="http://schemas.microsoft.com/office/powerpoint/2010/main" id="1" dur="indefinite" restart="never" nodeType="tmRoot"/>
+      </p:par>
+    </p:tnLst>
+  </p:timing>
+</p:sldLayout>
+</file>
+
+<file path=ppt/slideLayouts/slideLayout9.xml><?xml version="1.0" encoding="utf-8"?>
+<p:sldLayout xmlns:a="http://schemas.openxmlformats.org/drawingml/2006/main" xmlns:r="http://schemas.openxmlformats.org/officeDocument/2006/relationships" xmlns:p="http://schemas.openxmlformats.org/presentationml/2006/main" preserve="1">
+  <p:cSld name="QuestionTime">
+    <p:bg>
+      <p:bgPr>
+        <a:blipFill rotWithShape="1">
+          <a:blip r:embed="rId2"/>
+          <a:stretch>
+            <a:fillRect/>
+          </a:stretch>
+        </a:blipFill>
+        <a:effectLst/>
+      </p:bgPr>
+    </p:bg>
+    <p:spTree>
+      <p:nvGrpSpPr>
+        <p:cNvPr id="1" name=""/>
+        <p:cNvGrpSpPr/>
+        <p:nvPr/>
+      </p:nvGrpSpPr>
+      <p:grpSpPr>
+        <a:xfrm>
+          <a:off x="0" y="0"/>
+          <a:ext cx="0" cy="0"/>
+          <a:chOff x="0" y="0"/>
+          <a:chExt cx="0" cy="0"/>
+        </a:xfrm>
+      </p:grpSpPr>
+    </p:spTree>
+    <p:extLst>
+      <p:ext uri="{BB962C8B-B14F-4D97-AF65-F5344CB8AC3E}">
+        <p14:creationId xmlns:p14="http://schemas.microsoft.com/office/powerpoint/2010/main" val="1337714136"/>
+      </p:ext>
+    </p:extLst>
+  </p:cSld>
+  <p:clrMapOvr>
+    <a:masterClrMapping/>
+  </p:clrMapOvr>
+</p:sldLayout>
+</file>
+
+<file path=ppt/slideMasters/slideMaster1.xml><?xml version="1.0" encoding="utf-8"?>
+<p:sldMaster xmlns:a="http://schemas.openxmlformats.org/drawingml/2006/main" xmlns:r="http://schemas.openxmlformats.org/officeDocument/2006/relationships" xmlns:p="http://schemas.openxmlformats.org/presentationml/2006/main">
+  <p:cSld>
+    <p:bg>
+      <p:bgPr>
+        <a:blipFill rotWithShape="1">
+          <a:blip r:embed="rId12"/>
+          <a:stretch>
+            <a:fillRect/>
+          </a:stretch>
+        </a:blipFill>
+        <a:effectLst/>
+      </p:bgPr>
+    </p:bg>
+    <p:spTree>
+      <p:nvGrpSpPr>
+        <p:cNvPr id="1" name=""/>
+        <p:cNvGrpSpPr/>
+        <p:nvPr/>
+      </p:nvGrpSpPr>
+      <p:grpSpPr>
+        <a:xfrm>
+          <a:off x="0" y="0"/>
+          <a:ext cx="0" cy="0"/>
+          <a:chOff x="0" y="0"/>
+          <a:chExt cx="0" cy="0"/>
+        </a:xfrm>
+      </p:grpSpPr>
       <p:sp>
         <p:nvSpPr>
           <p:cNvPr id="2" name="Title Placeholder 1"/>
@@ -9652,16 +3593,16 @@
         </p:nvSpPr>
         <p:spPr>
           <a:xfrm>
-            <a:off x="498474" y="484094"/>
-            <a:ext cx="7556313" cy="1116106"/>
+            <a:off x="457200" y="205979"/>
+            <a:ext cx="8229600" cy="857250"/>
           </a:xfrm>
           <a:prstGeom prst="rect">
             <a:avLst/>
           </a:prstGeom>
         </p:spPr>
         <p:txBody>
-          <a:bodyPr vert="horz" lIns="91440" tIns="45720" rIns="91440" bIns="45720" rtlCol="0" anchor="t" anchorCtr="0">
-            <a:noAutofit/>
+          <a:bodyPr vert="horz" lIns="91440" tIns="45720" rIns="91440" bIns="45720" rtlCol="0" anchor="ctr">
+            <a:normAutofit/>
           </a:bodyPr>
           <a:lstStyle/>
           <a:p>
@@ -9669,7 +3610,7 @@
               <a:rPr lang="en-AU" smtClean="0"/>
               <a:t>Click to edit Master title style</a:t>
             </a:r>
-            <a:endParaRPr/>
+            <a:endParaRPr lang="en-US" dirty="0"/>
           </a:p>
         </p:txBody>
       </p:sp>
@@ -9685,8 +3626,8 @@
         </p:nvSpPr>
         <p:spPr>
           <a:xfrm>
-            <a:off x="498474" y="1981200"/>
-            <a:ext cx="7556313" cy="4144963"/>
+            <a:off x="457200" y="1200151"/>
+            <a:ext cx="8229600" cy="3394472"/>
           </a:xfrm>
           <a:prstGeom prst="rect">
             <a:avLst/>
@@ -9731,24 +3672,24 @@
               <a:rPr lang="en-AU" smtClean="0"/>
               <a:t>Fifth level</a:t>
             </a:r>
-            <a:endParaRPr dirty="0"/>
-          </a:p>
-        </p:txBody>
-      </p:sp>
-      <p:sp>
-        <p:nvSpPr>
-          <p:cNvPr id="4" name="Date Placeholder 3"/>
-          <p:cNvSpPr>
-            <a:spLocks noGrp="1"/>
-          </p:cNvSpPr>
-          <p:nvPr>
-            <p:ph type="dt" sz="half" idx="2"/>
+            <a:endParaRPr lang="en-US" dirty="0"/>
+          </a:p>
+        </p:txBody>
+      </p:sp>
+      <p:sp>
+        <p:nvSpPr>
+          <p:cNvPr id="6" name="Slide Number Placeholder 5"/>
+          <p:cNvSpPr>
+            <a:spLocks noGrp="1"/>
+          </p:cNvSpPr>
+          <p:nvPr>
+            <p:ph type="sldNum" sz="quarter" idx="4"/>
           </p:nvPr>
         </p:nvSpPr>
         <p:spPr>
           <a:xfrm>
-            <a:off x="6795247" y="6423585"/>
-            <a:ext cx="2133600" cy="365125"/>
+            <a:off x="6553200" y="4767264"/>
+            <a:ext cx="2133600" cy="273844"/>
           </a:xfrm>
           <a:prstGeom prst="rect">
             <a:avLst/>
@@ -9758,89 +3699,11 @@
           <a:bodyPr vert="horz" lIns="91440" tIns="45720" rIns="91440" bIns="45720" rtlCol="0" anchor="ctr"/>
           <a:lstStyle>
             <a:lvl1pPr algn="r">
-              <a:defRPr sz="1100">
+              <a:defRPr sz="1200">
                 <a:solidFill>
                   <a:schemeClr val="tx1">
-                    <a:lumMod val="65000"/>
-                    <a:lumOff val="35000"/>
+                    <a:tint val="75000"/>
                   </a:schemeClr>
-                </a:solidFill>
-              </a:defRPr>
-            </a:lvl1pPr>
-          </a:lstStyle>
-          <a:p>
-            <a:fld id="{44E55408-4E64-184E-A974-20262AF63A0C}" type="datetimeFigureOut">
-              <a:rPr lang="en-US" smtClean="0"/>
-              <a:t>20/07/15</a:t>
-            </a:fld>
-            <a:endParaRPr lang="en-US"/>
-          </a:p>
-        </p:txBody>
-      </p:sp>
-      <p:sp>
-        <p:nvSpPr>
-          <p:cNvPr id="5" name="Footer Placeholder 4"/>
-          <p:cNvSpPr>
-            <a:spLocks noGrp="1"/>
-          </p:cNvSpPr>
-          <p:nvPr>
-            <p:ph type="ftr" sz="quarter" idx="3"/>
-          </p:nvPr>
-        </p:nvSpPr>
-        <p:spPr>
-          <a:xfrm>
-            <a:off x="201706" y="6423585"/>
-            <a:ext cx="6122894" cy="365125"/>
-          </a:xfrm>
-          <a:prstGeom prst="rect">
-            <a:avLst/>
-          </a:prstGeom>
-        </p:spPr>
-        <p:txBody>
-          <a:bodyPr vert="horz" lIns="91440" tIns="45720" rIns="91440" bIns="45720" rtlCol="0" anchor="ctr"/>
-          <a:lstStyle>
-            <a:lvl1pPr algn="l">
-              <a:defRPr sz="1100">
-                <a:solidFill>
-                  <a:schemeClr val="tx1">
-                    <a:lumMod val="65000"/>
-                    <a:lumOff val="35000"/>
-                  </a:schemeClr>
-                </a:solidFill>
-              </a:defRPr>
-            </a:lvl1pPr>
-          </a:lstStyle>
-          <a:p>
-            <a:endParaRPr lang="en-US"/>
-          </a:p>
-        </p:txBody>
-      </p:sp>
-      <p:sp>
-        <p:nvSpPr>
-          <p:cNvPr id="6" name="Slide Number Placeholder 5"/>
-          <p:cNvSpPr>
-            <a:spLocks noGrp="1"/>
-          </p:cNvSpPr>
-          <p:nvPr>
-            <p:ph type="sldNum" sz="quarter" idx="4"/>
-          </p:nvPr>
-        </p:nvSpPr>
-        <p:spPr>
-          <a:xfrm>
-            <a:off x="8305800" y="242234"/>
-            <a:ext cx="554038" cy="365125"/>
-          </a:xfrm>
-          <a:prstGeom prst="rect">
-            <a:avLst/>
-          </a:prstGeom>
-        </p:spPr>
-        <p:txBody>
-          <a:bodyPr vert="horz" lIns="91440" tIns="45720" rIns="91440" bIns="45720" rtlCol="0" anchor="ctr"/>
-          <a:lstStyle>
-            <a:lvl1pPr algn="r">
-              <a:defRPr sz="1400">
-                <a:solidFill>
-                  <a:schemeClr val="bg1"/>
                 </a:solidFill>
               </a:defRPr>
             </a:lvl1pPr>
@@ -9855,40 +3718,35 @@
         </p:txBody>
       </p:sp>
     </p:spTree>
+    <p:extLst>
+      <p:ext uri="{BB962C8B-B14F-4D97-AF65-F5344CB8AC3E}">
+        <p14:creationId xmlns:p14="http://schemas.microsoft.com/office/powerpoint/2010/main" val="3311978069"/>
+      </p:ext>
+    </p:extLst>
   </p:cSld>
   <p:clrMap bg1="lt1" tx1="dk1" bg2="lt2" tx2="dk2" accent1="accent1" accent2="accent2" accent3="accent3" accent4="accent4" accent5="accent5" accent6="accent6" hlink="hlink" folHlink="folHlink"/>
   <p:sldLayoutIdLst>
-    <p:sldLayoutId id="2147483661" r:id="rId1"/>
-    <p:sldLayoutId id="2147483662" r:id="rId2"/>
-    <p:sldLayoutId id="2147483663" r:id="rId3"/>
-    <p:sldLayoutId id="2147483664" r:id="rId4"/>
-    <p:sldLayoutId id="2147483665" r:id="rId5"/>
-    <p:sldLayoutId id="2147483666" r:id="rId6"/>
-    <p:sldLayoutId id="2147483667" r:id="rId7"/>
-    <p:sldLayoutId id="2147483668" r:id="rId8"/>
-    <p:sldLayoutId id="2147483669" r:id="rId9"/>
-    <p:sldLayoutId id="2147483670" r:id="rId10"/>
-    <p:sldLayoutId id="2147483671" r:id="rId11"/>
-    <p:sldLayoutId id="2147483672" r:id="rId12"/>
-    <p:sldLayoutId id="2147483673" r:id="rId13"/>
-    <p:sldLayoutId id="2147483674" r:id="rId14"/>
-    <p:sldLayoutId id="2147483675" r:id="rId15"/>
-    <p:sldLayoutId id="2147483676" r:id="rId16"/>
-    <p:sldLayoutId id="2147483677" r:id="rId17"/>
-    <p:sldLayoutId id="2147483678" r:id="rId18"/>
-    <p:sldLayoutId id="2147483679" r:id="rId19"/>
-    <p:sldLayoutId id="2147483680" r:id="rId20"/>
+    <p:sldLayoutId id="2147483682" r:id="rId1"/>
+    <p:sldLayoutId id="2147483683" r:id="rId2"/>
+    <p:sldLayoutId id="2147483684" r:id="rId3"/>
+    <p:sldLayoutId id="2147483685" r:id="rId4"/>
+    <p:sldLayoutId id="2147483686" r:id="rId5"/>
+    <p:sldLayoutId id="2147483687" r:id="rId6"/>
+    <p:sldLayoutId id="2147483688" r:id="rId7"/>
+    <p:sldLayoutId id="2147483689" r:id="rId8"/>
+    <p:sldLayoutId id="2147483690" r:id="rId9"/>
+    <p:sldLayoutId id="2147483691" r:id="rId10"/>
   </p:sldLayoutIdLst>
   <p:txStyles>
     <p:titleStyle>
-      <a:lvl1pPr algn="l" defTabSz="914400" rtl="0" eaLnBrk="1" latinLnBrk="0" hangingPunct="1">
+      <a:lvl1pPr algn="ctr" defTabSz="457200" rtl="0" eaLnBrk="1" latinLnBrk="0" hangingPunct="1">
         <a:spcBef>
           <a:spcPct val="0"/>
         </a:spcBef>
         <a:buNone/>
-        <a:defRPr sz="3600" b="0" kern="1200">
+        <a:defRPr sz="3200" kern="1200">
           <a:solidFill>
-            <a:schemeClr val="accent1"/>
+            <a:schemeClr val="tx1"/>
           </a:solidFill>
           <a:latin typeface="+mj-lt"/>
           <a:ea typeface="+mj-ea"/>
@@ -9897,210 +3755,135 @@
       </a:lvl1pPr>
     </p:titleStyle>
     <p:bodyStyle>
-      <a:lvl1pPr marL="228600" indent="-228600" algn="l" defTabSz="914400" rtl="0" eaLnBrk="1" latinLnBrk="0" hangingPunct="1">
+      <a:lvl1pPr marL="342900" indent="-342900" algn="l" defTabSz="457200" rtl="0" eaLnBrk="1" latinLnBrk="0" hangingPunct="1">
         <a:spcBef>
-          <a:spcPts val="2000"/>
+          <a:spcPct val="20000"/>
         </a:spcBef>
-        <a:buClr>
-          <a:schemeClr val="accent1"/>
-        </a:buClr>
-        <a:buSzPct val="75000"/>
-        <a:buFont typeface="Wingdings" pitchFamily="2" charset="2"/>
-        <a:buChar char="n"/>
-        <a:defRPr sz="2000" kern="1200">
+        <a:buFont typeface="Arial"/>
+        <a:buChar char="•"/>
+        <a:defRPr sz="2400" kern="1200">
           <a:solidFill>
-            <a:schemeClr val="tx1">
-              <a:lumMod val="65000"/>
-              <a:lumOff val="35000"/>
-            </a:schemeClr>
+            <a:schemeClr val="tx1"/>
           </a:solidFill>
           <a:latin typeface="+mn-lt"/>
           <a:ea typeface="+mn-ea"/>
           <a:cs typeface="+mn-cs"/>
         </a:defRPr>
       </a:lvl1pPr>
-      <a:lvl2pPr marL="457200" indent="-228600" algn="l" defTabSz="914400" rtl="0" eaLnBrk="1" latinLnBrk="0" hangingPunct="1">
+      <a:lvl2pPr marL="742950" indent="-285750" algn="l" defTabSz="457200" rtl="0" eaLnBrk="1" latinLnBrk="0" hangingPunct="1">
         <a:spcBef>
-          <a:spcPts val="600"/>
+          <a:spcPct val="20000"/>
         </a:spcBef>
-        <a:buClr>
-          <a:schemeClr val="accent1">
-            <a:lumMod val="60000"/>
-            <a:lumOff val="40000"/>
-          </a:schemeClr>
-        </a:buClr>
-        <a:buSzPct val="75000"/>
-        <a:buFont typeface="Wingdings" pitchFamily="2" charset="2"/>
-        <a:buChar char="n"/>
-        <a:defRPr sz="1800" kern="1200">
+        <a:buFont typeface="Arial"/>
+        <a:buChar char="–"/>
+        <a:defRPr sz="2000" kern="1200">
           <a:solidFill>
-            <a:schemeClr val="tx1">
-              <a:lumMod val="65000"/>
-              <a:lumOff val="35000"/>
-            </a:schemeClr>
+            <a:schemeClr val="tx1"/>
           </a:solidFill>
           <a:latin typeface="+mn-lt"/>
           <a:ea typeface="+mn-ea"/>
           <a:cs typeface="+mn-cs"/>
         </a:defRPr>
       </a:lvl2pPr>
-      <a:lvl3pPr marL="685800" indent="-228600" algn="l" defTabSz="914400" rtl="0" eaLnBrk="1" latinLnBrk="0" hangingPunct="1">
+      <a:lvl3pPr marL="1143000" indent="-228600" algn="l" defTabSz="457200" rtl="0" eaLnBrk="1" latinLnBrk="0" hangingPunct="1">
         <a:spcBef>
-          <a:spcPts val="600"/>
+          <a:spcPct val="20000"/>
         </a:spcBef>
-        <a:buClr>
-          <a:schemeClr val="accent1"/>
-        </a:buClr>
-        <a:buSzPct val="75000"/>
-        <a:buFont typeface="Wingdings" pitchFamily="2" charset="2"/>
-        <a:buChar char="n"/>
+        <a:buFont typeface="Arial"/>
+        <a:buChar char="•"/>
         <a:defRPr sz="1800" kern="1200">
           <a:solidFill>
-            <a:schemeClr val="tx1">
-              <a:lumMod val="65000"/>
-              <a:lumOff val="35000"/>
-            </a:schemeClr>
+            <a:schemeClr val="tx1"/>
           </a:solidFill>
           <a:latin typeface="+mn-lt"/>
           <a:ea typeface="+mn-ea"/>
           <a:cs typeface="+mn-cs"/>
         </a:defRPr>
       </a:lvl3pPr>
-      <a:lvl4pPr marL="914400" indent="-228600" algn="l" defTabSz="914400" rtl="0" eaLnBrk="1" latinLnBrk="0" hangingPunct="1">
+      <a:lvl4pPr marL="1600200" indent="-228600" algn="l" defTabSz="457200" rtl="0" eaLnBrk="1" latinLnBrk="0" hangingPunct="1">
         <a:spcBef>
-          <a:spcPts val="600"/>
+          <a:spcPct val="20000"/>
         </a:spcBef>
-        <a:buClr>
-          <a:schemeClr val="accent1">
-            <a:lumMod val="60000"/>
-            <a:lumOff val="40000"/>
-          </a:schemeClr>
-        </a:buClr>
-        <a:buSzPct val="75000"/>
-        <a:buFont typeface="Wingdings" pitchFamily="2" charset="2"/>
-        <a:buChar char="n"/>
-        <a:defRPr sz="1800" kern="1200">
+        <a:buFont typeface="Arial"/>
+        <a:buChar char="–"/>
+        <a:defRPr sz="1600" kern="1200">
           <a:solidFill>
-            <a:schemeClr val="tx1">
-              <a:lumMod val="65000"/>
-              <a:lumOff val="35000"/>
-            </a:schemeClr>
+            <a:schemeClr val="tx1"/>
           </a:solidFill>
           <a:latin typeface="+mn-lt"/>
           <a:ea typeface="+mn-ea"/>
           <a:cs typeface="+mn-cs"/>
         </a:defRPr>
       </a:lvl4pPr>
-      <a:lvl5pPr marL="1143000" indent="-228600" algn="l" defTabSz="914400" rtl="0" eaLnBrk="1" latinLnBrk="0" hangingPunct="1">
+      <a:lvl5pPr marL="2057400" indent="-228600" algn="l" defTabSz="457200" rtl="0" eaLnBrk="1" latinLnBrk="0" hangingPunct="1">
         <a:spcBef>
-          <a:spcPts val="600"/>
+          <a:spcPct val="20000"/>
         </a:spcBef>
-        <a:buClr>
-          <a:schemeClr val="accent1"/>
-        </a:buClr>
-        <a:buSzPct val="75000"/>
-        <a:buFont typeface="Wingdings" pitchFamily="2" charset="2"/>
-        <a:buChar char="n"/>
-        <a:defRPr sz="1800" kern="1200">
+        <a:buFont typeface="Arial"/>
+        <a:buChar char="»"/>
+        <a:defRPr sz="1600" kern="1200">
           <a:solidFill>
-            <a:schemeClr val="tx1">
-              <a:lumMod val="65000"/>
-              <a:lumOff val="35000"/>
-            </a:schemeClr>
+            <a:schemeClr val="tx1"/>
           </a:solidFill>
           <a:latin typeface="+mn-lt"/>
           <a:ea typeface="+mn-ea"/>
           <a:cs typeface="+mn-cs"/>
         </a:defRPr>
       </a:lvl5pPr>
-      <a:lvl6pPr marL="1377950" indent="-228600" algn="l" defTabSz="914400" rtl="0" eaLnBrk="1" latinLnBrk="0" hangingPunct="1">
+      <a:lvl6pPr marL="2514600" indent="-228600" algn="l" defTabSz="457200" rtl="0" eaLnBrk="1" latinLnBrk="0" hangingPunct="1">
         <a:spcBef>
           <a:spcPct val="20000"/>
         </a:spcBef>
-        <a:buClr>
-          <a:schemeClr val="accent1">
-            <a:lumMod val="60000"/>
-            <a:lumOff val="40000"/>
-          </a:schemeClr>
-        </a:buClr>
-        <a:buSzPct val="75000"/>
-        <a:buFont typeface="Wingdings" pitchFamily="2" charset="2"/>
-        <a:buChar char=""/>
-        <a:defRPr lang="en-US" sz="1800" kern="1200" dirty="0" smtClean="0">
+        <a:buFont typeface="Arial"/>
+        <a:buChar char="•"/>
+        <a:defRPr sz="2000" kern="1200">
           <a:solidFill>
-            <a:schemeClr val="tx1">
-              <a:lumMod val="65000"/>
-              <a:lumOff val="35000"/>
-            </a:schemeClr>
+            <a:schemeClr val="tx1"/>
           </a:solidFill>
           <a:latin typeface="+mn-lt"/>
           <a:ea typeface="+mn-ea"/>
           <a:cs typeface="+mn-cs"/>
         </a:defRPr>
       </a:lvl6pPr>
-      <a:lvl7pPr marL="1603375" indent="-228600" algn="l" defTabSz="914400" rtl="0" eaLnBrk="1" latinLnBrk="0" hangingPunct="1">
+      <a:lvl7pPr marL="2971800" indent="-228600" algn="l" defTabSz="457200" rtl="0" eaLnBrk="1" latinLnBrk="0" hangingPunct="1">
         <a:spcBef>
           <a:spcPct val="20000"/>
         </a:spcBef>
-        <a:buClr>
-          <a:schemeClr val="accent1"/>
-        </a:buClr>
-        <a:buSzPct val="75000"/>
-        <a:buFont typeface="Wingdings" pitchFamily="2" charset="2"/>
-        <a:buChar char=""/>
-        <a:defRPr lang="en-US" sz="1800" kern="1200" baseline="0" dirty="0" smtClean="0">
+        <a:buFont typeface="Arial"/>
+        <a:buChar char="•"/>
+        <a:defRPr sz="2000" kern="1200">
           <a:solidFill>
-            <a:schemeClr val="tx1">
-              <a:lumMod val="65000"/>
-              <a:lumOff val="35000"/>
-            </a:schemeClr>
+            <a:schemeClr val="tx1"/>
           </a:solidFill>
           <a:latin typeface="+mn-lt"/>
           <a:ea typeface="+mn-ea"/>
           <a:cs typeface="+mn-cs"/>
         </a:defRPr>
       </a:lvl7pPr>
-      <a:lvl8pPr marL="1830388" indent="-228600" algn="l" defTabSz="914400" rtl="0" eaLnBrk="1" latinLnBrk="0" hangingPunct="1">
+      <a:lvl8pPr marL="3429000" indent="-228600" algn="l" defTabSz="457200" rtl="0" eaLnBrk="1" latinLnBrk="0" hangingPunct="1">
         <a:spcBef>
           <a:spcPct val="20000"/>
         </a:spcBef>
-        <a:buClr>
-          <a:schemeClr val="accent1">
-            <a:lumMod val="60000"/>
-            <a:lumOff val="40000"/>
-          </a:schemeClr>
-        </a:buClr>
-        <a:buSzPct val="75000"/>
-        <a:buFont typeface="Wingdings" pitchFamily="2" charset="2"/>
-        <a:buChar char=""/>
-        <a:defRPr lang="en-US" sz="1800" kern="1200" baseline="0" dirty="0" smtClean="0">
+        <a:buFont typeface="Arial"/>
+        <a:buChar char="•"/>
+        <a:defRPr sz="2000" kern="1200">
           <a:solidFill>
-            <a:schemeClr val="tx1">
-              <a:lumMod val="65000"/>
-              <a:lumOff val="35000"/>
-            </a:schemeClr>
+            <a:schemeClr val="tx1"/>
           </a:solidFill>
           <a:latin typeface="+mn-lt"/>
           <a:ea typeface="+mn-ea"/>
           <a:cs typeface="+mn-cs"/>
         </a:defRPr>
       </a:lvl8pPr>
-      <a:lvl9pPr marL="2057400" indent="-228600" algn="l" defTabSz="914400" rtl="0" eaLnBrk="1" latinLnBrk="0" hangingPunct="1">
+      <a:lvl9pPr marL="3886200" indent="-228600" algn="l" defTabSz="457200" rtl="0" eaLnBrk="1" latinLnBrk="0" hangingPunct="1">
         <a:spcBef>
           <a:spcPct val="20000"/>
         </a:spcBef>
-        <a:buClr>
-          <a:schemeClr val="accent1"/>
-        </a:buClr>
-        <a:buSzPct val="75000"/>
-        <a:buFont typeface="Wingdings" pitchFamily="2" charset="2"/>
-        <a:buChar char=""/>
-        <a:defRPr lang="en-US" sz="1800" kern="1200" baseline="0" dirty="0">
+        <a:buFont typeface="Arial"/>
+        <a:buChar char="•"/>
+        <a:defRPr sz="2000" kern="1200">
           <a:solidFill>
-            <a:schemeClr val="tx1">
-              <a:lumMod val="65000"/>
-              <a:lumOff val="35000"/>
-            </a:schemeClr>
+            <a:schemeClr val="tx1"/>
           </a:solidFill>
           <a:latin typeface="+mn-lt"/>
           <a:ea typeface="+mn-ea"/>
@@ -10110,9 +3893,9 @@
     </p:bodyStyle>
     <p:otherStyle>
       <a:defPPr>
-        <a:defRPr/>
+        <a:defRPr lang="en-US"/>
       </a:defPPr>
-      <a:lvl1pPr marL="0" algn="l" defTabSz="914400" rtl="0" eaLnBrk="1" latinLnBrk="0" hangingPunct="1">
+      <a:lvl1pPr marL="0" algn="l" defTabSz="457200" rtl="0" eaLnBrk="1" latinLnBrk="0" hangingPunct="1">
         <a:defRPr sz="1800" kern="1200">
           <a:solidFill>
             <a:schemeClr val="tx1"/>
@@ -10122,7 +3905,7 @@
           <a:cs typeface="+mn-cs"/>
         </a:defRPr>
       </a:lvl1pPr>
-      <a:lvl2pPr marL="457200" algn="l" defTabSz="914400" rtl="0" eaLnBrk="1" latinLnBrk="0" hangingPunct="1">
+      <a:lvl2pPr marL="457200" algn="l" defTabSz="457200" rtl="0" eaLnBrk="1" latinLnBrk="0" hangingPunct="1">
         <a:defRPr sz="1800" kern="1200">
           <a:solidFill>
             <a:schemeClr val="tx1"/>
@@ -10132,7 +3915,7 @@
           <a:cs typeface="+mn-cs"/>
         </a:defRPr>
       </a:lvl2pPr>
-      <a:lvl3pPr marL="914400" algn="l" defTabSz="914400" rtl="0" eaLnBrk="1" latinLnBrk="0" hangingPunct="1">
+      <a:lvl3pPr marL="914400" algn="l" defTabSz="457200" rtl="0" eaLnBrk="1" latinLnBrk="0" hangingPunct="1">
         <a:defRPr sz="1800" kern="1200">
           <a:solidFill>
             <a:schemeClr val="tx1"/>
@@ -10142,7 +3925,7 @@
           <a:cs typeface="+mn-cs"/>
         </a:defRPr>
       </a:lvl3pPr>
-      <a:lvl4pPr marL="1371600" algn="l" defTabSz="914400" rtl="0" eaLnBrk="1" latinLnBrk="0" hangingPunct="1">
+      <a:lvl4pPr marL="1371600" algn="l" defTabSz="457200" rtl="0" eaLnBrk="1" latinLnBrk="0" hangingPunct="1">
         <a:defRPr sz="1800" kern="1200">
           <a:solidFill>
             <a:schemeClr val="tx1"/>
@@ -10152,7 +3935,7 @@
           <a:cs typeface="+mn-cs"/>
         </a:defRPr>
       </a:lvl4pPr>
-      <a:lvl5pPr marL="1828800" algn="l" defTabSz="914400" rtl="0" eaLnBrk="1" latinLnBrk="0" hangingPunct="1">
+      <a:lvl5pPr marL="1828800" algn="l" defTabSz="457200" rtl="0" eaLnBrk="1" latinLnBrk="0" hangingPunct="1">
         <a:defRPr sz="1800" kern="1200">
           <a:solidFill>
             <a:schemeClr val="tx1"/>
@@ -10162,7 +3945,7 @@
           <a:cs typeface="+mn-cs"/>
         </a:defRPr>
       </a:lvl5pPr>
-      <a:lvl6pPr marL="2286000" algn="l" defTabSz="914400" rtl="0" eaLnBrk="1" latinLnBrk="0" hangingPunct="1">
+      <a:lvl6pPr marL="2286000" algn="l" defTabSz="457200" rtl="0" eaLnBrk="1" latinLnBrk="0" hangingPunct="1">
         <a:defRPr sz="1800" kern="1200">
           <a:solidFill>
             <a:schemeClr val="tx1"/>
@@ -10172,7 +3955,7 @@
           <a:cs typeface="+mn-cs"/>
         </a:defRPr>
       </a:lvl6pPr>
-      <a:lvl7pPr marL="2743200" algn="l" defTabSz="914400" rtl="0" eaLnBrk="1" latinLnBrk="0" hangingPunct="1">
+      <a:lvl7pPr marL="2743200" algn="l" defTabSz="457200" rtl="0" eaLnBrk="1" latinLnBrk="0" hangingPunct="1">
         <a:defRPr sz="1800" kern="1200">
           <a:solidFill>
             <a:schemeClr val="tx1"/>
@@ -10182,7 +3965,7 @@
           <a:cs typeface="+mn-cs"/>
         </a:defRPr>
       </a:lvl7pPr>
-      <a:lvl8pPr marL="3200400" algn="l" defTabSz="914400" rtl="0" eaLnBrk="1" latinLnBrk="0" hangingPunct="1">
+      <a:lvl8pPr marL="3200400" algn="l" defTabSz="457200" rtl="0" eaLnBrk="1" latinLnBrk="0" hangingPunct="1">
         <a:defRPr sz="1800" kern="1200">
           <a:solidFill>
             <a:schemeClr val="tx1"/>
@@ -10192,7 +3975,7 @@
           <a:cs typeface="+mn-cs"/>
         </a:defRPr>
       </a:lvl8pPr>
-      <a:lvl9pPr marL="3657600" algn="l" defTabSz="914400" rtl="0" eaLnBrk="1" latinLnBrk="0" hangingPunct="1">
+      <a:lvl9pPr marL="3657600" algn="l" defTabSz="457200" rtl="0" eaLnBrk="1" latinLnBrk="0" hangingPunct="1">
         <a:defRPr sz="1800" kern="1200">
           <a:solidFill>
             <a:schemeClr val="tx1"/>
@@ -10342,7 +4125,7 @@
         <p:spPr/>
         <p:txBody>
           <a:bodyPr>
-            <a:normAutofit/>
+            <a:normAutofit fontScale="92500" lnSpcReduction="10000"/>
           </a:bodyPr>
           <a:lstStyle/>
           <a:p>
@@ -10360,13 +4143,45 @@
             </a:r>
             <a:r>
               <a:rPr lang="en-US" dirty="0" smtClean="0"/>
-              <a:t>loss, for example using RAID backed storage systems.</a:t>
-            </a:r>
-          </a:p>
-          <a:p>
-            <a:r>
-              <a:rPr lang="en-US" dirty="0" smtClean="0"/>
-              <a:t>However the </a:t>
+              <a:t>loss</a:t>
+            </a:r>
+          </a:p>
+          <a:p>
+            <a:pPr lvl="1"/>
+            <a:r>
+              <a:rPr lang="en-US" dirty="0"/>
+              <a:t>While </a:t>
+            </a:r>
+            <a:r>
+              <a:rPr lang="en-US" dirty="0" smtClean="0"/>
+              <a:t>mostly RAID </a:t>
+            </a:r>
+            <a:r>
+              <a:rPr lang="en-US" dirty="0"/>
+              <a:t>backed storage </a:t>
+            </a:r>
+            <a:r>
+              <a:rPr lang="en-US" dirty="0" smtClean="0"/>
+              <a:t>systems are used to </a:t>
+            </a:r>
+            <a:r>
+              <a:rPr lang="en-US" dirty="0"/>
+              <a:t>secure the data, there’s no guarantee this is the </a:t>
+            </a:r>
+            <a:r>
+              <a:rPr lang="en-US" dirty="0" smtClean="0"/>
+              <a:t>case.</a:t>
+            </a:r>
+            <a:endParaRPr lang="en-US" dirty="0"/>
+          </a:p>
+          <a:p>
+            <a:r>
+              <a:rPr lang="en-US" dirty="0"/>
+              <a:t>T</a:t>
+            </a:r>
+            <a:r>
+              <a:rPr lang="en-US" dirty="0" smtClean="0"/>
+              <a:t>he </a:t>
             </a:r>
             <a:r>
               <a:rPr lang="en-US" dirty="0"/>
@@ -10465,7 +4280,7 @@
         <p:spPr/>
         <p:txBody>
           <a:bodyPr>
-            <a:normAutofit fontScale="92500" lnSpcReduction="10000"/>
+            <a:normAutofit fontScale="85000" lnSpcReduction="20000"/>
           </a:bodyPr>
           <a:lstStyle/>
           <a:p>
@@ -10661,7 +4476,7 @@
         <p:spPr/>
         <p:txBody>
           <a:bodyPr>
-            <a:normAutofit fontScale="85000" lnSpcReduction="10000"/>
+            <a:normAutofit fontScale="77500" lnSpcReduction="20000"/>
           </a:bodyPr>
           <a:lstStyle/>
           <a:p>
@@ -10976,7 +4791,9 @@
         </p:nvSpPr>
         <p:spPr/>
         <p:txBody>
-          <a:bodyPr/>
+          <a:bodyPr>
+            <a:normAutofit lnSpcReduction="10000"/>
+          </a:bodyPr>
           <a:lstStyle/>
           <a:p>
             <a:pPr marL="0" indent="0">
@@ -11237,30 +5054,46 @@
           </a:p>
           <a:p>
             <a:r>
-              <a:rPr lang="en-US" dirty="0" err="1" smtClean="0"/>
-              <a:t>RSync</a:t>
-            </a:r>
-            <a:r>
-              <a:rPr lang="en-US" dirty="0" smtClean="0"/>
-              <a:t> is a good choice for you if:</a:t>
+              <a:rPr lang="en-US" dirty="0" smtClean="0"/>
+              <a:t>A good choice for you if:</a:t>
             </a:r>
           </a:p>
           <a:p>
             <a:pPr lvl="1"/>
             <a:r>
-              <a:rPr lang="en-US" dirty="0" smtClean="0"/>
-              <a:t>you want to create a backup of the most recent state of your </a:t>
+              <a:rPr lang="en-US" dirty="0"/>
+              <a:t>Y</a:t>
+            </a:r>
+            <a:r>
+              <a:rPr lang="en-US" dirty="0" smtClean="0"/>
+              <a:t>ou want to create a backup of the most recent state of your </a:t>
             </a:r>
             <a:r>
               <a:rPr lang="en-US" i="1" dirty="0" smtClean="0"/>
-              <a:t>volume or secondary ephemeral drive</a:t>
+              <a:t>volume </a:t>
+            </a:r>
+            <a:r>
+              <a:rPr lang="en-US" dirty="0" smtClean="0"/>
+              <a:t>or</a:t>
+            </a:r>
+            <a:r>
+              <a:rPr lang="en-US" i="1" dirty="0" smtClean="0"/>
+              <a:t> secondary ephemeral </a:t>
+            </a:r>
+            <a:r>
+              <a:rPr lang="en-US" dirty="0" smtClean="0"/>
+              <a:t>drive</a:t>
             </a:r>
           </a:p>
           <a:p>
             <a:pPr lvl="1"/>
             <a:r>
-              <a:rPr lang="en-US" dirty="0" smtClean="0"/>
-              <a:t>and save the backup on your local computer, or another computer onto which you can log on to with a terminal.</a:t>
+              <a:rPr lang="en-US" dirty="0"/>
+              <a:t>A</a:t>
+            </a:r>
+            <a:r>
+              <a:rPr lang="en-US" dirty="0" smtClean="0"/>
+              <a:t>nd save the backup on your local computer, or another computer onto which you can log on to with a terminal.</a:t>
             </a:r>
           </a:p>
           <a:p>
@@ -11334,7 +5167,7 @@
         <p:spPr/>
         <p:txBody>
           <a:bodyPr>
-            <a:normAutofit lnSpcReduction="10000"/>
+            <a:normAutofit fontScale="85000" lnSpcReduction="20000"/>
           </a:bodyPr>
           <a:lstStyle/>
           <a:p>
@@ -11522,7 +5355,9 @@
         </p:nvSpPr>
         <p:spPr/>
         <p:txBody>
-          <a:bodyPr/>
+          <a:bodyPr>
+            <a:normAutofit lnSpcReduction="10000"/>
+          </a:bodyPr>
           <a:lstStyle/>
           <a:p>
             <a:pPr marL="0" indent="0">
@@ -11653,15 +5488,7 @@
             <a:pPr lvl="1"/>
             <a:r>
               <a:rPr lang="en-US" dirty="0" smtClean="0"/>
-              <a:t>This is a bit more </a:t>
-            </a:r>
-            <a:r>
-              <a:rPr lang="en-US" dirty="0" err="1" smtClean="0"/>
-              <a:t>compilicated</a:t>
-            </a:r>
-            <a:r>
-              <a:rPr lang="en-US" dirty="0" smtClean="0"/>
-              <a:t>, so if you are using a Windows system, </a:t>
+              <a:t>This is a bit more complicated, so if you are using a Windows system, </a:t>
             </a:r>
             <a:r>
               <a:rPr lang="en-US" i="1" dirty="0" err="1" smtClean="0"/>
@@ -11743,7 +5570,7 @@
         <p:spPr/>
         <p:txBody>
           <a:bodyPr>
-            <a:normAutofit fontScale="85000" lnSpcReduction="10000"/>
+            <a:normAutofit fontScale="62500" lnSpcReduction="20000"/>
           </a:bodyPr>
           <a:lstStyle/>
           <a:p>
@@ -11758,6 +5585,12 @@
               <a:rPr lang="en-US" dirty="0" smtClean="0"/>
               <a:t>(Linux and Mac users)</a:t>
             </a:r>
+          </a:p>
+          <a:p>
+            <a:pPr marL="0" indent="0">
+              <a:buNone/>
+            </a:pPr>
+            <a:endParaRPr lang="en-US" dirty="0" smtClean="0"/>
           </a:p>
           <a:p>
             <a:pPr marL="0" indent="0">
@@ -11863,7 +5696,7 @@
                   <a:srgbClr val="0000FF"/>
                 </a:solidFill>
               </a:rPr>
-              <a:t> &lt;path-to-private-key&gt;’ </a:t>
+              <a:t> &lt;path-to-private-key&gt;’</a:t>
             </a:r>
             <a:r>
               <a:rPr lang="en-US" dirty="0" smtClean="0"/>
@@ -11874,9 +5707,15 @@
             <a:pPr marL="0" indent="0">
               <a:buNone/>
             </a:pPr>
-            <a:r>
-              <a:rPr lang="en-US" dirty="0" smtClean="0"/>
-              <a:t>Create a test file with some text in your ssh terminal, e.g. in the /data folder. </a:t>
+            <a:endParaRPr lang="en-US" dirty="0" smtClean="0"/>
+          </a:p>
+          <a:p>
+            <a:pPr marL="0" indent="0">
+              <a:buNone/>
+            </a:pPr>
+            <a:r>
+              <a:rPr lang="en-US" dirty="0" smtClean="0"/>
+              <a:t>1. Create a test file with some text in your ssh terminal, e.g. in the /data folder. </a:t>
             </a:r>
             <a:br>
               <a:rPr lang="en-US" dirty="0" smtClean="0"/>
@@ -12039,9 +5878,15 @@
             <a:pPr marL="0" indent="0">
               <a:buNone/>
             </a:pPr>
-            <a:r>
-              <a:rPr lang="en-US" dirty="0" smtClean="0"/>
-              <a:t>Create a test file with some text in your local </a:t>
+            <a:endParaRPr lang="en-US" dirty="0" smtClean="0"/>
+          </a:p>
+          <a:p>
+            <a:pPr marL="0" indent="0">
+              <a:buNone/>
+            </a:pPr>
+            <a:r>
+              <a:rPr lang="en-US" dirty="0" smtClean="0"/>
+              <a:t>2. Create a test file with some text in your local </a:t>
             </a:r>
             <a:r>
               <a:rPr lang="en-US" dirty="0" err="1" smtClean="0"/>
@@ -12894,7 +6739,7 @@
         <p:spPr/>
         <p:txBody>
           <a:bodyPr>
-            <a:normAutofit/>
+            <a:normAutofit lnSpcReduction="10000"/>
           </a:bodyPr>
           <a:lstStyle/>
           <a:p>
@@ -13665,7 +7510,9 @@
         </p:nvSpPr>
         <p:spPr/>
         <p:txBody>
-          <a:bodyPr/>
+          <a:bodyPr>
+            <a:normAutofit fontScale="92500" lnSpcReduction="10000"/>
+          </a:bodyPr>
           <a:lstStyle/>
           <a:p>
             <a:pPr marL="0" indent="0">
@@ -13816,7 +7663,7 @@
         <p:spPr/>
         <p:txBody>
           <a:bodyPr>
-            <a:normAutofit/>
+            <a:normAutofit fontScale="92500" lnSpcReduction="10000"/>
           </a:bodyPr>
           <a:lstStyle/>
           <a:p>
@@ -14091,12 +7938,14 @@
         </p:nvSpPr>
         <p:spPr>
           <a:xfrm>
-            <a:off x="498474" y="1981201"/>
-            <a:ext cx="7556313" cy="1089614"/>
+            <a:off x="498475" y="1485901"/>
+            <a:ext cx="7556313" cy="817211"/>
           </a:xfrm>
         </p:spPr>
         <p:txBody>
-          <a:bodyPr/>
+          <a:bodyPr>
+            <a:normAutofit fontScale="92500" lnSpcReduction="10000"/>
+          </a:bodyPr>
           <a:lstStyle/>
           <a:p>
             <a:pPr marL="0" indent="0">
@@ -14146,8 +7995,8 @@
         </p:blipFill>
         <p:spPr>
           <a:xfrm>
-            <a:off x="498474" y="3070814"/>
-            <a:ext cx="7556313" cy="3174271"/>
+            <a:off x="1587500" y="2303111"/>
+            <a:ext cx="5803900" cy="2380703"/>
           </a:xfrm>
           <a:prstGeom prst="rect">
             <a:avLst/>
@@ -14380,9 +8229,16 @@
             <p:ph idx="1"/>
           </p:nvPr>
         </p:nvSpPr>
-        <p:spPr/>
-        <p:txBody>
-          <a:bodyPr/>
+        <p:spPr>
+          <a:xfrm>
+            <a:off x="457200" y="1205539"/>
+            <a:ext cx="8229600" cy="3376383"/>
+          </a:xfrm>
+        </p:spPr>
+        <p:txBody>
+          <a:bodyPr>
+            <a:normAutofit lnSpcReduction="10000"/>
+          </a:bodyPr>
           <a:lstStyle/>
           <a:p>
             <a:r>
@@ -14474,14 +8330,13 @@
             </a:r>
           </a:p>
           <a:p>
-            <a:pPr marL="228600" lvl="2">
-              <a:spcBef>
-                <a:spcPts val="2000"/>
-              </a:spcBef>
-            </a:pPr>
+            <a:r>
+              <a:rPr lang="en-US" dirty="0" smtClean="0"/>
+              <a:t>You </a:t>
+            </a:r>
             <a:r>
               <a:rPr lang="en-US" dirty="0"/>
-              <a:t>You may prefer other forms of backup discussed later</a:t>
+              <a:t>may prefer other forms of backup discussed later</a:t>
             </a:r>
             <a:r>
               <a:rPr lang="en-US" dirty="0" smtClean="0"/>
@@ -14556,12 +8411,14 @@
         </p:nvSpPr>
         <p:spPr>
           <a:xfrm>
-            <a:off x="498474" y="1981200"/>
-            <a:ext cx="7556313" cy="1162465"/>
+            <a:off x="498475" y="1485900"/>
+            <a:ext cx="7556313" cy="871849"/>
           </a:xfrm>
         </p:spPr>
         <p:txBody>
-          <a:bodyPr/>
+          <a:bodyPr>
+            <a:normAutofit fontScale="85000" lnSpcReduction="10000"/>
+          </a:bodyPr>
           <a:lstStyle/>
           <a:p>
             <a:pPr marL="0" indent="0">
@@ -14626,8 +8483,8 @@
         </p:blipFill>
         <p:spPr>
           <a:xfrm>
-            <a:off x="498473" y="3143665"/>
-            <a:ext cx="7556313" cy="2989570"/>
+            <a:off x="1003300" y="2357749"/>
+            <a:ext cx="6632387" cy="2242178"/>
           </a:xfrm>
           <a:prstGeom prst="rect">
             <a:avLst/>
@@ -14699,12 +8556,14 @@
         </p:nvSpPr>
         <p:spPr>
           <a:xfrm>
-            <a:off x="498474" y="1981200"/>
-            <a:ext cx="7556313" cy="1306465"/>
+            <a:off x="498475" y="1485900"/>
+            <a:ext cx="7556313" cy="979849"/>
           </a:xfrm>
         </p:spPr>
         <p:txBody>
-          <a:bodyPr/>
+          <a:bodyPr>
+            <a:normAutofit fontScale="92500" lnSpcReduction="20000"/>
+          </a:bodyPr>
           <a:lstStyle/>
           <a:p>
             <a:pPr marL="0" indent="0">
@@ -14769,8 +8628,8 @@
         </p:blipFill>
         <p:spPr>
           <a:xfrm>
-            <a:off x="498474" y="3826912"/>
-            <a:ext cx="7556313" cy="1432309"/>
+            <a:off x="1054100" y="2870184"/>
+            <a:ext cx="6273800" cy="1074232"/>
           </a:xfrm>
           <a:prstGeom prst="rect">
             <a:avLst/>
@@ -14791,9 +8650,9 @@
 </file>
 
 <file path=ppt/theme/theme1.xml><?xml version="1.0" encoding="utf-8"?>
-<a:theme xmlns:a="http://schemas.openxmlformats.org/drawingml/2006/main" name="Advantage">
+<a:theme xmlns:a="http://schemas.openxmlformats.org/drawingml/2006/main" name="Nectar_Theme1">
   <a:themeElements>
-    <a:clrScheme name="Advantage">
+    <a:clrScheme name="Custom 1">
       <a:dk1>
         <a:sysClr val="windowText" lastClr="000000"/>
       </a:dk1>
@@ -14801,55 +8660,107 @@
         <a:sysClr val="window" lastClr="FFFFFF"/>
       </a:lt1>
       <a:dk2>
-        <a:srgbClr val="2B142D"/>
+        <a:srgbClr val="D16207"/>
       </a:dk2>
       <a:lt2>
-        <a:srgbClr val="C3AFCC"/>
+        <a:srgbClr val="F0B31E"/>
       </a:lt2>
       <a:accent1>
-        <a:srgbClr val="663366"/>
+        <a:srgbClr val="51A6C2"/>
       </a:accent1>
       <a:accent2>
-        <a:srgbClr val="330F42"/>
+        <a:srgbClr val="51C2A9"/>
       </a:accent2>
       <a:accent3>
-        <a:srgbClr val="666699"/>
+        <a:srgbClr val="7EC251"/>
       </a:accent3>
       <a:accent4>
-        <a:srgbClr val="999966"/>
+        <a:srgbClr val="E1DC53"/>
       </a:accent4>
       <a:accent5>
-        <a:srgbClr val="F7901E"/>
+        <a:srgbClr val="B54721"/>
       </a:accent5>
       <a:accent6>
-        <a:srgbClr val="A3A101"/>
+        <a:srgbClr val="A16BB1"/>
       </a:accent6>
       <a:hlink>
-        <a:srgbClr val="BC5FBC"/>
+        <a:srgbClr val="A40A06"/>
       </a:hlink>
       <a:folHlink>
-        <a:srgbClr val="9775A7"/>
+        <a:srgbClr val="837F16"/>
       </a:folHlink>
     </a:clrScheme>
-    <a:fontScheme name="Advantage">
+    <a:fontScheme name="Office Classic 2">
       <a:majorFont>
-        <a:latin typeface="Rockwell"/>
+        <a:latin typeface="Arial"/>
         <a:ea typeface=""/>
         <a:cs typeface=""/>
-        <a:font script="Jpan" typeface="ＭＳ ゴシック"/>
-        <a:font script="Hans" typeface="宋体"/>
-        <a:font script="Hant" typeface="新細明體"/>
+        <a:font script="Jpan" typeface="ＭＳ Ｐゴシック"/>
+        <a:font script="Hang" typeface="굴림"/>
+        <a:font script="Hans" typeface="黑体"/>
+        <a:font script="Hant" typeface="微軟正黑體"/>
+        <a:font script="Arab" typeface="Arial"/>
+        <a:font script="Hebr" typeface="Arial"/>
+        <a:font script="Thai" typeface="Cordia New"/>
+        <a:font script="Ethi" typeface="Nyala"/>
+        <a:font script="Beng" typeface="Vrinda"/>
+        <a:font script="Gujr" typeface="Shruti"/>
+        <a:font script="Khmr" typeface="DaunPenh"/>
+        <a:font script="Knda" typeface="Tunga"/>
+        <a:font script="Guru" typeface="Raavi"/>
+        <a:font script="Cans" typeface="Euphemia"/>
+        <a:font script="Cher" typeface="Plantagenet Cherokee"/>
+        <a:font script="Yiii" typeface="Microsoft Yi Baiti"/>
+        <a:font script="Tibt" typeface="Microsoft Himalaya"/>
+        <a:font script="Thaa" typeface="MV Boli"/>
+        <a:font script="Deva" typeface="Mangal"/>
+        <a:font script="Telu" typeface="Gautami"/>
+        <a:font script="Taml" typeface="Latha"/>
+        <a:font script="Syrc" typeface="Estrangelo Edessa"/>
+        <a:font script="Orya" typeface="Kalinga"/>
+        <a:font script="Mlym" typeface="Kartika"/>
+        <a:font script="Laoo" typeface="DokChampa"/>
+        <a:font script="Sinh" typeface="Iskoola Pota"/>
+        <a:font script="Mong" typeface="Mongolian Baiti"/>
+        <a:font script="Viet" typeface="Arial"/>
+        <a:font script="Uigh" typeface="Microsoft Uighur"/>
       </a:majorFont>
       <a:minorFont>
-        <a:latin typeface="Rockwell"/>
+        <a:latin typeface="Arial"/>
         <a:ea typeface=""/>
         <a:cs typeface=""/>
-        <a:font script="Jpan" typeface="ＭＳ ゴシック"/>
-        <a:font script="Hans" typeface="宋体"/>
-        <a:font script="Hant" typeface="新細明體"/>
+        <a:font script="Jpan" typeface="ＭＳ Ｐゴシック"/>
+        <a:font script="Hang" typeface="굴림"/>
+        <a:font script="Hans" typeface="黑体"/>
+        <a:font script="Hant" typeface="微軟正黑體"/>
+        <a:font script="Arab" typeface="Arial"/>
+        <a:font script="Hebr" typeface="Arial"/>
+        <a:font script="Thai" typeface="Cordia New"/>
+        <a:font script="Ethi" typeface="Nyala"/>
+        <a:font script="Beng" typeface="Vrinda"/>
+        <a:font script="Gujr" typeface="Shruti"/>
+        <a:font script="Khmr" typeface="DaunPenh"/>
+        <a:font script="Knda" typeface="Tunga"/>
+        <a:font script="Guru" typeface="Raavi"/>
+        <a:font script="Cans" typeface="Euphemia"/>
+        <a:font script="Cher" typeface="Plantagenet Cherokee"/>
+        <a:font script="Yiii" typeface="Microsoft Yi Baiti"/>
+        <a:font script="Tibt" typeface="Microsoft Himalaya"/>
+        <a:font script="Thaa" typeface="MV Boli"/>
+        <a:font script="Deva" typeface="Mangal"/>
+        <a:font script="Telu" typeface="Gautami"/>
+        <a:font script="Taml" typeface="Latha"/>
+        <a:font script="Syrc" typeface="Estrangelo Edessa"/>
+        <a:font script="Orya" typeface="Kalinga"/>
+        <a:font script="Mlym" typeface="Kartika"/>
+        <a:font script="Laoo" typeface="DokChampa"/>
+        <a:font script="Sinh" typeface="Iskoola Pota"/>
+        <a:font script="Mong" typeface="Mongolian Baiti"/>
+        <a:font script="Viet" typeface="Arial"/>
+        <a:font script="Uigh" typeface="Microsoft Uighur"/>
       </a:minorFont>
     </a:fontScheme>
-    <a:fmtScheme name="Advantage">
+    <a:fmtScheme name="Office">
       <a:fillStyleLst>
         <a:solidFill>
           <a:schemeClr val="phClr"/>
@@ -14858,50 +8769,47 @@
           <a:gsLst>
             <a:gs pos="0">
               <a:schemeClr val="phClr">
-                <a:tint val="100000"/>
-                <a:shade val="40000"/>
-                <a:alpha val="100000"/>
-                <a:satMod val="150000"/>
-                <a:lumMod val="100000"/>
+                <a:tint val="50000"/>
+                <a:satMod val="300000"/>
+              </a:schemeClr>
+            </a:gs>
+            <a:gs pos="35000">
+              <a:schemeClr val="phClr">
+                <a:tint val="37000"/>
+                <a:satMod val="300000"/>
               </a:schemeClr>
             </a:gs>
             <a:gs pos="100000">
               <a:schemeClr val="phClr">
-                <a:tint val="70000"/>
-                <a:shade val="100000"/>
-                <a:alpha val="100000"/>
-                <a:satMod val="200000"/>
-                <a:lumMod val="100000"/>
+                <a:tint val="15000"/>
+                <a:satMod val="350000"/>
               </a:schemeClr>
             </a:gs>
           </a:gsLst>
-          <a:lin ang="6000000" scaled="1"/>
+          <a:lin ang="16200000" scaled="1"/>
         </a:gradFill>
         <a:gradFill rotWithShape="1">
           <a:gsLst>
             <a:gs pos="0">
               <a:schemeClr val="phClr">
-                <a:shade val="40000"/>
-                <a:alpha val="100000"/>
-                <a:satMod val="150000"/>
-                <a:lumMod val="100000"/>
+                <a:tint val="100000"/>
+                <a:shade val="100000"/>
+                <a:satMod val="130000"/>
               </a:schemeClr>
             </a:gs>
             <a:gs pos="100000">
               <a:schemeClr val="phClr">
-                <a:tint val="70000"/>
+                <a:tint val="50000"/>
                 <a:shade val="100000"/>
-                <a:alpha val="100000"/>
-                <a:satMod val="200000"/>
-                <a:lumMod val="100000"/>
+                <a:satMod val="350000"/>
               </a:schemeClr>
             </a:gs>
           </a:gsLst>
-          <a:lin ang="5400000" scaled="1"/>
+          <a:lin ang="16200000" scaled="0"/>
         </a:gradFill>
       </a:fillStyleLst>
       <a:lnStyleLst>
-        <a:ln w="12700" cap="flat" cmpd="sng" algn="ctr">
+        <a:ln w="9525" cap="flat" cmpd="sng" algn="ctr">
           <a:solidFill>
             <a:schemeClr val="phClr">
               <a:shade val="95000"/>
@@ -14925,34 +8833,41 @@
       </a:lnStyleLst>
       <a:effectStyleLst>
         <a:effectStyle>
-          <a:effectLst/>
-        </a:effectStyle>
-        <a:effectStyle>
           <a:effectLst>
-            <a:innerShdw blurRad="50800" dist="25400" dir="13500000">
-              <a:srgbClr val="FFFFFF">
-                <a:alpha val="75000"/>
-              </a:srgbClr>
-            </a:innerShdw>
-            <a:outerShdw blurRad="63500" dist="25400" dir="5400000" rotWithShape="0">
-              <a:srgbClr val="808080">
-                <a:alpha val="75000"/>
+            <a:outerShdw blurRad="40000" dist="20000" dir="5400000" rotWithShape="0">
+              <a:srgbClr val="000000">
+                <a:alpha val="38000"/>
               </a:srgbClr>
             </a:outerShdw>
           </a:effectLst>
         </a:effectStyle>
         <a:effectStyle>
-          <a:effectLst/>
+          <a:effectLst>
+            <a:outerShdw blurRad="40000" dist="23000" dir="5400000" rotWithShape="0">
+              <a:srgbClr val="000000">
+                <a:alpha val="35000"/>
+              </a:srgbClr>
+            </a:outerShdw>
+          </a:effectLst>
+        </a:effectStyle>
+        <a:effectStyle>
+          <a:effectLst>
+            <a:outerShdw blurRad="40000" dist="23000" dir="5400000" rotWithShape="0">
+              <a:srgbClr val="000000">
+                <a:alpha val="35000"/>
+              </a:srgbClr>
+            </a:outerShdw>
+          </a:effectLst>
           <a:scene3d>
             <a:camera prst="orthographicFront">
               <a:rot lat="0" lon="0" rev="0"/>
             </a:camera>
-            <a:lightRig rig="twoPt" dir="tl">
-              <a:rot lat="0" lon="0" rev="4500000"/>
+            <a:lightRig rig="threePt" dir="t">
+              <a:rot lat="0" lon="0" rev="1200000"/>
             </a:lightRig>
           </a:scene3d>
           <a:sp3d>
-            <a:bevelT w="63500" h="50800"/>
+            <a:bevelT w="63500" h="25400"/>
           </a:sp3d>
         </a:effectStyle>
       </a:effectStyleLst>
@@ -14965,7 +8880,7 @@
             <a:gs pos="0">
               <a:schemeClr val="phClr">
                 <a:tint val="40000"/>
-                <a:satMod val="150000"/>
+                <a:satMod val="350000"/>
               </a:schemeClr>
             </a:gs>
             <a:gs pos="40000">
@@ -15011,12 +8926,8 @@
   <a:objectDefaults>
     <a:spDef>
       <a:spPr/>
-      <a:bodyPr rtlCol="0" anchor="ctr"/>
-      <a:lstStyle>
-        <a:defPPr algn="ctr">
-          <a:defRPr/>
-        </a:defPPr>
-      </a:lstStyle>
+      <a:bodyPr/>
+      <a:lstStyle/>
       <a:style>
         <a:lnRef idx="1">
           <a:schemeClr val="accent1"/>
